--- a/PowerPoint Slides/08 - Abstract Syntax Trees.pptx
+++ b/PowerPoint Slides/08 - Abstract Syntax Trees.pptx
@@ -31,8 +31,8 @@
     <p:sldId id="283" r:id="rId19"/>
     <p:sldId id="292" r:id="rId20"/>
     <p:sldId id="293" r:id="rId21"/>
-    <p:sldId id="301" r:id="rId22"/>
-    <p:sldId id="302" r:id="rId23"/>
+    <p:sldId id="346" r:id="rId22"/>
+    <p:sldId id="347" r:id="rId23"/>
     <p:sldId id="311" r:id="rId24"/>
     <p:sldId id="332" r:id="rId25"/>
     <p:sldId id="343" r:id="rId26"/>
@@ -45,7 +45,7 @@
     <p:sldId id="285" r:id="rId33"/>
     <p:sldId id="334" r:id="rId34"/>
     <p:sldId id="335" r:id="rId35"/>
-    <p:sldId id="317" r:id="rId36"/>
+    <p:sldId id="345" r:id="rId36"/>
     <p:sldId id="320" r:id="rId37"/>
     <p:sldId id="314" r:id="rId38"/>
     <p:sldId id="315" r:id="rId39"/>
@@ -6342,35 +6342,35 @@
               <a:buNone/>
             </a:pPr>
             <a:r>
-              <a:rPr lang="en-US" sz="1700" dirty="0">
+              <a:rPr lang="en-US" sz="1800" dirty="0">
                 <a:latin typeface="Consolas" pitchFamily="49" charset="0"/>
                 <a:cs typeface="Consolas" pitchFamily="49" charset="0"/>
               </a:rPr>
               <a:t>abstract class </a:t>
             </a:r>
             <a:r>
-              <a:rPr lang="en-US" sz="1700" dirty="0" err="1">
+              <a:rPr lang="en-US" sz="1800" dirty="0" err="1">
                 <a:latin typeface="Consolas" pitchFamily="49" charset="0"/>
                 <a:cs typeface="Consolas" pitchFamily="49" charset="0"/>
               </a:rPr>
               <a:t>BinaryExpr</a:t>
             </a:r>
             <a:r>
-              <a:rPr lang="en-US" sz="1700" dirty="0">
+              <a:rPr lang="en-US" sz="1800" dirty="0">
                 <a:latin typeface="Consolas" pitchFamily="49" charset="0"/>
                 <a:cs typeface="Consolas" pitchFamily="49" charset="0"/>
               </a:rPr>
               <a:t>(val </a:t>
             </a:r>
             <a:r>
-              <a:rPr lang="en-US" sz="1700" dirty="0" err="1">
+              <a:rPr lang="en-US" sz="1800" dirty="0" err="1">
                 <a:latin typeface="Consolas" pitchFamily="49" charset="0"/>
                 <a:cs typeface="Consolas" pitchFamily="49" charset="0"/>
               </a:rPr>
               <a:t>leftOperand</a:t>
             </a:r>
             <a:r>
-              <a:rPr lang="en-US" sz="1700" dirty="0">
+              <a:rPr lang="en-US" sz="1800" dirty="0">
                 <a:latin typeface="Consolas" pitchFamily="49" charset="0"/>
                 <a:cs typeface="Consolas" pitchFamily="49" charset="0"/>
               </a:rPr>
@@ -6385,7 +6385,7 @@
               <a:buNone/>
             </a:pPr>
             <a:r>
-              <a:rPr lang="en-US" sz="1700" dirty="0">
+              <a:rPr lang="en-US" sz="1800" dirty="0">
                 <a:latin typeface="Consolas" pitchFamily="49" charset="0"/>
                 <a:cs typeface="Consolas" pitchFamily="49" charset="0"/>
               </a:rPr>
@@ -6400,21 +6400,21 @@
               <a:buNone/>
             </a:pPr>
             <a:r>
-              <a:rPr lang="en-US" sz="1700" dirty="0">
+              <a:rPr lang="en-US" sz="1800" dirty="0">
                 <a:latin typeface="Consolas" pitchFamily="49" charset="0"/>
                 <a:cs typeface="Consolas" pitchFamily="49" charset="0"/>
               </a:rPr>
               <a:t>                          val </a:t>
             </a:r>
             <a:r>
-              <a:rPr lang="en-US" sz="1700" dirty="0" err="1">
+              <a:rPr lang="en-US" sz="1800" dirty="0" err="1">
                 <a:latin typeface="Consolas" pitchFamily="49" charset="0"/>
                 <a:cs typeface="Consolas" pitchFamily="49" charset="0"/>
               </a:rPr>
               <a:t>rightOperand</a:t>
             </a:r>
             <a:r>
-              <a:rPr lang="en-US" sz="1700" dirty="0">
+              <a:rPr lang="en-US" sz="1800" dirty="0">
                 <a:latin typeface="Consolas" pitchFamily="49" charset="0"/>
                 <a:cs typeface="Consolas" pitchFamily="49" charset="0"/>
               </a:rPr>
@@ -6429,21 +6429,21 @@
               <a:buNone/>
             </a:pPr>
             <a:r>
-              <a:rPr lang="en-US" sz="1700" dirty="0">
+              <a:rPr lang="en-US" sz="1800" dirty="0">
                 <a:latin typeface="Consolas" pitchFamily="49" charset="0"/>
                 <a:cs typeface="Consolas" pitchFamily="49" charset="0"/>
               </a:rPr>
               <a:t>    : Expression(</a:t>
             </a:r>
             <a:r>
-              <a:rPr lang="en-US" sz="1700" dirty="0" err="1">
+              <a:rPr lang="en-US" sz="1800" dirty="0" err="1">
                 <a:latin typeface="Consolas" pitchFamily="49" charset="0"/>
                 <a:cs typeface="Consolas" pitchFamily="49" charset="0"/>
               </a:rPr>
               <a:t>operator.position</a:t>
             </a:r>
             <a:r>
-              <a:rPr lang="en-US" sz="1700" dirty="0">
+              <a:rPr lang="en-US" sz="1800" dirty="0">
                 <a:latin typeface="Consolas" pitchFamily="49" charset="0"/>
                 <a:cs typeface="Consolas" pitchFamily="49" charset="0"/>
               </a:rPr>
@@ -10874,7 +10874,37 @@
             </a:r>
             <a:r>
               <a:rPr lang="en-US" dirty="0"/>
-              <a:t> for kinds of declarations; e.g., ConstDecl, VarDecl, ProcedureDecl, etc.</a:t>
+              <a:t> for kinds of declarations; e.g., </a:t>
+            </a:r>
+            <a:r>
+              <a:rPr lang="en-US" dirty="0">
+                <a:latin typeface="Consolas" panose="020B0609020204030204" pitchFamily="49" charset="0"/>
+              </a:rPr>
+              <a:t>ConstDecl</a:t>
+            </a:r>
+            <a:r>
+              <a:rPr lang="en-US" dirty="0"/>
+              <a:t>, </a:t>
+            </a:r>
+            <a:r>
+              <a:rPr lang="en-US" dirty="0">
+                <a:latin typeface="Consolas" panose="020B0609020204030204" pitchFamily="49" charset="0"/>
+              </a:rPr>
+              <a:t>VarDecl</a:t>
+            </a:r>
+            <a:r>
+              <a:rPr lang="en-US" dirty="0"/>
+              <a:t>, </a:t>
+            </a:r>
+            <a:r>
+              <a:rPr lang="en-US" dirty="0">
+                <a:latin typeface="Consolas" panose="020B0609020204030204" pitchFamily="49" charset="0"/>
+              </a:rPr>
+              <a:t>ProcedureDecl</a:t>
+            </a:r>
+            <a:r>
+              <a:rPr lang="en-US" dirty="0"/>
+              <a:t>, etc.</a:t>
             </a:r>
           </a:p>
         </p:txBody>
@@ -10921,14 +10951,14 @@
           <a:p>
             <a:r>
               <a:rPr lang="en-US" sz="2900" dirty="0"/>
-              <a:t>Selected Methods in the Modified</a:t>
+              <a:t>A Property and Selected Methods in the</a:t>
             </a:r>
             <a:br>
               <a:rPr lang="en-US" sz="2900" dirty="0"/>
             </a:br>
             <a:r>
               <a:rPr lang="en-US" sz="2900" dirty="0"/>
-              <a:t>Version of </a:t>
+              <a:t>Modified Version of </a:t>
             </a:r>
             <a:r>
               <a:rPr lang="en-US" sz="2900" dirty="0">
@@ -10958,7 +10988,7 @@
           <a:p>
             <a:pPr marL="91440" indent="0">
               <a:spcBef>
-                <a:spcPts val="0"/>
+                <a:spcPts val="100"/>
               </a:spcBef>
               <a:buNone/>
             </a:pPr>
@@ -10973,7 +11003,7 @@
           <a:p>
             <a:pPr marL="91440" indent="0">
               <a:spcBef>
-                <a:spcPts val="0"/>
+                <a:spcPts val="100"/>
               </a:spcBef>
               <a:buNone/>
             </a:pPr>
@@ -10982,13 +11012,13 @@
                 <a:latin typeface="Consolas" pitchFamily="49" charset="0"/>
                 <a:cs typeface="Consolas" pitchFamily="49" charset="0"/>
               </a:rPr>
-              <a:t> * Opens a new scope for identifiers.</a:t>
+              <a:t> * The current scope level.</a:t>
             </a:r>
           </a:p>
           <a:p>
             <a:pPr marL="91440" indent="0">
               <a:spcBef>
-                <a:spcPts val="0"/>
+                <a:spcPts val="100"/>
               </a:spcBef>
               <a:buNone/>
             </a:pPr>
@@ -11003,39 +11033,45 @@
           <a:p>
             <a:pPr marL="91440" indent="0">
               <a:spcBef>
-                <a:spcPts val="0"/>
-              </a:spcBef>
-              <a:buNone/>
-            </a:pPr>
-            <a:r>
-              <a:rPr lang="en-US" sz="1800" dirty="0">
+                <a:spcPts val="100"/>
+              </a:spcBef>
+              <a:buNone/>
+            </a:pPr>
+            <a:r>
+              <a:rPr lang="en-US" sz="1800" dirty="0" err="1">
                 <a:latin typeface="Consolas" pitchFamily="49" charset="0"/>
                 <a:cs typeface="Consolas" pitchFamily="49" charset="0"/>
               </a:rPr>
-              <a:t>fun </a:t>
+              <a:t>val</a:t>
+            </a:r>
+            <a:r>
+              <a:rPr lang="en-US" sz="1800" dirty="0">
+                <a:latin typeface="Consolas" pitchFamily="49" charset="0"/>
+                <a:cs typeface="Consolas" pitchFamily="49" charset="0"/>
+              </a:rPr>
+              <a:t> </a:t>
             </a:r>
             <a:r>
               <a:rPr lang="en-US" sz="1800" dirty="0" err="1">
                 <a:latin typeface="Consolas" pitchFamily="49" charset="0"/>
                 <a:cs typeface="Consolas" pitchFamily="49" charset="0"/>
               </a:rPr>
-              <a:t>openScope</a:t>
+              <a:t>scopeLevel</a:t>
             </a:r>
             <a:r>
               <a:rPr lang="en-US" sz="1800" dirty="0">
                 <a:latin typeface="Consolas" pitchFamily="49" charset="0"/>
                 <a:cs typeface="Consolas" pitchFamily="49" charset="0"/>
               </a:rPr>
-              <a:t>()</a:t>
-            </a:r>
-          </a:p>
-          <a:p>
-            <a:pPr marL="91440" indent="0">
-              <a:spcBef>
-                <a:spcPts val="0"/>
-              </a:spcBef>
-              <a:buNone/>
-            </a:pPr>
+              <a:t> : </a:t>
+            </a:r>
+            <a:r>
+              <a:rPr lang="en-US" sz="1800" dirty="0" err="1">
+                <a:latin typeface="Consolas" pitchFamily="49" charset="0"/>
+                <a:cs typeface="Consolas" pitchFamily="49" charset="0"/>
+              </a:rPr>
+              <a:t>ScopeLevel</a:t>
+            </a:r>
             <a:endParaRPr lang="en-US" sz="1800" dirty="0">
               <a:latin typeface="Consolas" pitchFamily="49" charset="0"/>
               <a:cs typeface="Consolas" pitchFamily="49" charset="0"/>
@@ -11048,80 +11084,6 @@
               </a:spcBef>
               <a:buNone/>
             </a:pPr>
-            <a:r>
-              <a:rPr lang="en-US" sz="1800" dirty="0">
-                <a:latin typeface="Consolas" pitchFamily="49" charset="0"/>
-                <a:cs typeface="Consolas" pitchFamily="49" charset="0"/>
-              </a:rPr>
-              <a:t>/**</a:t>
-            </a:r>
-          </a:p>
-          <a:p>
-            <a:pPr marL="91440" indent="0">
-              <a:spcBef>
-                <a:spcPts val="0"/>
-              </a:spcBef>
-              <a:buNone/>
-            </a:pPr>
-            <a:r>
-              <a:rPr lang="en-US" sz="1800" dirty="0">
-                <a:latin typeface="Consolas" pitchFamily="49" charset="0"/>
-                <a:cs typeface="Consolas" pitchFamily="49" charset="0"/>
-              </a:rPr>
-              <a:t> * Closes the outermost scope.</a:t>
-            </a:r>
-          </a:p>
-          <a:p>
-            <a:pPr marL="91440" indent="0">
-              <a:spcBef>
-                <a:spcPts val="0"/>
-              </a:spcBef>
-              <a:buNone/>
-            </a:pPr>
-            <a:r>
-              <a:rPr lang="en-US" sz="1800" dirty="0">
-                <a:latin typeface="Consolas" pitchFamily="49" charset="0"/>
-                <a:cs typeface="Consolas" pitchFamily="49" charset="0"/>
-              </a:rPr>
-              <a:t> */</a:t>
-            </a:r>
-          </a:p>
-          <a:p>
-            <a:pPr marL="91440" indent="0">
-              <a:spcBef>
-                <a:spcPts val="0"/>
-              </a:spcBef>
-              <a:buNone/>
-            </a:pPr>
-            <a:r>
-              <a:rPr lang="en-US" sz="1800" dirty="0">
-                <a:latin typeface="Consolas" pitchFamily="49" charset="0"/>
-                <a:cs typeface="Consolas" pitchFamily="49" charset="0"/>
-              </a:rPr>
-              <a:t>fun </a:t>
-            </a:r>
-            <a:r>
-              <a:rPr lang="en-US" sz="1800" dirty="0" err="1">
-                <a:latin typeface="Consolas" pitchFamily="49" charset="0"/>
-                <a:cs typeface="Consolas" pitchFamily="49" charset="0"/>
-              </a:rPr>
-              <a:t>closeScope</a:t>
-            </a:r>
-            <a:r>
-              <a:rPr lang="en-US" sz="1800" dirty="0">
-                <a:latin typeface="Consolas" pitchFamily="49" charset="0"/>
-                <a:cs typeface="Consolas" pitchFamily="49" charset="0"/>
-              </a:rPr>
-              <a:t>()</a:t>
-            </a:r>
-          </a:p>
-          <a:p>
-            <a:pPr marL="91440" indent="0">
-              <a:spcBef>
-                <a:spcPts val="0"/>
-              </a:spcBef>
-              <a:buNone/>
-            </a:pPr>
             <a:endParaRPr lang="en-US" sz="1800" dirty="0">
               <a:latin typeface="Consolas" pitchFamily="49" charset="0"/>
               <a:cs typeface="Consolas" pitchFamily="49" charset="0"/>
@@ -11154,7 +11116,7 @@
                 <a:latin typeface="Consolas" pitchFamily="49" charset="0"/>
                 <a:cs typeface="Consolas" pitchFamily="49" charset="0"/>
               </a:rPr>
-              <a:t> * Add a declaration at the current scope level.</a:t>
+              <a:t> * Opens a new scope for identifiers.</a:t>
             </a:r>
           </a:p>
           <a:p>
@@ -11169,21 +11131,36 @@
                 <a:latin typeface="Consolas" pitchFamily="49" charset="0"/>
                 <a:cs typeface="Consolas" pitchFamily="49" charset="0"/>
               </a:rPr>
-              <a:t> * @throws </a:t>
+              <a:t> */</a:t>
+            </a:r>
+          </a:p>
+          <a:p>
+            <a:pPr marL="91440" indent="0">
+              <a:spcBef>
+                <a:spcPts val="0"/>
+              </a:spcBef>
+              <a:buNone/>
+            </a:pPr>
+            <a:r>
+              <a:rPr lang="en-US" sz="1800" dirty="0">
+                <a:latin typeface="Consolas" pitchFamily="49" charset="0"/>
+                <a:cs typeface="Consolas" pitchFamily="49" charset="0"/>
+              </a:rPr>
+              <a:t>fun </a:t>
             </a:r>
             <a:r>
               <a:rPr lang="en-US" sz="1800" dirty="0" err="1">
                 <a:latin typeface="Consolas" pitchFamily="49" charset="0"/>
                 <a:cs typeface="Consolas" pitchFamily="49" charset="0"/>
               </a:rPr>
-              <a:t>ParserException</a:t>
+              <a:t>openScope</a:t>
             </a:r>
             <a:r>
               <a:rPr lang="en-US" sz="1800" dirty="0">
                 <a:latin typeface="Consolas" pitchFamily="49" charset="0"/>
                 <a:cs typeface="Consolas" pitchFamily="49" charset="0"/>
               </a:rPr>
-              <a:t> if the identifier token associated</a:t>
+              <a:t>()</a:t>
             </a:r>
           </a:p>
           <a:p>
@@ -11193,12 +11170,24 @@
               </a:spcBef>
               <a:buNone/>
             </a:pPr>
+            <a:endParaRPr lang="en-US" sz="1800" dirty="0">
+              <a:latin typeface="Consolas" pitchFamily="49" charset="0"/>
+              <a:cs typeface="Consolas" pitchFamily="49" charset="0"/>
+            </a:endParaRPr>
+          </a:p>
+          <a:p>
+            <a:pPr marL="91440" indent="0">
+              <a:spcBef>
+                <a:spcPts val="0"/>
+              </a:spcBef>
+              <a:buNone/>
+            </a:pPr>
             <a:r>
               <a:rPr lang="en-US" sz="1800" dirty="0">
                 <a:latin typeface="Consolas" pitchFamily="49" charset="0"/>
                 <a:cs typeface="Consolas" pitchFamily="49" charset="0"/>
               </a:rPr>
-              <a:t> *                         with the declaration is already</a:t>
+              <a:t>/**</a:t>
             </a:r>
           </a:p>
           <a:p>
@@ -11213,7 +11202,7 @@
                 <a:latin typeface="Consolas" pitchFamily="49" charset="0"/>
                 <a:cs typeface="Consolas" pitchFamily="49" charset="0"/>
               </a:rPr>
-              <a:t> *                         defined in the current scope.</a:t>
+              <a:t> * Closes the outermost scope.</a:t>
             </a:r>
           </a:p>
           <a:p>
@@ -11243,22 +11232,34 @@
                 <a:latin typeface="Consolas" pitchFamily="49" charset="0"/>
                 <a:cs typeface="Consolas" pitchFamily="49" charset="0"/>
               </a:rPr>
-              <a:t>fun add(</a:t>
+              <a:t>fun </a:t>
             </a:r>
             <a:r>
               <a:rPr lang="en-US" sz="1800" dirty="0" err="1">
                 <a:latin typeface="Consolas" pitchFamily="49" charset="0"/>
                 <a:cs typeface="Consolas" pitchFamily="49" charset="0"/>
               </a:rPr>
-              <a:t>decl</a:t>
+              <a:t>closeScope</a:t>
             </a:r>
             <a:r>
               <a:rPr lang="en-US" sz="1800" dirty="0">
                 <a:latin typeface="Consolas" pitchFamily="49" charset="0"/>
                 <a:cs typeface="Consolas" pitchFamily="49" charset="0"/>
               </a:rPr>
-              <a:t> : Declaration)</a:t>
-            </a:r>
+              <a:t>()</a:t>
+            </a:r>
+          </a:p>
+          <a:p>
+            <a:pPr marL="91440" indent="0">
+              <a:spcBef>
+                <a:spcPts val="0"/>
+              </a:spcBef>
+              <a:buNone/>
+            </a:pPr>
+            <a:endParaRPr lang="en-US" sz="1800" dirty="0">
+              <a:latin typeface="Consolas" pitchFamily="49" charset="0"/>
+              <a:cs typeface="Consolas" pitchFamily="49" charset="0"/>
+            </a:endParaRPr>
           </a:p>
         </p:txBody>
       </p:sp>
@@ -11320,375 +11321,22 @@
           </a:p>
         </p:txBody>
       </p:sp>
-    </p:spTree>
-  </p:cSld>
-  <p:clrMapOvr>
-    <a:masterClrMapping/>
-  </p:clrMapOvr>
-</p:sld>
-</file>
-
-<file path=ppt/slides/slide22.xml><?xml version="1.0" encoding="utf-8"?>
-<p:sld xmlns:a="http://schemas.openxmlformats.org/drawingml/2006/main" xmlns:r="http://schemas.openxmlformats.org/officeDocument/2006/relationships" xmlns:p="http://schemas.openxmlformats.org/presentationml/2006/main">
-  <p:cSld>
-    <p:spTree>
-      <p:nvGrpSpPr>
-        <p:cNvPr id="1" name=""/>
-        <p:cNvGrpSpPr/>
-        <p:nvPr/>
-      </p:nvGrpSpPr>
-      <p:grpSpPr>
-        <a:xfrm>
-          <a:off x="0" y="0"/>
-          <a:ext cx="0" cy="0"/>
-          <a:chOff x="0" y="0"/>
-          <a:chExt cx="0" cy="0"/>
-        </a:xfrm>
-      </p:grpSpPr>
-      <p:sp>
-        <p:nvSpPr>
-          <p:cNvPr id="2" name="Title 1"/>
-          <p:cNvSpPr>
-            <a:spLocks noGrp="1"/>
-          </p:cNvSpPr>
-          <p:nvPr>
-            <p:ph type="title"/>
-          </p:nvPr>
-        </p:nvSpPr>
-        <p:spPr/>
-        <p:txBody>
-          <a:bodyPr/>
-          <a:lstStyle/>
-          <a:p>
-            <a:r>
-              <a:rPr lang="en-US" sz="2900" dirty="0"/>
-              <a:t>Selected Methods in the Modified</a:t>
-            </a:r>
-            <a:br>
-              <a:rPr lang="en-US" sz="2900" dirty="0"/>
-            </a:br>
-            <a:r>
-              <a:rPr lang="en-US" sz="2900" dirty="0"/>
-              <a:t>Version of </a:t>
-            </a:r>
-            <a:r>
-              <a:rPr lang="en-US" sz="2900" dirty="0">
-                <a:latin typeface="Consolas" pitchFamily="49" charset="0"/>
-                <a:cs typeface="Consolas" pitchFamily="49" charset="0"/>
-              </a:rPr>
-              <a:t>IdTable</a:t>
-            </a:r>
-            <a:r>
-              <a:rPr lang="en-US" sz="2900" dirty="0"/>
-              <a:t> </a:t>
-            </a:r>
-            <a:r>
-              <a:rPr lang="en-US" sz="2400" dirty="0"/>
-              <a:t>(</a:t>
-            </a:r>
-            <a:r>
-              <a:rPr lang="en-US" sz="2400" dirty="0">
-                <a:latin typeface="+mn-lt"/>
-                <a:cs typeface="Consolas" pitchFamily="49" charset="0"/>
-              </a:rPr>
-              <a:t>continued)</a:t>
-            </a:r>
-            <a:endParaRPr lang="en-US" sz="2900" dirty="0">
-              <a:latin typeface="+mn-lt"/>
-            </a:endParaRPr>
-          </a:p>
-        </p:txBody>
-      </p:sp>
-      <p:sp>
-        <p:nvSpPr>
-          <p:cNvPr id="3" name="Content Placeholder 2"/>
-          <p:cNvSpPr>
-            <a:spLocks noGrp="1"/>
-          </p:cNvSpPr>
-          <p:nvPr>
-            <p:ph idx="1"/>
-          </p:nvPr>
+      <p:sp>
+        <p:nvSpPr>
+          <p:cNvPr id="6" name="TextBox 5">
+            <a:extLst>
+              <a:ext uri="{FF2B5EF4-FFF2-40B4-BE49-F238E27FC236}">
+                <a16:creationId xmlns:a16="http://schemas.microsoft.com/office/drawing/2014/main" id="{19A15F1F-CDCB-4083-A28B-5FE03A1E3117}"/>
+              </a:ext>
+            </a:extLst>
+          </p:cNvPr>
+          <p:cNvSpPr txBox="1"/>
+          <p:nvPr/>
         </p:nvSpPr>
         <p:spPr>
           <a:xfrm>
-            <a:off x="458787" y="1363663"/>
-            <a:ext cx="8321040" cy="4935537"/>
-          </a:xfrm>
-        </p:spPr>
-        <p:txBody>
-          <a:bodyPr lIns="182880" tIns="91440"/>
-          <a:lstStyle/>
-          <a:p>
-            <a:pPr marL="91440" indent="0">
-              <a:spcBef>
-                <a:spcPts val="100"/>
-              </a:spcBef>
-              <a:buNone/>
-            </a:pPr>
-            <a:r>
-              <a:rPr lang="en-US" sz="1800" dirty="0">
-                <a:latin typeface="Consolas" pitchFamily="49" charset="0"/>
-                <a:cs typeface="Consolas" pitchFamily="49" charset="0"/>
-              </a:rPr>
-              <a:t>/**</a:t>
-            </a:r>
-          </a:p>
-          <a:p>
-            <a:pPr marL="91440" indent="0">
-              <a:spcBef>
-                <a:spcPts val="100"/>
-              </a:spcBef>
-              <a:buNone/>
-            </a:pPr>
-            <a:r>
-              <a:rPr lang="en-US" sz="1800" dirty="0">
-                <a:latin typeface="Consolas" pitchFamily="49" charset="0"/>
-                <a:cs typeface="Consolas" pitchFamily="49" charset="0"/>
-              </a:rPr>
-              <a:t> * Returns the Declaration associated with the identifier</a:t>
-            </a:r>
-          </a:p>
-          <a:p>
-            <a:pPr marL="91440" indent="0">
-              <a:spcBef>
-                <a:spcPts val="100"/>
-              </a:spcBef>
-              <a:buNone/>
-            </a:pPr>
-            <a:r>
-              <a:rPr lang="en-US" sz="1800" dirty="0">
-                <a:latin typeface="Consolas" pitchFamily="49" charset="0"/>
-                <a:cs typeface="Consolas" pitchFamily="49" charset="0"/>
-              </a:rPr>
-              <a:t> * token's text.  Returns null if the identifier is not found.</a:t>
-            </a:r>
-          </a:p>
-          <a:p>
-            <a:pPr marL="91440" indent="0">
-              <a:spcBef>
-                <a:spcPts val="100"/>
-              </a:spcBef>
-              <a:buNone/>
-            </a:pPr>
-            <a:r>
-              <a:rPr lang="en-US" sz="1800" dirty="0">
-                <a:latin typeface="Consolas" pitchFamily="49" charset="0"/>
-                <a:cs typeface="Consolas" pitchFamily="49" charset="0"/>
-              </a:rPr>
-              <a:t> * Searches enclosing scopes if necessary.</a:t>
-            </a:r>
-          </a:p>
-          <a:p>
-            <a:pPr marL="91440" indent="0">
-              <a:spcBef>
-                <a:spcPts val="100"/>
-              </a:spcBef>
-              <a:buNone/>
-            </a:pPr>
-            <a:r>
-              <a:rPr lang="en-US" sz="1800" dirty="0">
-                <a:latin typeface="Consolas" pitchFamily="49" charset="0"/>
-                <a:cs typeface="Consolas" pitchFamily="49" charset="0"/>
-              </a:rPr>
-              <a:t> */</a:t>
-            </a:r>
-          </a:p>
-          <a:p>
-            <a:pPr marL="91440" indent="0">
-              <a:spcBef>
-                <a:spcPts val="100"/>
-              </a:spcBef>
-              <a:buNone/>
-            </a:pPr>
-            <a:r>
-              <a:rPr lang="en-US" sz="1800" dirty="0">
-                <a:latin typeface="Consolas" pitchFamily="49" charset="0"/>
-                <a:cs typeface="Consolas" pitchFamily="49" charset="0"/>
-              </a:rPr>
-              <a:t>operator fun get(</a:t>
-            </a:r>
-            <a:r>
-              <a:rPr lang="en-US" sz="1800" dirty="0" err="1">
-                <a:latin typeface="Consolas" pitchFamily="49" charset="0"/>
-                <a:cs typeface="Consolas" pitchFamily="49" charset="0"/>
-              </a:rPr>
-              <a:t>idToken</a:t>
-            </a:r>
-            <a:r>
-              <a:rPr lang="en-US" sz="1800" dirty="0">
-                <a:latin typeface="Consolas" pitchFamily="49" charset="0"/>
-                <a:cs typeface="Consolas" pitchFamily="49" charset="0"/>
-              </a:rPr>
-              <a:t> : Token) : Declaration?</a:t>
-            </a:r>
-          </a:p>
-          <a:p>
-            <a:pPr marL="91440" indent="0">
-              <a:spcBef>
-                <a:spcPts val="100"/>
-              </a:spcBef>
-              <a:buNone/>
-            </a:pPr>
-            <a:endParaRPr lang="en-US" sz="1800" dirty="0">
-              <a:latin typeface="Consolas" pitchFamily="49" charset="0"/>
-              <a:cs typeface="Consolas" pitchFamily="49" charset="0"/>
-            </a:endParaRPr>
-          </a:p>
-          <a:p>
-            <a:pPr marL="91440" indent="0">
-              <a:spcBef>
-                <a:spcPts val="100"/>
-              </a:spcBef>
-              <a:buNone/>
-            </a:pPr>
-            <a:r>
-              <a:rPr lang="en-US" sz="1800" dirty="0">
-                <a:latin typeface="Consolas" pitchFamily="49" charset="0"/>
-                <a:cs typeface="Consolas" pitchFamily="49" charset="0"/>
-              </a:rPr>
-              <a:t>/**</a:t>
-            </a:r>
-          </a:p>
-          <a:p>
-            <a:pPr marL="91440" indent="0">
-              <a:spcBef>
-                <a:spcPts val="100"/>
-              </a:spcBef>
-              <a:buNone/>
-            </a:pPr>
-            <a:r>
-              <a:rPr lang="en-US" sz="1800" dirty="0">
-                <a:latin typeface="Consolas" pitchFamily="49" charset="0"/>
-                <a:cs typeface="Consolas" pitchFamily="49" charset="0"/>
-              </a:rPr>
-              <a:t> * Returns the current scope level.</a:t>
-            </a:r>
-          </a:p>
-          <a:p>
-            <a:pPr marL="91440" indent="0">
-              <a:spcBef>
-                <a:spcPts val="100"/>
-              </a:spcBef>
-              <a:buNone/>
-            </a:pPr>
-            <a:r>
-              <a:rPr lang="en-US" sz="1800" dirty="0">
-                <a:latin typeface="Consolas" pitchFamily="49" charset="0"/>
-                <a:cs typeface="Consolas" pitchFamily="49" charset="0"/>
-              </a:rPr>
-              <a:t> */</a:t>
-            </a:r>
-          </a:p>
-          <a:p>
-            <a:pPr marL="91440" indent="0">
-              <a:spcBef>
-                <a:spcPts val="100"/>
-              </a:spcBef>
-              <a:buNone/>
-            </a:pPr>
-            <a:r>
-              <a:rPr lang="en-US" sz="1800" dirty="0">
-                <a:latin typeface="Consolas" pitchFamily="49" charset="0"/>
-                <a:cs typeface="Consolas" pitchFamily="49" charset="0"/>
-              </a:rPr>
-              <a:t>fun </a:t>
-            </a:r>
-            <a:r>
-              <a:rPr lang="en-US" sz="1800" dirty="0" err="1">
-                <a:latin typeface="Consolas" pitchFamily="49" charset="0"/>
-                <a:cs typeface="Consolas" pitchFamily="49" charset="0"/>
-              </a:rPr>
-              <a:t>getCurrentLevel</a:t>
-            </a:r>
-            <a:r>
-              <a:rPr lang="en-US" sz="1800" dirty="0">
-                <a:latin typeface="Consolas" pitchFamily="49" charset="0"/>
-                <a:cs typeface="Consolas" pitchFamily="49" charset="0"/>
-              </a:rPr>
-              <a:t>() : </a:t>
-            </a:r>
-            <a:r>
-              <a:rPr lang="en-US" sz="1800" dirty="0" err="1">
-                <a:latin typeface="Consolas" pitchFamily="49" charset="0"/>
-                <a:cs typeface="Consolas" pitchFamily="49" charset="0"/>
-              </a:rPr>
-              <a:t>ScopeLevel</a:t>
-            </a:r>
-            <a:endParaRPr lang="en-US" sz="1800" dirty="0">
-              <a:latin typeface="Consolas" pitchFamily="49" charset="0"/>
-              <a:cs typeface="Consolas" pitchFamily="49" charset="0"/>
-            </a:endParaRPr>
-          </a:p>
-        </p:txBody>
-      </p:sp>
-      <p:sp>
-        <p:nvSpPr>
-          <p:cNvPr id="4" name="Footer Placeholder 3"/>
-          <p:cNvSpPr>
-            <a:spLocks noGrp="1"/>
-          </p:cNvSpPr>
-          <p:nvPr>
-            <p:ph type="ftr" sz="quarter" idx="10"/>
-          </p:nvPr>
-        </p:nvSpPr>
-        <p:spPr/>
-        <p:txBody>
-          <a:bodyPr/>
-          <a:lstStyle/>
-          <a:p>
-            <a:pPr>
-              <a:defRPr/>
-            </a:pPr>
-            <a:r>
-              <a:rPr lang="en-US" dirty="0"/>
-              <a:t>©SoftMoore Consulting</a:t>
-            </a:r>
-          </a:p>
-        </p:txBody>
-      </p:sp>
-      <p:sp>
-        <p:nvSpPr>
-          <p:cNvPr id="5" name="Slide Number Placeholder 4"/>
-          <p:cNvSpPr>
-            <a:spLocks noGrp="1"/>
-          </p:cNvSpPr>
-          <p:nvPr>
-            <p:ph type="sldNum" sz="quarter" idx="11"/>
-          </p:nvPr>
-        </p:nvSpPr>
-        <p:spPr/>
-        <p:txBody>
-          <a:bodyPr/>
-          <a:lstStyle/>
-          <a:p>
-            <a:pPr>
-              <a:defRPr/>
-            </a:pPr>
-            <a:r>
-              <a:rPr lang="en-US" dirty="0"/>
-              <a:t>Slide </a:t>
-            </a:r>
-            <a:fld id="{0F05040F-3DD5-4422-8E21-6095A5B4132F}" type="slidenum">
-              <a:rPr lang="en-US" smtClean="0"/>
-              <a:pPr>
-                <a:defRPr/>
-              </a:pPr>
-              <a:t>22</a:t>
-            </a:fld>
-            <a:endParaRPr lang="en-US" dirty="0"/>
-          </a:p>
-        </p:txBody>
-      </p:sp>
-      <p:sp>
-        <p:nvSpPr>
-          <p:cNvPr id="6" name="TextBox 5"/>
-          <p:cNvSpPr txBox="1"/>
-          <p:nvPr/>
-        </p:nvSpPr>
-        <p:spPr>
-          <a:xfrm>
-            <a:off x="2350494" y="5181600"/>
-            <a:ext cx="5117106" cy="707886"/>
+            <a:off x="5190215" y="1974291"/>
+            <a:ext cx="3344185" cy="1015663"/>
           </a:xfrm>
           <a:prstGeom prst="rect">
             <a:avLst/>
@@ -11708,11 +11356,7 @@
           <a:p>
             <a:pPr algn="l"/>
             <a:r>
-              <a:rPr lang="en-US" sz="2000" dirty="0"/>
-              <a:t>Note:  </a:t>
-            </a:r>
-            <a:r>
-              <a:rPr lang="en-US" sz="2000" dirty="0">
+              <a:rPr lang="en-US" sz="2000" dirty="0" err="1">
                 <a:latin typeface="Consolas" panose="020B0609020204030204" pitchFamily="49" charset="0"/>
               </a:rPr>
               <a:t>ScopeLevel</a:t>
@@ -11722,22 +11366,20 @@
               <a:t> is an </a:t>
             </a:r>
             <a:r>
-              <a:rPr lang="en-US" sz="2000" dirty="0">
-                <a:latin typeface="Consolas" panose="020B0609020204030204" pitchFamily="49" charset="0"/>
-              </a:rPr>
+              <a:rPr lang="en-US" sz="2000" dirty="0" err="1"/>
               <a:t>enum</a:t>
             </a:r>
+            <a:endParaRPr lang="en-US" sz="2000" dirty="0"/>
+          </a:p>
+          <a:p>
+            <a:pPr algn="l"/>
             <a:r>
               <a:rPr lang="en-US" sz="2000" dirty="0"/>
-              <a:t> class with</a:t>
+              <a:t>class with only two values,</a:t>
             </a:r>
           </a:p>
           <a:p>
             <a:pPr algn="l"/>
-            <a:r>
-              <a:rPr lang="en-US" sz="2000" dirty="0"/>
-              <a:t>only two values, </a:t>
-            </a:r>
             <a:r>
               <a:rPr lang="en-US" sz="2000" dirty="0">
                 <a:latin typeface="Consolas" panose="020B0609020204030204" pitchFamily="49" charset="0"/>
@@ -11763,13 +11405,19 @@
       </p:sp>
       <p:sp>
         <p:nvSpPr>
-          <p:cNvPr id="7" name="Diamond 6"/>
+          <p:cNvPr id="7" name="Diamond 6">
+            <a:extLst>
+              <a:ext uri="{FF2B5EF4-FFF2-40B4-BE49-F238E27FC236}">
+                <a16:creationId xmlns:a16="http://schemas.microsoft.com/office/drawing/2014/main" id="{6E29B263-C998-4606-9810-88A678334EBD}"/>
+              </a:ext>
+            </a:extLst>
+          </p:cNvPr>
           <p:cNvSpPr/>
           <p:nvPr/>
         </p:nvSpPr>
         <p:spPr bwMode="auto">
           <a:xfrm>
-            <a:off x="4267200" y="4495800"/>
+            <a:off x="4128655" y="2405922"/>
             <a:ext cx="152400" cy="152400"/>
           </a:xfrm>
           <a:prstGeom prst="diamond">
@@ -11824,18 +11472,24 @@
       </p:sp>
       <p:cxnSp>
         <p:nvCxnSpPr>
-          <p:cNvPr id="9" name="Elbow Connector 8"/>
+          <p:cNvPr id="8" name="Elbow Connector 8">
+            <a:extLst>
+              <a:ext uri="{FF2B5EF4-FFF2-40B4-BE49-F238E27FC236}">
+                <a16:creationId xmlns:a16="http://schemas.microsoft.com/office/drawing/2014/main" id="{EC4F005C-6DBE-45A8-8DA3-BDDDB43C2199}"/>
+              </a:ext>
+            </a:extLst>
+          </p:cNvPr>
           <p:cNvCxnSpPr>
             <a:cxnSpLocks/>
-            <a:stCxn id="6" idx="0"/>
-            <a:endCxn id="7" idx="2"/>
+            <a:stCxn id="6" idx="1"/>
+            <a:endCxn id="7" idx="3"/>
           </p:cNvCxnSpPr>
           <p:nvPr/>
         </p:nvCxnSpPr>
         <p:spPr bwMode="auto">
-          <a:xfrm rot="16200000" flipV="1">
-            <a:off x="4359524" y="4632076"/>
-            <a:ext cx="533400" cy="565647"/>
+          <a:xfrm rot="10800000">
+            <a:off x="4281055" y="2482123"/>
+            <a:ext cx="909160" cy="1"/>
           </a:xfrm>
           <a:prstGeom prst="bentConnector3">
             <a:avLst>
@@ -11863,6 +11517,425 @@
 </p:sld>
 </file>
 
+<file path=ppt/slides/slide22.xml><?xml version="1.0" encoding="utf-8"?>
+<p:sld xmlns:a="http://schemas.openxmlformats.org/drawingml/2006/main" xmlns:r="http://schemas.openxmlformats.org/officeDocument/2006/relationships" xmlns:p="http://schemas.openxmlformats.org/presentationml/2006/main">
+  <p:cSld>
+    <p:spTree>
+      <p:nvGrpSpPr>
+        <p:cNvPr id="1" name=""/>
+        <p:cNvGrpSpPr/>
+        <p:nvPr/>
+      </p:nvGrpSpPr>
+      <p:grpSpPr>
+        <a:xfrm>
+          <a:off x="0" y="0"/>
+          <a:ext cx="0" cy="0"/>
+          <a:chOff x="0" y="0"/>
+          <a:chExt cx="0" cy="0"/>
+        </a:xfrm>
+      </p:grpSpPr>
+      <p:sp>
+        <p:nvSpPr>
+          <p:cNvPr id="2" name="Title 1"/>
+          <p:cNvSpPr>
+            <a:spLocks noGrp="1"/>
+          </p:cNvSpPr>
+          <p:nvPr>
+            <p:ph type="title"/>
+          </p:nvPr>
+        </p:nvSpPr>
+        <p:spPr/>
+        <p:txBody>
+          <a:bodyPr/>
+          <a:lstStyle/>
+          <a:p>
+            <a:r>
+              <a:rPr lang="en-US" sz="2900" dirty="0"/>
+              <a:t>A Property and Selected Methods in the</a:t>
+            </a:r>
+            <a:br>
+              <a:rPr lang="en-US" sz="2900" dirty="0"/>
+            </a:br>
+            <a:r>
+              <a:rPr lang="en-US" sz="2900" dirty="0"/>
+              <a:t>Modified Version of </a:t>
+            </a:r>
+            <a:r>
+              <a:rPr lang="en-US" sz="2900" dirty="0">
+                <a:latin typeface="Consolas" pitchFamily="49" charset="0"/>
+                <a:cs typeface="Consolas" pitchFamily="49" charset="0"/>
+              </a:rPr>
+              <a:t>IdTable</a:t>
+            </a:r>
+            <a:r>
+              <a:rPr lang="en-US" sz="2900" dirty="0"/>
+              <a:t> </a:t>
+            </a:r>
+            <a:r>
+              <a:rPr lang="en-US" sz="2400" dirty="0"/>
+              <a:t>(</a:t>
+            </a:r>
+            <a:r>
+              <a:rPr lang="en-US" sz="2400" dirty="0">
+                <a:latin typeface="+mn-lt"/>
+                <a:cs typeface="Consolas" pitchFamily="49" charset="0"/>
+              </a:rPr>
+              <a:t>continued)</a:t>
+            </a:r>
+            <a:endParaRPr lang="en-US" sz="2900" dirty="0">
+              <a:latin typeface="+mn-lt"/>
+            </a:endParaRPr>
+          </a:p>
+        </p:txBody>
+      </p:sp>
+      <p:sp>
+        <p:nvSpPr>
+          <p:cNvPr id="3" name="Content Placeholder 2"/>
+          <p:cNvSpPr>
+            <a:spLocks noGrp="1"/>
+          </p:cNvSpPr>
+          <p:nvPr>
+            <p:ph idx="1"/>
+          </p:nvPr>
+        </p:nvSpPr>
+        <p:spPr>
+          <a:xfrm>
+            <a:off x="458787" y="1363663"/>
+            <a:ext cx="8321040" cy="4935537"/>
+          </a:xfrm>
+        </p:spPr>
+        <p:txBody>
+          <a:bodyPr lIns="182880" tIns="91440"/>
+          <a:lstStyle/>
+          <a:p>
+            <a:pPr marL="91440" indent="0">
+              <a:spcBef>
+                <a:spcPts val="0"/>
+              </a:spcBef>
+              <a:buNone/>
+            </a:pPr>
+            <a:r>
+              <a:rPr lang="en-US" sz="1800" dirty="0">
+                <a:latin typeface="Consolas" pitchFamily="49" charset="0"/>
+                <a:cs typeface="Consolas" pitchFamily="49" charset="0"/>
+              </a:rPr>
+              <a:t>/**</a:t>
+            </a:r>
+          </a:p>
+          <a:p>
+            <a:pPr marL="91440" indent="0">
+              <a:spcBef>
+                <a:spcPts val="0"/>
+              </a:spcBef>
+              <a:buNone/>
+            </a:pPr>
+            <a:r>
+              <a:rPr lang="en-US" sz="1800" dirty="0">
+                <a:latin typeface="Consolas" pitchFamily="49" charset="0"/>
+                <a:cs typeface="Consolas" pitchFamily="49" charset="0"/>
+              </a:rPr>
+              <a:t> * Add a declaration at the current scope level.</a:t>
+            </a:r>
+          </a:p>
+          <a:p>
+            <a:pPr marL="91440" indent="0">
+              <a:spcBef>
+                <a:spcPts val="0"/>
+              </a:spcBef>
+              <a:buNone/>
+            </a:pPr>
+            <a:r>
+              <a:rPr lang="en-US" sz="1800" dirty="0">
+                <a:latin typeface="Consolas" pitchFamily="49" charset="0"/>
+                <a:cs typeface="Consolas" pitchFamily="49" charset="0"/>
+              </a:rPr>
+              <a:t> * @throws </a:t>
+            </a:r>
+            <a:r>
+              <a:rPr lang="en-US" sz="1800" dirty="0" err="1">
+                <a:latin typeface="Consolas" pitchFamily="49" charset="0"/>
+                <a:cs typeface="Consolas" pitchFamily="49" charset="0"/>
+              </a:rPr>
+              <a:t>ParserException</a:t>
+            </a:r>
+            <a:r>
+              <a:rPr lang="en-US" sz="1800" dirty="0">
+                <a:latin typeface="Consolas" pitchFamily="49" charset="0"/>
+                <a:cs typeface="Consolas" pitchFamily="49" charset="0"/>
+              </a:rPr>
+              <a:t> if the identifier token associated</a:t>
+            </a:r>
+          </a:p>
+          <a:p>
+            <a:pPr marL="91440" indent="0">
+              <a:spcBef>
+                <a:spcPts val="0"/>
+              </a:spcBef>
+              <a:buNone/>
+            </a:pPr>
+            <a:r>
+              <a:rPr lang="en-US" sz="1800" dirty="0">
+                <a:latin typeface="Consolas" pitchFamily="49" charset="0"/>
+                <a:cs typeface="Consolas" pitchFamily="49" charset="0"/>
+              </a:rPr>
+              <a:t> *                         with the declaration is already</a:t>
+            </a:r>
+          </a:p>
+          <a:p>
+            <a:pPr marL="91440" indent="0">
+              <a:spcBef>
+                <a:spcPts val="0"/>
+              </a:spcBef>
+              <a:buNone/>
+            </a:pPr>
+            <a:r>
+              <a:rPr lang="en-US" sz="1800" dirty="0">
+                <a:latin typeface="Consolas" pitchFamily="49" charset="0"/>
+                <a:cs typeface="Consolas" pitchFamily="49" charset="0"/>
+              </a:rPr>
+              <a:t> *                         defined in the current scope.</a:t>
+            </a:r>
+          </a:p>
+          <a:p>
+            <a:pPr marL="91440" indent="0">
+              <a:spcBef>
+                <a:spcPts val="0"/>
+              </a:spcBef>
+              <a:buNone/>
+            </a:pPr>
+            <a:r>
+              <a:rPr lang="en-US" sz="1800" dirty="0">
+                <a:latin typeface="Consolas" pitchFamily="49" charset="0"/>
+                <a:cs typeface="Consolas" pitchFamily="49" charset="0"/>
+              </a:rPr>
+              <a:t> */</a:t>
+            </a:r>
+          </a:p>
+          <a:p>
+            <a:pPr marL="91440" indent="0">
+              <a:spcBef>
+                <a:spcPts val="0"/>
+              </a:spcBef>
+              <a:buNone/>
+            </a:pPr>
+            <a:r>
+              <a:rPr lang="en-US" sz="1800" dirty="0">
+                <a:latin typeface="Consolas" pitchFamily="49" charset="0"/>
+                <a:cs typeface="Consolas" pitchFamily="49" charset="0"/>
+              </a:rPr>
+              <a:t>fun add(</a:t>
+            </a:r>
+            <a:r>
+              <a:rPr lang="en-US" sz="1800" dirty="0" err="1">
+                <a:latin typeface="Consolas" pitchFamily="49" charset="0"/>
+                <a:cs typeface="Consolas" pitchFamily="49" charset="0"/>
+              </a:rPr>
+              <a:t>decl</a:t>
+            </a:r>
+            <a:r>
+              <a:rPr lang="en-US" sz="1800" dirty="0">
+                <a:latin typeface="Consolas" pitchFamily="49" charset="0"/>
+                <a:cs typeface="Consolas" pitchFamily="49" charset="0"/>
+              </a:rPr>
+              <a:t> : Declaration)</a:t>
+            </a:r>
+          </a:p>
+          <a:p>
+            <a:pPr marL="91440" indent="0">
+              <a:spcBef>
+                <a:spcPts val="100"/>
+              </a:spcBef>
+              <a:buNone/>
+            </a:pPr>
+            <a:endParaRPr lang="en-US" sz="1800" dirty="0">
+              <a:latin typeface="Consolas" pitchFamily="49" charset="0"/>
+              <a:cs typeface="Consolas" pitchFamily="49" charset="0"/>
+            </a:endParaRPr>
+          </a:p>
+          <a:p>
+            <a:pPr marL="91440" indent="0">
+              <a:spcBef>
+                <a:spcPts val="100"/>
+              </a:spcBef>
+              <a:buNone/>
+            </a:pPr>
+            <a:r>
+              <a:rPr lang="en-US" sz="1800" dirty="0">
+                <a:latin typeface="Consolas" pitchFamily="49" charset="0"/>
+                <a:cs typeface="Consolas" pitchFamily="49" charset="0"/>
+              </a:rPr>
+              <a:t>/**</a:t>
+            </a:r>
+          </a:p>
+          <a:p>
+            <a:pPr marL="91440" indent="0">
+              <a:spcBef>
+                <a:spcPts val="100"/>
+              </a:spcBef>
+              <a:buNone/>
+            </a:pPr>
+            <a:r>
+              <a:rPr lang="en-US" sz="1800" dirty="0">
+                <a:latin typeface="Consolas" pitchFamily="49" charset="0"/>
+                <a:cs typeface="Consolas" pitchFamily="49" charset="0"/>
+              </a:rPr>
+              <a:t> * Returns the Declaration associated with the identifier</a:t>
+            </a:r>
+          </a:p>
+          <a:p>
+            <a:pPr marL="91440" indent="0">
+              <a:spcBef>
+                <a:spcPts val="100"/>
+              </a:spcBef>
+              <a:buNone/>
+            </a:pPr>
+            <a:r>
+              <a:rPr lang="en-US" sz="1800" dirty="0">
+                <a:latin typeface="Consolas" pitchFamily="49" charset="0"/>
+                <a:cs typeface="Consolas" pitchFamily="49" charset="0"/>
+              </a:rPr>
+              <a:t> * token's text.  Returns null if the identifier is not found.</a:t>
+            </a:r>
+          </a:p>
+          <a:p>
+            <a:pPr marL="91440" indent="0">
+              <a:spcBef>
+                <a:spcPts val="100"/>
+              </a:spcBef>
+              <a:buNone/>
+            </a:pPr>
+            <a:r>
+              <a:rPr lang="en-US" sz="1800" dirty="0">
+                <a:latin typeface="Consolas" pitchFamily="49" charset="0"/>
+                <a:cs typeface="Consolas" pitchFamily="49" charset="0"/>
+              </a:rPr>
+              <a:t> * Searches enclosing scopes if necessary.</a:t>
+            </a:r>
+          </a:p>
+          <a:p>
+            <a:pPr marL="91440" indent="0">
+              <a:spcBef>
+                <a:spcPts val="100"/>
+              </a:spcBef>
+              <a:buNone/>
+            </a:pPr>
+            <a:r>
+              <a:rPr lang="en-US" sz="1800" dirty="0">
+                <a:latin typeface="Consolas" pitchFamily="49" charset="0"/>
+                <a:cs typeface="Consolas" pitchFamily="49" charset="0"/>
+              </a:rPr>
+              <a:t> */</a:t>
+            </a:r>
+          </a:p>
+          <a:p>
+            <a:pPr marL="91440" indent="0">
+              <a:spcBef>
+                <a:spcPts val="100"/>
+              </a:spcBef>
+              <a:buNone/>
+            </a:pPr>
+            <a:r>
+              <a:rPr lang="en-US" sz="1800" dirty="0">
+                <a:latin typeface="Consolas" pitchFamily="49" charset="0"/>
+                <a:cs typeface="Consolas" pitchFamily="49" charset="0"/>
+              </a:rPr>
+              <a:t>operator fun get(</a:t>
+            </a:r>
+            <a:r>
+              <a:rPr lang="en-US" sz="1800" dirty="0" err="1">
+                <a:latin typeface="Consolas" pitchFamily="49" charset="0"/>
+                <a:cs typeface="Consolas" pitchFamily="49" charset="0"/>
+              </a:rPr>
+              <a:t>idToken</a:t>
+            </a:r>
+            <a:r>
+              <a:rPr lang="en-US" sz="1800" dirty="0">
+                <a:latin typeface="Consolas" pitchFamily="49" charset="0"/>
+                <a:cs typeface="Consolas" pitchFamily="49" charset="0"/>
+              </a:rPr>
+              <a:t> : Token) : Declaration?</a:t>
+            </a:r>
+          </a:p>
+          <a:p>
+            <a:pPr marL="91440" indent="0">
+              <a:spcBef>
+                <a:spcPts val="100"/>
+              </a:spcBef>
+              <a:buNone/>
+            </a:pPr>
+            <a:endParaRPr lang="en-US" sz="1800" dirty="0">
+              <a:latin typeface="Consolas" pitchFamily="49" charset="0"/>
+              <a:cs typeface="Consolas" pitchFamily="49" charset="0"/>
+            </a:endParaRPr>
+          </a:p>
+        </p:txBody>
+      </p:sp>
+      <p:sp>
+        <p:nvSpPr>
+          <p:cNvPr id="4" name="Footer Placeholder 3"/>
+          <p:cNvSpPr>
+            <a:spLocks noGrp="1"/>
+          </p:cNvSpPr>
+          <p:nvPr>
+            <p:ph type="ftr" sz="quarter" idx="10"/>
+          </p:nvPr>
+        </p:nvSpPr>
+        <p:spPr/>
+        <p:txBody>
+          <a:bodyPr/>
+          <a:lstStyle/>
+          <a:p>
+            <a:pPr>
+              <a:defRPr/>
+            </a:pPr>
+            <a:r>
+              <a:rPr lang="en-US" dirty="0"/>
+              <a:t>©SoftMoore Consulting</a:t>
+            </a:r>
+          </a:p>
+        </p:txBody>
+      </p:sp>
+      <p:sp>
+        <p:nvSpPr>
+          <p:cNvPr id="5" name="Slide Number Placeholder 4"/>
+          <p:cNvSpPr>
+            <a:spLocks noGrp="1"/>
+          </p:cNvSpPr>
+          <p:nvPr>
+            <p:ph type="sldNum" sz="quarter" idx="11"/>
+          </p:nvPr>
+        </p:nvSpPr>
+        <p:spPr/>
+        <p:txBody>
+          <a:bodyPr/>
+          <a:lstStyle/>
+          <a:p>
+            <a:pPr>
+              <a:defRPr/>
+            </a:pPr>
+            <a:r>
+              <a:rPr lang="en-US" dirty="0"/>
+              <a:t>Slide </a:t>
+            </a:r>
+            <a:fld id="{0F05040F-3DD5-4422-8E21-6095A5B4132F}" type="slidenum">
+              <a:rPr lang="en-US" smtClean="0"/>
+              <a:pPr>
+                <a:defRPr/>
+              </a:pPr>
+              <a:t>22</a:t>
+            </a:fld>
+            <a:endParaRPr lang="en-US" dirty="0"/>
+          </a:p>
+        </p:txBody>
+      </p:sp>
+    </p:spTree>
+  </p:cSld>
+  <p:clrMapOvr>
+    <a:masterClrMapping/>
+  </p:clrMapOvr>
+</p:sld>
+</file>
+
 <file path=ppt/slides/slide23.xml><?xml version="1.0" encoding="utf-8"?>
 <p:sld xmlns:a="http://schemas.openxmlformats.org/drawingml/2006/main" xmlns:r="http://schemas.openxmlformats.org/officeDocument/2006/relationships" xmlns:p="http://schemas.openxmlformats.org/presentationml/2006/main">
   <p:cSld>
@@ -12121,19 +12194,19 @@
               <a:buNone/>
             </a:pPr>
             <a:r>
-              <a:rPr lang="en-US" sz="1800" dirty="0">
+              <a:rPr lang="en-US" sz="1800" b="1" dirty="0">
                 <a:latin typeface="Consolas" panose="020B0609020204030204" pitchFamily="49" charset="0"/>
               </a:rPr>
               <a:t>idTable.add(</a:t>
             </a:r>
             <a:r>
-              <a:rPr lang="en-US" sz="1800" dirty="0" err="1">
+              <a:rPr lang="en-US" sz="1800" b="1" dirty="0" err="1">
                 <a:latin typeface="Consolas" panose="020B0609020204030204" pitchFamily="49" charset="0"/>
               </a:rPr>
               <a:t>constDecl</a:t>
             </a:r>
             <a:r>
-              <a:rPr lang="en-US" sz="1800" dirty="0">
+              <a:rPr lang="en-US" sz="1800" b="1" dirty="0">
                 <a:latin typeface="Consolas" panose="020B0609020204030204" pitchFamily="49" charset="0"/>
               </a:rPr>
               <a:t>)</a:t>
@@ -12392,14 +12465,18 @@
               <a:t>Identifiers declared using </a:t>
             </a:r>
             <a:r>
-              <a:rPr lang="en-US" dirty="0">
+              <a:rPr lang="en-US" dirty="0" err="1">
                 <a:latin typeface="Consolas" panose="020B0609020204030204" pitchFamily="49" charset="0"/>
               </a:rPr>
               <a:t>VarDecl</a:t>
             </a:r>
             <a:r>
-              <a:rPr lang="en-US" dirty="0"/>
-              <a:t> ( which we convert to a list of </a:t>
+              <a:rPr lang="en-US"/>
+              <a:t> (which </a:t>
+            </a:r>
+            <a:r>
+              <a:rPr lang="en-US" dirty="0"/>
+              <a:t>we convert to a list of </a:t>
             </a:r>
             <a:r>
               <a:rPr lang="en-US" dirty="0">
@@ -16197,14 +16274,26 @@
             <p:ph idx="1"/>
           </p:nvPr>
         </p:nvSpPr>
-        <p:spPr/>
+        <p:spPr>
+          <a:xfrm>
+            <a:off x="458788" y="1363663"/>
+            <a:ext cx="8412480" cy="4935537"/>
+          </a:xfrm>
+        </p:spPr>
         <p:txBody>
           <a:bodyPr/>
           <a:lstStyle/>
           <a:p>
             <a:r>
               <a:rPr lang="en-US" sz="2350" dirty="0"/>
-              <a:t>During code generation, when a variable or named value is referenced in the statement part of a program or subprogram, we need to be able to determine where the variable was declared.</a:t>
+              <a:t>During code generation, when a variable or named value</a:t>
+            </a:r>
+            <a:br>
+              <a:rPr lang="en-US" sz="2350" dirty="0"/>
+            </a:br>
+            <a:r>
+              <a:rPr lang="en-US" sz="2350" dirty="0"/>
+              <a:t>is referenced in the statement part of a program or subprogram, we need to be able to determine where the variable was declared.</a:t>
             </a:r>
           </a:p>
           <a:p>
@@ -16213,20 +16302,20 @@
               <a:t>Class </a:t>
             </a:r>
             <a:r>
-              <a:rPr lang="en-US" sz="2350" dirty="0">
+              <a:rPr lang="en-US" sz="2350" dirty="0" err="1">
                 <a:latin typeface="Consolas" panose="020B0609020204030204" pitchFamily="49" charset="0"/>
               </a:rPr>
               <a:t>IdTable</a:t>
             </a:r>
             <a:r>
               <a:rPr lang="en-US" sz="2350" dirty="0"/>
-              <a:t> contains a method </a:t>
-            </a:r>
-            <a:r>
-              <a:rPr lang="en-US" sz="2350" dirty="0">
-                <a:latin typeface="Consolas" panose="020B0609020204030204" pitchFamily="49" charset="0"/>
-              </a:rPr>
-              <a:t>getCurrentLevel()</a:t>
+              <a:t> contains a property named </a:t>
+            </a:r>
+            <a:r>
+              <a:rPr lang="en-US" sz="2350" dirty="0" err="1">
+                <a:latin typeface="Consolas" panose="020B0609020204030204" pitchFamily="49" charset="0"/>
+              </a:rPr>
+              <a:t>scopeLevel</a:t>
             </a:r>
             <a:r>
               <a:rPr lang="en-US" sz="2350" dirty="0"/>
@@ -16278,90 +16367,61 @@
               <a:buNone/>
             </a:pPr>
             <a:r>
-              <a:rPr lang="en-US" sz="1800" dirty="0">
-                <a:latin typeface="Consolas" panose="020B0609020204030204" pitchFamily="49" charset="0"/>
-              </a:rPr>
-              <a:t>val </a:t>
-            </a:r>
-            <a:r>
-              <a:rPr lang="en-US" sz="1800" dirty="0" err="1">
-                <a:latin typeface="Consolas" panose="020B0609020204030204" pitchFamily="49" charset="0"/>
-              </a:rPr>
-              <a:t>scopeLevel</a:t>
-            </a:r>
-            <a:r>
-              <a:rPr lang="en-US" sz="1800" dirty="0">
+              <a:rPr lang="en-US" sz="1750" dirty="0" err="1">
+                <a:latin typeface="Consolas" panose="020B0609020204030204" pitchFamily="49" charset="0"/>
+              </a:rPr>
+              <a:t>val</a:t>
+            </a:r>
+            <a:r>
+              <a:rPr lang="en-US" sz="1750" dirty="0">
+                <a:latin typeface="Consolas" panose="020B0609020204030204" pitchFamily="49" charset="0"/>
+              </a:rPr>
+              <a:t> </a:t>
+            </a:r>
+            <a:r>
+              <a:rPr lang="en-US" sz="1750" dirty="0" err="1">
+                <a:latin typeface="Consolas" panose="020B0609020204030204" pitchFamily="49" charset="0"/>
+              </a:rPr>
+              <a:t>varDecl</a:t>
+            </a:r>
+            <a:r>
+              <a:rPr lang="en-US" sz="1750" dirty="0">
                 <a:latin typeface="Consolas" panose="020B0609020204030204" pitchFamily="49" charset="0"/>
               </a:rPr>
               <a:t> = </a:t>
             </a:r>
             <a:r>
-              <a:rPr lang="en-US" sz="1800" dirty="0" err="1">
-                <a:latin typeface="Consolas" panose="020B0609020204030204" pitchFamily="49" charset="0"/>
-              </a:rPr>
-              <a:t>idTable.getCurrentLevel</a:t>
-            </a:r>
-            <a:r>
-              <a:rPr lang="en-US" sz="1800" dirty="0">
-                <a:latin typeface="Consolas" panose="020B0609020204030204" pitchFamily="49" charset="0"/>
-              </a:rPr>
-              <a:t>()</a:t>
-            </a:r>
-          </a:p>
-          <a:p>
-            <a:pPr marL="457200" lvl="1" indent="0">
-              <a:buNone/>
-            </a:pPr>
-            <a:r>
-              <a:rPr lang="en-US" sz="1800" dirty="0">
-                <a:latin typeface="Consolas" panose="020B0609020204030204" pitchFamily="49" charset="0"/>
-              </a:rPr>
-              <a:t>val </a:t>
-            </a:r>
-            <a:r>
-              <a:rPr lang="en-US" sz="1800" dirty="0" err="1">
-                <a:latin typeface="Consolas" panose="020B0609020204030204" pitchFamily="49" charset="0"/>
-              </a:rPr>
-              <a:t>varDecl</a:t>
-            </a:r>
-            <a:r>
-              <a:rPr lang="en-US" sz="1800" dirty="0">
-                <a:latin typeface="Consolas" panose="020B0609020204030204" pitchFamily="49" charset="0"/>
-              </a:rPr>
-              <a:t> = </a:t>
-            </a:r>
-            <a:r>
-              <a:rPr lang="en-US" sz="1800" dirty="0" err="1">
+              <a:rPr lang="en-US" sz="1750" dirty="0" err="1">
                 <a:latin typeface="Consolas" panose="020B0609020204030204" pitchFamily="49" charset="0"/>
               </a:rPr>
               <a:t>VarDecl</a:t>
             </a:r>
             <a:r>
-              <a:rPr lang="en-US" sz="1800" dirty="0">
+              <a:rPr lang="en-US" sz="1750" dirty="0">
                 <a:latin typeface="Consolas" panose="020B0609020204030204" pitchFamily="49" charset="0"/>
               </a:rPr>
               <a:t>(identifiers, </a:t>
             </a:r>
             <a:r>
-              <a:rPr lang="en-US" sz="1800" dirty="0" err="1">
+              <a:rPr lang="en-US" sz="1750" dirty="0" err="1">
                 <a:latin typeface="Consolas" panose="020B0609020204030204" pitchFamily="49" charset="0"/>
               </a:rPr>
               <a:t>varType</a:t>
             </a:r>
             <a:r>
-              <a:rPr lang="en-US" sz="1800" dirty="0">
+              <a:rPr lang="en-US" sz="1750" dirty="0">
                 <a:latin typeface="Consolas" panose="020B0609020204030204" pitchFamily="49" charset="0"/>
               </a:rPr>
               <a:t>, </a:t>
             </a:r>
             <a:r>
-              <a:rPr lang="en-US" sz="1800" dirty="0" err="1">
-                <a:latin typeface="Consolas" panose="020B0609020204030204" pitchFamily="49" charset="0"/>
-              </a:rPr>
-              <a:t>scopeLevel</a:t>
-            </a:r>
-            <a:r>
-              <a:rPr lang="en-US" sz="1800" dirty="0">
+              <a:rPr lang="en-US" sz="1750" b="1" dirty="0" err="1">
+                <a:latin typeface="Consolas" panose="020B0609020204030204" pitchFamily="49" charset="0"/>
+              </a:rPr>
+              <a:t>idTable.scopeLevel</a:t>
+            </a:r>
+            <a:r>
+              <a:rPr lang="en-US" sz="1750" dirty="0">
                 <a:latin typeface="Consolas" panose="020B0609020204030204" pitchFamily="49" charset="0"/>
               </a:rPr>
               <a:t>)</a:t>
@@ -16413,7 +16473,7 @@
               <a:defRPr/>
             </a:pPr>
             <a:r>
-              <a:rPr lang="en-US" dirty="0"/>
+              <a:rPr lang="en-US"/>
               <a:t>Slide </a:t>
             </a:r>
             <a:fld id="{A413A2F6-7BFD-463C-B63A-922040FAF32C}" type="slidenum">
@@ -16423,14 +16483,14 @@
               </a:pPr>
               <a:t>35</a:t>
             </a:fld>
-            <a:endParaRPr lang="en-US" dirty="0"/>
+            <a:endParaRPr lang="en-US"/>
           </a:p>
         </p:txBody>
       </p:sp>
     </p:spTree>
     <p:extLst>
       <p:ext uri="{BB962C8B-B14F-4D97-AF65-F5344CB8AC3E}">
-        <p14:creationId xmlns:p14="http://schemas.microsoft.com/office/powerpoint/2010/main" val="954270582"/>
+        <p14:creationId xmlns:p14="http://schemas.microsoft.com/office/powerpoint/2010/main" val="720601150"/>
       </p:ext>
     </p:extLst>
   </p:cSld>
@@ -22365,7 +22425,7 @@
         </p:nvSpPr>
         <p:spPr>
           <a:xfrm>
-            <a:off x="2692326" y="3429000"/>
+            <a:off x="2793838" y="3429000"/>
             <a:ext cx="3759362" cy="707886"/>
           </a:xfrm>
           <a:prstGeom prst="rect">
@@ -22411,7 +22471,7 @@
         </p:nvSpPr>
         <p:spPr bwMode="auto">
           <a:xfrm>
-            <a:off x="5334000" y="2133600"/>
+            <a:off x="5435512" y="2133600"/>
             <a:ext cx="182880" cy="182880"/>
           </a:xfrm>
           <a:prstGeom prst="diamond">
@@ -22481,7 +22541,7 @@
         </p:nvCxnSpPr>
         <p:spPr bwMode="auto">
           <a:xfrm rot="5400000" flipH="1" flipV="1">
-            <a:off x="4442463" y="2446024"/>
+            <a:off x="4543975" y="2446024"/>
             <a:ext cx="1112520" cy="853433"/>
           </a:xfrm>
           <a:prstGeom prst="bentConnector3">
@@ -25523,21 +25583,21 @@
               <a:buNone/>
             </a:pPr>
             <a:r>
-              <a:rPr lang="en-US" sz="1700" dirty="0">
+              <a:rPr lang="en-US" sz="1800" dirty="0">
                 <a:latin typeface="Consolas" pitchFamily="49" charset="0"/>
                 <a:cs typeface="Consolas" pitchFamily="49" charset="0"/>
               </a:rPr>
               <a:t>class </a:t>
             </a:r>
             <a:r>
-              <a:rPr lang="en-US" sz="1700" dirty="0" err="1">
+              <a:rPr lang="en-US" sz="1800" dirty="0" err="1">
                 <a:latin typeface="Consolas" pitchFamily="49" charset="0"/>
                 <a:cs typeface="Consolas" pitchFamily="49" charset="0"/>
               </a:rPr>
               <a:t>LoopStmt</a:t>
             </a:r>
             <a:r>
-              <a:rPr lang="en-US" sz="1700" dirty="0">
+              <a:rPr lang="en-US" sz="1800" dirty="0">
                 <a:latin typeface="Consolas" pitchFamily="49" charset="0"/>
                 <a:cs typeface="Consolas" pitchFamily="49" charset="0"/>
               </a:rPr>
@@ -25552,7 +25612,7 @@
               <a:buNone/>
             </a:pPr>
             <a:r>
-              <a:rPr lang="en-US" sz="1700" dirty="0">
+              <a:rPr lang="en-US" sz="1800" dirty="0">
                 <a:latin typeface="Consolas" pitchFamily="49" charset="0"/>
                 <a:cs typeface="Consolas" pitchFamily="49" charset="0"/>
               </a:rPr>
@@ -25567,21 +25627,21 @@
               <a:buNone/>
             </a:pPr>
             <a:r>
-              <a:rPr lang="en-US" sz="1700" dirty="0">
+              <a:rPr lang="en-US" sz="1800" dirty="0">
                 <a:latin typeface="Consolas" pitchFamily="49" charset="0"/>
                 <a:cs typeface="Consolas" pitchFamily="49" charset="0"/>
               </a:rPr>
               <a:t>    var </a:t>
             </a:r>
             <a:r>
-              <a:rPr lang="en-US" sz="1700" dirty="0" err="1">
+              <a:rPr lang="en-US" sz="1800" dirty="0" err="1">
                 <a:latin typeface="Consolas" pitchFamily="49" charset="0"/>
                 <a:cs typeface="Consolas" pitchFamily="49" charset="0"/>
               </a:rPr>
               <a:t>whileExpr</a:t>
             </a:r>
             <a:r>
-              <a:rPr lang="en-US" sz="1700" dirty="0">
+              <a:rPr lang="en-US" sz="1800" dirty="0">
                 <a:latin typeface="Consolas" pitchFamily="49" charset="0"/>
                 <a:cs typeface="Consolas" pitchFamily="49" charset="0"/>
               </a:rPr>
@@ -25596,21 +25656,21 @@
               <a:buNone/>
             </a:pPr>
             <a:r>
-              <a:rPr lang="en-US" sz="1700" dirty="0">
+              <a:rPr lang="en-US" sz="1800" dirty="0">
                 <a:latin typeface="Consolas" pitchFamily="49" charset="0"/>
                 <a:cs typeface="Consolas" pitchFamily="49" charset="0"/>
               </a:rPr>
               <a:t>    var statements : List&lt;Statement&gt; = </a:t>
             </a:r>
             <a:r>
-              <a:rPr lang="en-US" sz="1700" dirty="0" err="1">
+              <a:rPr lang="en-US" sz="1800" dirty="0" err="1">
                 <a:latin typeface="Consolas" pitchFamily="49" charset="0"/>
                 <a:cs typeface="Consolas" pitchFamily="49" charset="0"/>
               </a:rPr>
               <a:t>emptyList</a:t>
             </a:r>
             <a:r>
-              <a:rPr lang="en-US" sz="1700" dirty="0">
+              <a:rPr lang="en-US" sz="1800" dirty="0">
                 <a:latin typeface="Consolas" pitchFamily="49" charset="0"/>
                 <a:cs typeface="Consolas" pitchFamily="49" charset="0"/>
               </a:rPr>
@@ -25624,7 +25684,7 @@
               </a:spcBef>
               <a:buNone/>
             </a:pPr>
-            <a:endParaRPr lang="en-US" sz="1700" dirty="0">
+            <a:endParaRPr lang="en-US" sz="1800" dirty="0">
               <a:latin typeface="Consolas" pitchFamily="49" charset="0"/>
               <a:cs typeface="Consolas" pitchFamily="49" charset="0"/>
             </a:endParaRPr>
@@ -25637,7 +25697,7 @@
               <a:buNone/>
             </a:pPr>
             <a:r>
-              <a:rPr lang="en-US" sz="1700" dirty="0">
+              <a:rPr lang="en-US" sz="1800" dirty="0">
                 <a:latin typeface="Consolas" pitchFamily="49" charset="0"/>
                 <a:cs typeface="Consolas" pitchFamily="49" charset="0"/>
               </a:rPr>
@@ -25652,7 +25712,7 @@
               <a:buNone/>
             </a:pPr>
             <a:r>
-              <a:rPr lang="en-US" sz="1700" dirty="0">
+              <a:rPr lang="en-US" sz="1800" dirty="0">
                 <a:latin typeface="Consolas" pitchFamily="49" charset="0"/>
                 <a:cs typeface="Consolas" pitchFamily="49" charset="0"/>
               </a:rPr>

--- a/PowerPoint Slides/08 - Abstract Syntax Trees.pptx
+++ b/PowerPoint Slides/08 - Abstract Syntax Trees.pptx
@@ -5,10 +5,10 @@
     <p:sldMasterId id="2147483651" r:id="rId1"/>
   </p:sldMasterIdLst>
   <p:notesMasterIdLst>
-    <p:notesMasterId r:id="rId58"/>
+    <p:notesMasterId r:id="rId59"/>
   </p:notesMasterIdLst>
   <p:handoutMasterIdLst>
-    <p:handoutMasterId r:id="rId59"/>
+    <p:handoutMasterId r:id="rId60"/>
   </p:handoutMasterIdLst>
   <p:sldIdLst>
     <p:sldId id="256" r:id="rId2"/>
@@ -52,21 +52,22 @@
     <p:sldId id="316" r:id="rId40"/>
     <p:sldId id="324" r:id="rId41"/>
     <p:sldId id="325" r:id="rId42"/>
-    <p:sldId id="322" r:id="rId43"/>
-    <p:sldId id="330" r:id="rId44"/>
-    <p:sldId id="336" r:id="rId45"/>
-    <p:sldId id="337" r:id="rId46"/>
-    <p:sldId id="344" r:id="rId47"/>
-    <p:sldId id="338" r:id="rId48"/>
-    <p:sldId id="340" r:id="rId49"/>
-    <p:sldId id="339" r:id="rId50"/>
-    <p:sldId id="341" r:id="rId51"/>
-    <p:sldId id="342" r:id="rId52"/>
-    <p:sldId id="289" r:id="rId53"/>
-    <p:sldId id="290" r:id="rId54"/>
-    <p:sldId id="305" r:id="rId55"/>
-    <p:sldId id="291" r:id="rId56"/>
-    <p:sldId id="295" r:id="rId57"/>
+    <p:sldId id="348" r:id="rId43"/>
+    <p:sldId id="322" r:id="rId44"/>
+    <p:sldId id="330" r:id="rId45"/>
+    <p:sldId id="336" r:id="rId46"/>
+    <p:sldId id="337" r:id="rId47"/>
+    <p:sldId id="344" r:id="rId48"/>
+    <p:sldId id="338" r:id="rId49"/>
+    <p:sldId id="340" r:id="rId50"/>
+    <p:sldId id="339" r:id="rId51"/>
+    <p:sldId id="341" r:id="rId52"/>
+    <p:sldId id="342" r:id="rId53"/>
+    <p:sldId id="289" r:id="rId54"/>
+    <p:sldId id="290" r:id="rId55"/>
+    <p:sldId id="305" r:id="rId56"/>
+    <p:sldId id="291" r:id="rId57"/>
+    <p:sldId id="295" r:id="rId58"/>
   </p:sldIdLst>
   <p:sldSz cx="9144000" cy="6858000" type="screen4x3"/>
   <p:notesSz cx="7315200" cy="9601200"/>
@@ -3271,7 +3272,7 @@
               <a:pPr>
                 <a:defRPr/>
               </a:pPr>
-              <a:t>52</a:t>
+              <a:t>53</a:t>
             </a:fld>
             <a:endParaRPr lang="en-US" dirty="0"/>
           </a:p>
@@ -3388,7 +3389,7 @@
               <a:pPr>
                 <a:defRPr/>
               </a:pPr>
-              <a:t>53</a:t>
+              <a:t>54</a:t>
             </a:fld>
             <a:endParaRPr lang="en-US" dirty="0"/>
           </a:p>
@@ -3622,7 +3623,7 @@
               <a:pPr>
                 <a:defRPr/>
               </a:pPr>
-              <a:t>54</a:t>
+              <a:t>55</a:t>
             </a:fld>
             <a:endParaRPr lang="en-US" dirty="0"/>
           </a:p>
@@ -3739,7 +3740,7 @@
               <a:pPr>
                 <a:defRPr/>
               </a:pPr>
-              <a:t>55</a:t>
+              <a:t>56</a:t>
             </a:fld>
             <a:endParaRPr lang="en-US" dirty="0"/>
           </a:p>
@@ -3856,7 +3857,7 @@
               <a:pPr>
                 <a:defRPr/>
               </a:pPr>
-              <a:t>56</a:t>
+              <a:t>57</a:t>
             </a:fld>
             <a:endParaRPr lang="en-US" dirty="0"/>
           </a:p>
@@ -19038,6 +19039,270 @@
       </p:grpSpPr>
       <p:sp>
         <p:nvSpPr>
+          <p:cNvPr id="2" name="Title 1">
+            <a:extLst>
+              <a:ext uri="{FF2B5EF4-FFF2-40B4-BE49-F238E27FC236}">
+                <a16:creationId xmlns:a16="http://schemas.microsoft.com/office/drawing/2014/main" id="{04854790-DA14-4A77-B984-4C9A5957C412}"/>
+              </a:ext>
+            </a:extLst>
+          </p:cNvPr>
+          <p:cNvSpPr>
+            <a:spLocks noGrp="1"/>
+          </p:cNvSpPr>
+          <p:nvPr>
+            <p:ph type="title"/>
+          </p:nvPr>
+        </p:nvSpPr>
+        <p:spPr/>
+        <p:txBody>
+          <a:bodyPr/>
+          <a:lstStyle/>
+          <a:p>
+            <a:r>
+              <a:rPr lang="en-US" dirty="0"/>
+              <a:t>Structural References versus</a:t>
+            </a:r>
+            <a:br>
+              <a:rPr lang="en-US" dirty="0"/>
+            </a:br>
+            <a:r>
+              <a:rPr lang="en-US" dirty="0"/>
+              <a:t>Nonstructural References</a:t>
+            </a:r>
+          </a:p>
+        </p:txBody>
+      </p:sp>
+      <p:sp>
+        <p:nvSpPr>
+          <p:cNvPr id="3" name="Content Placeholder 2">
+            <a:extLst>
+              <a:ext uri="{FF2B5EF4-FFF2-40B4-BE49-F238E27FC236}">
+                <a16:creationId xmlns:a16="http://schemas.microsoft.com/office/drawing/2014/main" id="{8C013CF6-99C4-45B1-BF55-8F2537F01A64}"/>
+              </a:ext>
+            </a:extLst>
+          </p:cNvPr>
+          <p:cNvSpPr>
+            <a:spLocks noGrp="1"/>
+          </p:cNvSpPr>
+          <p:nvPr>
+            <p:ph idx="1"/>
+          </p:nvPr>
+        </p:nvSpPr>
+        <p:spPr>
+          <a:xfrm>
+            <a:off x="458788" y="1363663"/>
+            <a:ext cx="8321040" cy="4935537"/>
+          </a:xfrm>
+        </p:spPr>
+        <p:txBody>
+          <a:bodyPr/>
+          <a:lstStyle/>
+          <a:p>
+            <a:r>
+              <a:rPr lang="en-US" sz="2300" dirty="0"/>
+              <a:t>Most of the properties of AST classes represent structural references in that they correspond to the edges of the “tree”.</a:t>
+            </a:r>
+          </a:p>
+          <a:p>
+            <a:pPr lvl="1"/>
+            <a:r>
+              <a:rPr lang="en-US" dirty="0"/>
+              <a:t>Class </a:t>
+            </a:r>
+            <a:r>
+              <a:rPr lang="en-US" dirty="0">
+                <a:latin typeface="Consolas" panose="020B0609020204030204" pitchFamily="49" charset="0"/>
+              </a:rPr>
+              <a:t>Program</a:t>
+            </a:r>
+            <a:r>
+              <a:rPr lang="en-US" dirty="0"/>
+              <a:t> has a reference its declarative part and its statement part.</a:t>
+            </a:r>
+          </a:p>
+          <a:p>
+            <a:pPr lvl="1"/>
+            <a:r>
+              <a:rPr lang="en-US" dirty="0"/>
+              <a:t>Class </a:t>
+            </a:r>
+            <a:r>
+              <a:rPr lang="en-US" dirty="0" err="1">
+                <a:latin typeface="Consolas" panose="020B0609020204030204" pitchFamily="49" charset="0"/>
+              </a:rPr>
+              <a:t>BinaryExpr</a:t>
+            </a:r>
+            <a:r>
+              <a:rPr lang="en-US" dirty="0"/>
+              <a:t> has references its left operand, its operator, and its right operand.</a:t>
+            </a:r>
+          </a:p>
+          <a:p>
+            <a:r>
+              <a:rPr lang="en-US" sz="2300" dirty="0"/>
+              <a:t>Some AST classes have properties that do not correspond</a:t>
+            </a:r>
+            <a:br>
+              <a:rPr lang="en-US" sz="2300" dirty="0"/>
+            </a:br>
+            <a:r>
+              <a:rPr lang="en-US" sz="2300" dirty="0"/>
+              <a:t>to the edges of the “tree”.</a:t>
+            </a:r>
+          </a:p>
+          <a:p>
+            <a:pPr lvl="1"/>
+            <a:r>
+              <a:rPr lang="en-US" dirty="0"/>
+              <a:t>Class </a:t>
+            </a:r>
+            <a:r>
+              <a:rPr lang="en-US" dirty="0">
+                <a:latin typeface="Consolas" panose="020B0609020204030204" pitchFamily="49" charset="0"/>
+              </a:rPr>
+              <a:t>Variable</a:t>
+            </a:r>
+            <a:r>
+              <a:rPr lang="en-US" dirty="0"/>
+              <a:t> has a reference back to its declaration.</a:t>
+            </a:r>
+            <a:br>
+              <a:rPr lang="en-US" dirty="0"/>
+            </a:br>
+            <a:r>
+              <a:rPr lang="en-US" dirty="0"/>
+              <a:t>Similarly for class NamedValue.</a:t>
+            </a:r>
+          </a:p>
+          <a:p>
+            <a:pPr lvl="1"/>
+            <a:r>
+              <a:rPr lang="en-US" dirty="0"/>
+              <a:t>Class </a:t>
+            </a:r>
+            <a:r>
+              <a:rPr lang="en-US" dirty="0" err="1">
+                <a:latin typeface="Consolas" panose="020B0609020204030204" pitchFamily="49" charset="0"/>
+              </a:rPr>
+              <a:t>ExitStmt</a:t>
+            </a:r>
+            <a:r>
+              <a:rPr lang="en-US" dirty="0"/>
+              <a:t> has a reference its enclosing loop statement.</a:t>
+            </a:r>
+            <a:endParaRPr lang="en-US" sz="1950" dirty="0"/>
+          </a:p>
+          <a:p>
+            <a:r>
+              <a:rPr lang="en-US" sz="2300" dirty="0"/>
+              <a:t>These nonstructural references are used during constraint analysis and code generation. </a:t>
+            </a:r>
+          </a:p>
+        </p:txBody>
+      </p:sp>
+      <p:sp>
+        <p:nvSpPr>
+          <p:cNvPr id="4" name="Footer Placeholder 3">
+            <a:extLst>
+              <a:ext uri="{FF2B5EF4-FFF2-40B4-BE49-F238E27FC236}">
+                <a16:creationId xmlns:a16="http://schemas.microsoft.com/office/drawing/2014/main" id="{F2DFEBED-1FEC-4B5A-AEAA-24FEC06167AA}"/>
+              </a:ext>
+            </a:extLst>
+          </p:cNvPr>
+          <p:cNvSpPr>
+            <a:spLocks noGrp="1"/>
+          </p:cNvSpPr>
+          <p:nvPr>
+            <p:ph type="ftr" sz="quarter" idx="10"/>
+          </p:nvPr>
+        </p:nvSpPr>
+        <p:spPr/>
+        <p:txBody>
+          <a:bodyPr/>
+          <a:lstStyle/>
+          <a:p>
+            <a:pPr>
+              <a:defRPr/>
+            </a:pPr>
+            <a:r>
+              <a:rPr lang="en-US"/>
+              <a:t>©SoftMoore Consulting</a:t>
+            </a:r>
+            <a:endParaRPr lang="en-US" dirty="0"/>
+          </a:p>
+        </p:txBody>
+      </p:sp>
+      <p:sp>
+        <p:nvSpPr>
+          <p:cNvPr id="5" name="Slide Number Placeholder 4">
+            <a:extLst>
+              <a:ext uri="{FF2B5EF4-FFF2-40B4-BE49-F238E27FC236}">
+                <a16:creationId xmlns:a16="http://schemas.microsoft.com/office/drawing/2014/main" id="{E010081C-DE4F-4CF7-8DE1-4822B06B11FD}"/>
+              </a:ext>
+            </a:extLst>
+          </p:cNvPr>
+          <p:cNvSpPr>
+            <a:spLocks noGrp="1"/>
+          </p:cNvSpPr>
+          <p:nvPr>
+            <p:ph type="sldNum" sz="quarter" idx="11"/>
+          </p:nvPr>
+        </p:nvSpPr>
+        <p:spPr/>
+        <p:txBody>
+          <a:bodyPr/>
+          <a:lstStyle/>
+          <a:p>
+            <a:pPr>
+              <a:defRPr/>
+            </a:pPr>
+            <a:r>
+              <a:rPr lang="en-US"/>
+              <a:t>Slide </a:t>
+            </a:r>
+            <a:fld id="{A413A2F6-7BFD-463C-B63A-922040FAF32C}" type="slidenum">
+              <a:rPr lang="en-US" smtClean="0"/>
+              <a:pPr>
+                <a:defRPr/>
+              </a:pPr>
+              <a:t>42</a:t>
+            </a:fld>
+            <a:endParaRPr lang="en-US" dirty="0"/>
+          </a:p>
+        </p:txBody>
+      </p:sp>
+    </p:spTree>
+    <p:extLst>
+      <p:ext uri="{BB962C8B-B14F-4D97-AF65-F5344CB8AC3E}">
+        <p14:creationId xmlns:p14="http://schemas.microsoft.com/office/powerpoint/2010/main" val="628314858"/>
+      </p:ext>
+    </p:extLst>
+  </p:cSld>
+  <p:clrMapOvr>
+    <a:masterClrMapping/>
+  </p:clrMapOvr>
+</p:sld>
+</file>
+
+<file path=ppt/slides/slide43.xml><?xml version="1.0" encoding="utf-8"?>
+<p:sld xmlns:a="http://schemas.openxmlformats.org/drawingml/2006/main" xmlns:r="http://schemas.openxmlformats.org/officeDocument/2006/relationships" xmlns:p="http://schemas.openxmlformats.org/presentationml/2006/main">
+  <p:cSld>
+    <p:spTree>
+      <p:nvGrpSpPr>
+        <p:cNvPr id="1" name=""/>
+        <p:cNvGrpSpPr/>
+        <p:nvPr/>
+      </p:nvGrpSpPr>
+      <p:grpSpPr>
+        <a:xfrm>
+          <a:off x="0" y="0"/>
+          <a:ext cx="0" cy="0"/>
+          <a:chOff x="0" y="0"/>
+          <a:chExt cx="0" cy="0"/>
+        </a:xfrm>
+      </p:grpSpPr>
+      <p:sp>
+        <p:nvSpPr>
           <p:cNvPr id="3" name="Title 2"/>
           <p:cNvSpPr>
             <a:spLocks noGrp="1"/>
@@ -19191,7 +19456,7 @@
 </p:sld>
 </file>
 
-<file path=ppt/slides/slide43.xml><?xml version="1.0" encoding="utf-8"?>
+<file path=ppt/slides/slide44.xml><?xml version="1.0" encoding="utf-8"?>
 <p:sld xmlns:a="http://schemas.openxmlformats.org/drawingml/2006/main" xmlns:r="http://schemas.openxmlformats.org/officeDocument/2006/relationships" xmlns:p="http://schemas.openxmlformats.org/presentationml/2006/main">
   <p:cSld>
     <p:spTree>
@@ -20435,169 +20700,6 @@
 </p:sld>
 </file>
 
-<file path=ppt/slides/slide44.xml><?xml version="1.0" encoding="utf-8"?>
-<p:sld xmlns:a="http://schemas.openxmlformats.org/drawingml/2006/main" xmlns:r="http://schemas.openxmlformats.org/officeDocument/2006/relationships" xmlns:p="http://schemas.openxmlformats.org/presentationml/2006/main">
-  <p:cSld>
-    <p:spTree>
-      <p:nvGrpSpPr>
-        <p:cNvPr id="1" name=""/>
-        <p:cNvGrpSpPr/>
-        <p:nvPr/>
-      </p:nvGrpSpPr>
-      <p:grpSpPr>
-        <a:xfrm>
-          <a:off x="0" y="0"/>
-          <a:ext cx="0" cy="0"/>
-          <a:chOff x="0" y="0"/>
-          <a:chExt cx="0" cy="0"/>
-        </a:xfrm>
-      </p:grpSpPr>
-      <p:sp>
-        <p:nvSpPr>
-          <p:cNvPr id="8" name="Title 7">
-            <a:extLst>
-              <a:ext uri="{FF2B5EF4-FFF2-40B4-BE49-F238E27FC236}">
-                <a16:creationId xmlns:a16="http://schemas.microsoft.com/office/drawing/2014/main" id="{563233BE-B20A-4E38-8D6C-3D8FB41B4336}"/>
-              </a:ext>
-            </a:extLst>
-          </p:cNvPr>
-          <p:cNvSpPr>
-            <a:spLocks noGrp="1"/>
-          </p:cNvSpPr>
-          <p:nvPr>
-            <p:ph type="title"/>
-          </p:nvPr>
-        </p:nvSpPr>
-        <p:spPr/>
-        <p:txBody>
-          <a:bodyPr/>
-          <a:lstStyle/>
-          <a:p>
-            <a:r>
-              <a:rPr lang="en-US" dirty="0"/>
-              <a:t>Determining Types of Expressions</a:t>
-            </a:r>
-          </a:p>
-        </p:txBody>
-      </p:sp>
-      <p:sp>
-        <p:nvSpPr>
-          <p:cNvPr id="9" name="Content Placeholder 8">
-            <a:extLst>
-              <a:ext uri="{FF2B5EF4-FFF2-40B4-BE49-F238E27FC236}">
-                <a16:creationId xmlns:a16="http://schemas.microsoft.com/office/drawing/2014/main" id="{76E1210A-295D-4718-9E1A-27C835EA23E3}"/>
-              </a:ext>
-            </a:extLst>
-          </p:cNvPr>
-          <p:cNvSpPr>
-            <a:spLocks noGrp="1"/>
-          </p:cNvSpPr>
-          <p:nvPr>
-            <p:ph idx="1"/>
-          </p:nvPr>
-        </p:nvSpPr>
-        <p:spPr/>
-        <p:txBody>
-          <a:bodyPr/>
-          <a:lstStyle/>
-          <a:p>
-            <a:r>
-              <a:rPr lang="en-US" dirty="0"/>
-              <a:t>Since CPRL is statically typed, it is possible to determine the type of every expression at compile time, and AST class Expression has a property for the expression type that is inherited by all expression subclasses.</a:t>
-            </a:r>
-          </a:p>
-          <a:p>
-            <a:r>
-              <a:rPr lang="en-US" dirty="0"/>
-              <a:t>Where within the compiler should type determination take place?  In general, we will determine the type of an expression in the constructor for the expression’s AST class.</a:t>
-            </a:r>
-          </a:p>
-        </p:txBody>
-      </p:sp>
-      <p:sp>
-        <p:nvSpPr>
-          <p:cNvPr id="3" name="Footer Placeholder 2">
-            <a:extLst>
-              <a:ext uri="{FF2B5EF4-FFF2-40B4-BE49-F238E27FC236}">
-                <a16:creationId xmlns:a16="http://schemas.microsoft.com/office/drawing/2014/main" id="{5A404E55-B647-4C7C-9D62-C9EA115DC92C}"/>
-              </a:ext>
-            </a:extLst>
-          </p:cNvPr>
-          <p:cNvSpPr>
-            <a:spLocks noGrp="1"/>
-          </p:cNvSpPr>
-          <p:nvPr>
-            <p:ph type="ftr" sz="quarter" idx="10"/>
-          </p:nvPr>
-        </p:nvSpPr>
-        <p:spPr/>
-        <p:txBody>
-          <a:bodyPr/>
-          <a:lstStyle/>
-          <a:p>
-            <a:pPr>
-              <a:defRPr/>
-            </a:pPr>
-            <a:r>
-              <a:rPr lang="en-US"/>
-              <a:t>©SoftMoore Consulting</a:t>
-            </a:r>
-            <a:endParaRPr lang="en-US" dirty="0"/>
-          </a:p>
-        </p:txBody>
-      </p:sp>
-      <p:sp>
-        <p:nvSpPr>
-          <p:cNvPr id="4" name="Slide Number Placeholder 3">
-            <a:extLst>
-              <a:ext uri="{FF2B5EF4-FFF2-40B4-BE49-F238E27FC236}">
-                <a16:creationId xmlns:a16="http://schemas.microsoft.com/office/drawing/2014/main" id="{964B72F4-5156-47A8-BE64-4FAAF4115382}"/>
-              </a:ext>
-            </a:extLst>
-          </p:cNvPr>
-          <p:cNvSpPr>
-            <a:spLocks noGrp="1"/>
-          </p:cNvSpPr>
-          <p:nvPr>
-            <p:ph type="sldNum" sz="quarter" idx="11"/>
-          </p:nvPr>
-        </p:nvSpPr>
-        <p:spPr/>
-        <p:txBody>
-          <a:bodyPr/>
-          <a:lstStyle/>
-          <a:p>
-            <a:pPr>
-              <a:defRPr/>
-            </a:pPr>
-            <a:r>
-              <a:rPr lang="en-US"/>
-              <a:t>Slide </a:t>
-            </a:r>
-            <a:fld id="{0493F5BC-5863-40DB-9BF6-90302664BBE6}" type="slidenum">
-              <a:rPr lang="en-US" smtClean="0"/>
-              <a:pPr>
-                <a:defRPr/>
-              </a:pPr>
-              <a:t>44</a:t>
-            </a:fld>
-            <a:endParaRPr lang="en-US" dirty="0"/>
-          </a:p>
-        </p:txBody>
-      </p:sp>
-    </p:spTree>
-    <p:extLst>
-      <p:ext uri="{BB962C8B-B14F-4D97-AF65-F5344CB8AC3E}">
-        <p14:creationId xmlns:p14="http://schemas.microsoft.com/office/powerpoint/2010/main" val="2250100895"/>
-      </p:ext>
-    </p:extLst>
-  </p:cSld>
-  <p:clrMapOvr>
-    <a:masterClrMapping/>
-  </p:clrMapOvr>
-</p:sld>
-</file>
-
 <file path=ppt/slides/slide45.xml><?xml version="1.0" encoding="utf-8"?>
 <p:sld xmlns:a="http://schemas.openxmlformats.org/drawingml/2006/main" xmlns:r="http://schemas.openxmlformats.org/officeDocument/2006/relationships" xmlns:p="http://schemas.openxmlformats.org/presentationml/2006/main">
   <p:cSld>
@@ -20638,17 +20740,8 @@
           <a:p>
             <a:r>
               <a:rPr lang="en-US" dirty="0"/>
-              <a:t>Example: </a:t>
-            </a:r>
-            <a:r>
-              <a:rPr lang="en-US" dirty="0" err="1">
-                <a:latin typeface="Consolas" panose="020B0609020204030204" pitchFamily="49" charset="0"/>
-              </a:rPr>
-              <a:t>RelationalExpr</a:t>
-            </a:r>
-            <a:endParaRPr lang="en-US" dirty="0">
-              <a:latin typeface="Consolas" panose="020B0609020204030204" pitchFamily="49" charset="0"/>
-            </a:endParaRPr>
+              <a:t>Determining Types of Expressions</a:t>
+            </a:r>
           </a:p>
         </p:txBody>
       </p:sp>
@@ -20675,39 +20768,14 @@
           <a:p>
             <a:r>
               <a:rPr lang="en-US" dirty="0"/>
-              <a:t>A relational expression is a binary expression where the operator is a relational operator such as “</a:t>
-            </a:r>
-            <a:r>
-              <a:rPr lang="en-US" dirty="0">
-                <a:latin typeface="Consolas" panose="020B0609020204030204" pitchFamily="49" charset="0"/>
-              </a:rPr>
-              <a:t>&lt;=</a:t>
-            </a:r>
-            <a:r>
-              <a:rPr lang="en-US" dirty="0"/>
-              <a:t>” or “&gt;”.</a:t>
-            </a:r>
-          </a:p>
-          <a:p>
-            <a:r>
-              <a:rPr lang="en-US" dirty="0"/>
-              <a:t>Regardless of the types of the two operands, a relational expression always has type </a:t>
-            </a:r>
-            <a:r>
-              <a:rPr lang="en-US" dirty="0">
-                <a:latin typeface="Consolas" panose="020B0609020204030204" pitchFamily="49" charset="0"/>
-              </a:rPr>
-              <a:t>Boolean</a:t>
-            </a:r>
-            <a:r>
-              <a:rPr lang="en-US" dirty="0"/>
-              <a:t>.</a:t>
-            </a:r>
-          </a:p>
-          <a:p>
-            <a:endParaRPr lang="en-US" sz="1800" dirty="0">
-              <a:latin typeface="Consolas" panose="020B0609020204030204" pitchFamily="49" charset="0"/>
-            </a:endParaRPr>
+              <a:t>Since CPRL is statically typed, it is possible to determine the type of every expression at compile time, and AST class Expression has a property for the expression type that is inherited by all expression subclasses.</a:t>
+            </a:r>
+          </a:p>
+          <a:p>
+            <a:r>
+              <a:rPr lang="en-US" dirty="0"/>
+              <a:t>Where within the compiler should type determination take place?  In general, we will determine the type of an expression in the constructor for the expression’s AST class.</a:t>
+            </a:r>
           </a:p>
         </p:txBody>
       </p:sp>
@@ -20785,7 +20853,7 @@
     </p:spTree>
     <p:extLst>
       <p:ext uri="{BB962C8B-B14F-4D97-AF65-F5344CB8AC3E}">
-        <p14:creationId xmlns:p14="http://schemas.microsoft.com/office/powerpoint/2010/main" val="2714799205"/>
+        <p14:creationId xmlns:p14="http://schemas.microsoft.com/office/powerpoint/2010/main" val="2250100895"/>
       </p:ext>
     </p:extLst>
   </p:cSld>
@@ -20843,13 +20911,9 @@
               </a:rPr>
               <a:t>RelationalExpr</a:t>
             </a:r>
-            <a:br>
-              <a:rPr lang="en-US" dirty="0"/>
-            </a:br>
-            <a:r>
-              <a:rPr lang="en-US" sz="2400" dirty="0"/>
-              <a:t>(continued)</a:t>
-            </a:r>
+            <a:endParaRPr lang="en-US" dirty="0">
+              <a:latin typeface="Consolas" panose="020B0609020204030204" pitchFamily="49" charset="0"/>
+            </a:endParaRPr>
           </a:p>
         </p:txBody>
       </p:sp>
@@ -20876,307 +20940,37 @@
           <a:p>
             <a:r>
               <a:rPr lang="en-US" dirty="0"/>
-              <a:t>Constructor for </a:t>
-            </a:r>
-            <a:r>
-              <a:rPr lang="en-US" dirty="0" err="1">
-                <a:latin typeface="Consolas" panose="020B0609020204030204" pitchFamily="49" charset="0"/>
-              </a:rPr>
-              <a:t>RelationalExpr</a:t>
-            </a:r>
-            <a:endParaRPr lang="en-US" dirty="0">
-              <a:latin typeface="Consolas" panose="020B0609020204030204" pitchFamily="49" charset="0"/>
-            </a:endParaRPr>
-          </a:p>
-          <a:p>
-            <a:pPr marL="457200" lvl="1" indent="0">
-              <a:buNone/>
-            </a:pPr>
-            <a:r>
-              <a:rPr lang="en-US" sz="1800" dirty="0">
-                <a:latin typeface="Consolas" panose="020B0609020204030204" pitchFamily="49" charset="0"/>
-              </a:rPr>
-              <a:t>class </a:t>
-            </a:r>
-            <a:r>
-              <a:rPr lang="en-US" sz="1800" dirty="0" err="1">
-                <a:latin typeface="Consolas" panose="020B0609020204030204" pitchFamily="49" charset="0"/>
-              </a:rPr>
-              <a:t>RelationalExpr</a:t>
-            </a:r>
-            <a:r>
-              <a:rPr lang="en-US" sz="1800" dirty="0">
-                <a:latin typeface="Consolas" panose="020B0609020204030204" pitchFamily="49" charset="0"/>
-              </a:rPr>
-              <a:t>(</a:t>
-            </a:r>
-            <a:r>
-              <a:rPr lang="en-US" sz="1800" dirty="0" err="1">
-                <a:latin typeface="Consolas" panose="020B0609020204030204" pitchFamily="49" charset="0"/>
-              </a:rPr>
-              <a:t>leftOperand</a:t>
-            </a:r>
-            <a:r>
-              <a:rPr lang="en-US" sz="1800" dirty="0">
-                <a:latin typeface="Consolas" panose="020B0609020204030204" pitchFamily="49" charset="0"/>
-              </a:rPr>
-              <a:t>  : Expression,</a:t>
-            </a:r>
-          </a:p>
-          <a:p>
-            <a:pPr marL="457200" lvl="1" indent="0">
-              <a:spcBef>
-                <a:spcPts val="200"/>
-              </a:spcBef>
-              <a:buNone/>
-            </a:pPr>
-            <a:r>
-              <a:rPr lang="en-US" sz="1800" dirty="0">
-                <a:latin typeface="Consolas" panose="020B0609020204030204" pitchFamily="49" charset="0"/>
-              </a:rPr>
-              <a:t>                     operator     : Token,</a:t>
-            </a:r>
-          </a:p>
-          <a:p>
-            <a:pPr marL="457200" lvl="1" indent="0">
-              <a:spcBef>
-                <a:spcPts val="200"/>
-              </a:spcBef>
-              <a:buNone/>
-            </a:pPr>
-            <a:r>
-              <a:rPr lang="en-US" sz="1800" dirty="0">
-                <a:latin typeface="Consolas" panose="020B0609020204030204" pitchFamily="49" charset="0"/>
-              </a:rPr>
-              <a:t>                     </a:t>
-            </a:r>
-            <a:r>
-              <a:rPr lang="en-US" sz="1800" dirty="0" err="1">
-                <a:latin typeface="Consolas" panose="020B0609020204030204" pitchFamily="49" charset="0"/>
-              </a:rPr>
-              <a:t>rightOperand</a:t>
-            </a:r>
-            <a:r>
-              <a:rPr lang="en-US" sz="1800" dirty="0">
-                <a:latin typeface="Consolas" panose="020B0609020204030204" pitchFamily="49" charset="0"/>
-              </a:rPr>
-              <a:t> : Expression)</a:t>
-            </a:r>
-          </a:p>
-          <a:p>
-            <a:pPr marL="457200" lvl="1" indent="0">
-              <a:spcBef>
-                <a:spcPts val="200"/>
-              </a:spcBef>
-              <a:buNone/>
-            </a:pPr>
-            <a:r>
-              <a:rPr lang="en-US" sz="1800" dirty="0">
-                <a:latin typeface="Consolas" panose="020B0609020204030204" pitchFamily="49" charset="0"/>
-              </a:rPr>
-              <a:t>    : </a:t>
-            </a:r>
-            <a:r>
-              <a:rPr lang="en-US" sz="1800" dirty="0" err="1">
-                <a:latin typeface="Consolas" panose="020B0609020204030204" pitchFamily="49" charset="0"/>
-              </a:rPr>
-              <a:t>BinaryExpr</a:t>
-            </a:r>
-            <a:r>
-              <a:rPr lang="en-US" sz="1800" dirty="0">
-                <a:latin typeface="Consolas" panose="020B0609020204030204" pitchFamily="49" charset="0"/>
-              </a:rPr>
-              <a:t>(</a:t>
-            </a:r>
-            <a:r>
-              <a:rPr lang="en-US" sz="1800" dirty="0" err="1">
-                <a:latin typeface="Consolas" panose="020B0609020204030204" pitchFamily="49" charset="0"/>
-              </a:rPr>
-              <a:t>leftOperand</a:t>
-            </a:r>
-            <a:r>
-              <a:rPr lang="en-US" sz="1800" dirty="0">
-                <a:latin typeface="Consolas" panose="020B0609020204030204" pitchFamily="49" charset="0"/>
-              </a:rPr>
-              <a:t>, operator, </a:t>
-            </a:r>
-            <a:r>
-              <a:rPr lang="en-US" sz="1800" dirty="0" err="1">
-                <a:latin typeface="Consolas" panose="020B0609020204030204" pitchFamily="49" charset="0"/>
-              </a:rPr>
-              <a:t>rightOperand</a:t>
-            </a:r>
-            <a:r>
-              <a:rPr lang="en-US" sz="1800" dirty="0">
-                <a:latin typeface="Consolas" panose="020B0609020204030204" pitchFamily="49" charset="0"/>
-              </a:rPr>
-              <a:t>)</a:t>
-            </a:r>
-          </a:p>
-          <a:p>
-            <a:pPr marL="457200" lvl="1" indent="0">
-              <a:spcBef>
-                <a:spcPts val="200"/>
-              </a:spcBef>
-              <a:buNone/>
-            </a:pPr>
-            <a:r>
-              <a:rPr lang="en-US" sz="1800" dirty="0">
-                <a:latin typeface="Consolas" panose="020B0609020204030204" pitchFamily="49" charset="0"/>
-              </a:rPr>
-              <a:t>  {</a:t>
-            </a:r>
-          </a:p>
-          <a:p>
-            <a:pPr marL="457200" lvl="1" indent="0">
-              <a:spcBef>
-                <a:spcPts val="200"/>
-              </a:spcBef>
-              <a:buNone/>
-            </a:pPr>
-            <a:r>
-              <a:rPr lang="en-US" sz="1800" dirty="0">
-                <a:latin typeface="Consolas" panose="020B0609020204030204" pitchFamily="49" charset="0"/>
-              </a:rPr>
-              <a:t>    /**</a:t>
-            </a:r>
-          </a:p>
-          <a:p>
-            <a:pPr marL="457200" lvl="1" indent="0">
-              <a:spcBef>
-                <a:spcPts val="200"/>
-              </a:spcBef>
-              <a:buNone/>
-            </a:pPr>
-            <a:r>
-              <a:rPr lang="en-US" sz="1800" dirty="0">
-                <a:latin typeface="Consolas" panose="020B0609020204030204" pitchFamily="49" charset="0"/>
-              </a:rPr>
-              <a:t>     * Initialize the type of the expression to Boolean.</a:t>
-            </a:r>
-          </a:p>
-          <a:p>
-            <a:pPr marL="457200" lvl="1" indent="0">
-              <a:spcBef>
-                <a:spcPts val="200"/>
-              </a:spcBef>
-              <a:buNone/>
-            </a:pPr>
-            <a:r>
-              <a:rPr lang="en-US" sz="1800" dirty="0">
-                <a:latin typeface="Consolas" panose="020B0609020204030204" pitchFamily="49" charset="0"/>
-              </a:rPr>
-              <a:t>     */</a:t>
-            </a:r>
-          </a:p>
-          <a:p>
-            <a:pPr marL="457200" lvl="1" indent="0">
-              <a:spcBef>
-                <a:spcPts val="200"/>
-              </a:spcBef>
-              <a:buNone/>
-            </a:pPr>
-            <a:r>
-              <a:rPr lang="en-US" sz="1800" dirty="0">
-                <a:latin typeface="Consolas" panose="020B0609020204030204" pitchFamily="49" charset="0"/>
-              </a:rPr>
-              <a:t>    </a:t>
-            </a:r>
-            <a:r>
-              <a:rPr lang="en-US" sz="1800" dirty="0" err="1">
-                <a:latin typeface="Consolas" panose="020B0609020204030204" pitchFamily="49" charset="0"/>
-              </a:rPr>
-              <a:t>init</a:t>
-            </a:r>
+              <a:t>A relational expression is a binary expression where the operator is a relational operator such as “</a:t>
+            </a:r>
+            <a:r>
+              <a:rPr lang="en-US" dirty="0">
+                <a:latin typeface="Consolas" panose="020B0609020204030204" pitchFamily="49" charset="0"/>
+              </a:rPr>
+              <a:t>&lt;=</a:t>
+            </a:r>
+            <a:r>
+              <a:rPr lang="en-US" dirty="0"/>
+              <a:t>” or “&gt;”.</a:t>
+            </a:r>
+          </a:p>
+          <a:p>
+            <a:r>
+              <a:rPr lang="en-US" dirty="0"/>
+              <a:t>Regardless of the types of the two operands, a relational expression always has type </a:t>
+            </a:r>
+            <a:r>
+              <a:rPr lang="en-US" dirty="0">
+                <a:latin typeface="Consolas" panose="020B0609020204030204" pitchFamily="49" charset="0"/>
+              </a:rPr>
+              <a:t>Boolean</a:t>
+            </a:r>
+            <a:r>
+              <a:rPr lang="en-US" dirty="0"/>
+              <a:t>.</a:t>
+            </a:r>
+          </a:p>
+          <a:p>
             <a:endParaRPr lang="en-US" sz="1800" dirty="0">
-              <a:latin typeface="Consolas" panose="020B0609020204030204" pitchFamily="49" charset="0"/>
-            </a:endParaRPr>
-          </a:p>
-          <a:p>
-            <a:pPr marL="457200" lvl="1" indent="0">
-              <a:spcBef>
-                <a:spcPts val="200"/>
-              </a:spcBef>
-              <a:buNone/>
-            </a:pPr>
-            <a:r>
-              <a:rPr lang="en-US" sz="1800" dirty="0">
-                <a:latin typeface="Consolas" panose="020B0609020204030204" pitchFamily="49" charset="0"/>
-              </a:rPr>
-              <a:t>      {</a:t>
-            </a:r>
-          </a:p>
-          <a:p>
-            <a:pPr marL="457200" lvl="1" indent="0">
-              <a:spcBef>
-                <a:spcPts val="200"/>
-              </a:spcBef>
-              <a:buNone/>
-            </a:pPr>
-            <a:r>
-              <a:rPr lang="en-US" sz="1800" dirty="0">
-                <a:latin typeface="Consolas" panose="020B0609020204030204" pitchFamily="49" charset="0"/>
-              </a:rPr>
-              <a:t>        </a:t>
-            </a:r>
-            <a:r>
-              <a:rPr lang="en-US" sz="1800" b="1" dirty="0">
-                <a:latin typeface="Consolas" panose="020B0609020204030204" pitchFamily="49" charset="0"/>
-              </a:rPr>
-              <a:t>type = </a:t>
-            </a:r>
-            <a:r>
-              <a:rPr lang="en-US" sz="1800" b="1" dirty="0" err="1">
-                <a:latin typeface="Consolas" panose="020B0609020204030204" pitchFamily="49" charset="0"/>
-              </a:rPr>
-              <a:t>Type.Boolean</a:t>
-            </a:r>
-            <a:endParaRPr lang="en-US" sz="1800" b="1" dirty="0">
-              <a:latin typeface="Consolas" panose="020B0609020204030204" pitchFamily="49" charset="0"/>
-            </a:endParaRPr>
-          </a:p>
-          <a:p>
-            <a:pPr marL="457200" lvl="1" indent="0">
-              <a:spcBef>
-                <a:spcPts val="200"/>
-              </a:spcBef>
-              <a:buNone/>
-            </a:pPr>
-            <a:r>
-              <a:rPr lang="en-US" sz="1800" dirty="0">
-                <a:latin typeface="Consolas" panose="020B0609020204030204" pitchFamily="49" charset="0"/>
-              </a:rPr>
-              <a:t>      }</a:t>
-            </a:r>
-          </a:p>
-          <a:p>
-            <a:pPr marL="457200" lvl="1" indent="0">
-              <a:spcBef>
-                <a:spcPts val="200"/>
-              </a:spcBef>
-              <a:buNone/>
-            </a:pPr>
-            <a:r>
-              <a:rPr lang="en-US" sz="1800" dirty="0">
-                <a:latin typeface="Consolas" panose="020B0609020204030204" pitchFamily="49" charset="0"/>
-              </a:rPr>
-              <a:t>   ...</a:t>
-            </a:r>
-          </a:p>
-          <a:p>
-            <a:pPr marL="457200" lvl="1" indent="0">
-              <a:spcBef>
-                <a:spcPts val="200"/>
-              </a:spcBef>
-              <a:buNone/>
-            </a:pPr>
-            <a:r>
-              <a:rPr lang="en-US" sz="1800" dirty="0">
-                <a:latin typeface="Consolas" panose="020B0609020204030204" pitchFamily="49" charset="0"/>
-              </a:rPr>
-              <a:t>  }</a:t>
-            </a:r>
-            <a:endParaRPr lang="en-US" dirty="0">
               <a:latin typeface="Consolas" panose="020B0609020204030204" pitchFamily="49" charset="0"/>
             </a:endParaRPr>
           </a:p>
@@ -21203,6 +20997,9 @@
           <a:bodyPr/>
           <a:lstStyle/>
           <a:p>
+            <a:pPr>
+              <a:defRPr/>
+            </a:pPr>
             <a:r>
               <a:rPr lang="en-US"/>
               <a:t>©SoftMoore Consulting</a:t>
@@ -21232,13 +21029,18 @@
           <a:bodyPr/>
           <a:lstStyle/>
           <a:p>
+            <a:pPr>
+              <a:defRPr/>
+            </a:pPr>
             <a:r>
               <a:rPr lang="en-US"/>
               <a:t>Slide </a:t>
             </a:r>
             <a:fld id="{0493F5BC-5863-40DB-9BF6-90302664BBE6}" type="slidenum">
               <a:rPr lang="en-US" smtClean="0"/>
-              <a:pPr/>
+              <a:pPr>
+                <a:defRPr/>
+              </a:pPr>
               <a:t>46</a:t>
             </a:fld>
             <a:endParaRPr lang="en-US" dirty="0"/>
@@ -21248,7 +21050,7 @@
     </p:spTree>
     <p:extLst>
       <p:ext uri="{BB962C8B-B14F-4D97-AF65-F5344CB8AC3E}">
-        <p14:creationId xmlns:p14="http://schemas.microsoft.com/office/powerpoint/2010/main" val="1682119118"/>
+        <p14:creationId xmlns:p14="http://schemas.microsoft.com/office/powerpoint/2010/main" val="2714799205"/>
       </p:ext>
     </p:extLst>
   </p:cSld>
@@ -21304,11 +21106,15 @@
               <a:rPr lang="en-US" dirty="0" err="1">
                 <a:latin typeface="Consolas" panose="020B0609020204030204" pitchFamily="49" charset="0"/>
               </a:rPr>
-              <a:t>AddingExpr</a:t>
-            </a:r>
-            <a:endParaRPr lang="en-US" dirty="0">
-              <a:latin typeface="Consolas" panose="020B0609020204030204" pitchFamily="49" charset="0"/>
-            </a:endParaRPr>
+              <a:t>RelationalExpr</a:t>
+            </a:r>
+            <a:br>
+              <a:rPr lang="en-US" dirty="0"/>
+            </a:br>
+            <a:r>
+              <a:rPr lang="en-US" sz="2400" dirty="0"/>
+              <a:t>(continued)</a:t>
+            </a:r>
           </a:p>
         </p:txBody>
       </p:sp>
@@ -21335,21 +21141,309 @@
           <a:p>
             <a:r>
               <a:rPr lang="en-US" dirty="0"/>
-              <a:t>For most “real” programming languages, determining the type of an adding expression can be somewhat complicated.</a:t>
-            </a:r>
-          </a:p>
-          <a:p>
-            <a:pPr lvl="1"/>
-            <a:r>
-              <a:rPr lang="en-US" dirty="0"/>
-              <a:t>C and Java have multiple numeric types with rules about automatic conversions (coercions) when an operator has different operand types.</a:t>
-            </a:r>
-          </a:p>
-          <a:p>
-            <a:r>
-              <a:rPr lang="en-US" dirty="0"/>
-              <a:t>In CPRL, an adding expression always has type Integer.  (Similarly for a multiplying expression in CPRL.)</a:t>
-            </a:r>
+              <a:t>Constructor for </a:t>
+            </a:r>
+            <a:r>
+              <a:rPr lang="en-US" dirty="0" err="1">
+                <a:latin typeface="Consolas" panose="020B0609020204030204" pitchFamily="49" charset="0"/>
+              </a:rPr>
+              <a:t>RelationalExpr</a:t>
+            </a:r>
+            <a:endParaRPr lang="en-US" dirty="0">
+              <a:latin typeface="Consolas" panose="020B0609020204030204" pitchFamily="49" charset="0"/>
+            </a:endParaRPr>
+          </a:p>
+          <a:p>
+            <a:pPr marL="457200" lvl="1" indent="0">
+              <a:buNone/>
+            </a:pPr>
+            <a:r>
+              <a:rPr lang="en-US" sz="1800" dirty="0">
+                <a:latin typeface="Consolas" panose="020B0609020204030204" pitchFamily="49" charset="0"/>
+              </a:rPr>
+              <a:t>class </a:t>
+            </a:r>
+            <a:r>
+              <a:rPr lang="en-US" sz="1800" dirty="0" err="1">
+                <a:latin typeface="Consolas" panose="020B0609020204030204" pitchFamily="49" charset="0"/>
+              </a:rPr>
+              <a:t>RelationalExpr</a:t>
+            </a:r>
+            <a:r>
+              <a:rPr lang="en-US" sz="1800" dirty="0">
+                <a:latin typeface="Consolas" panose="020B0609020204030204" pitchFamily="49" charset="0"/>
+              </a:rPr>
+              <a:t>(</a:t>
+            </a:r>
+            <a:r>
+              <a:rPr lang="en-US" sz="1800" dirty="0" err="1">
+                <a:latin typeface="Consolas" panose="020B0609020204030204" pitchFamily="49" charset="0"/>
+              </a:rPr>
+              <a:t>leftOperand</a:t>
+            </a:r>
+            <a:r>
+              <a:rPr lang="en-US" sz="1800" dirty="0">
+                <a:latin typeface="Consolas" panose="020B0609020204030204" pitchFamily="49" charset="0"/>
+              </a:rPr>
+              <a:t>  : Expression,</a:t>
+            </a:r>
+          </a:p>
+          <a:p>
+            <a:pPr marL="457200" lvl="1" indent="0">
+              <a:spcBef>
+                <a:spcPts val="200"/>
+              </a:spcBef>
+              <a:buNone/>
+            </a:pPr>
+            <a:r>
+              <a:rPr lang="en-US" sz="1800" dirty="0">
+                <a:latin typeface="Consolas" panose="020B0609020204030204" pitchFamily="49" charset="0"/>
+              </a:rPr>
+              <a:t>                     operator     : Token,</a:t>
+            </a:r>
+          </a:p>
+          <a:p>
+            <a:pPr marL="457200" lvl="1" indent="0">
+              <a:spcBef>
+                <a:spcPts val="200"/>
+              </a:spcBef>
+              <a:buNone/>
+            </a:pPr>
+            <a:r>
+              <a:rPr lang="en-US" sz="1800" dirty="0">
+                <a:latin typeface="Consolas" panose="020B0609020204030204" pitchFamily="49" charset="0"/>
+              </a:rPr>
+              <a:t>                     </a:t>
+            </a:r>
+            <a:r>
+              <a:rPr lang="en-US" sz="1800" dirty="0" err="1">
+                <a:latin typeface="Consolas" panose="020B0609020204030204" pitchFamily="49" charset="0"/>
+              </a:rPr>
+              <a:t>rightOperand</a:t>
+            </a:r>
+            <a:r>
+              <a:rPr lang="en-US" sz="1800" dirty="0">
+                <a:latin typeface="Consolas" panose="020B0609020204030204" pitchFamily="49" charset="0"/>
+              </a:rPr>
+              <a:t> : Expression)</a:t>
+            </a:r>
+          </a:p>
+          <a:p>
+            <a:pPr marL="457200" lvl="1" indent="0">
+              <a:spcBef>
+                <a:spcPts val="200"/>
+              </a:spcBef>
+              <a:buNone/>
+            </a:pPr>
+            <a:r>
+              <a:rPr lang="en-US" sz="1800" dirty="0">
+                <a:latin typeface="Consolas" panose="020B0609020204030204" pitchFamily="49" charset="0"/>
+              </a:rPr>
+              <a:t>    : </a:t>
+            </a:r>
+            <a:r>
+              <a:rPr lang="en-US" sz="1800" dirty="0" err="1">
+                <a:latin typeface="Consolas" panose="020B0609020204030204" pitchFamily="49" charset="0"/>
+              </a:rPr>
+              <a:t>BinaryExpr</a:t>
+            </a:r>
+            <a:r>
+              <a:rPr lang="en-US" sz="1800" dirty="0">
+                <a:latin typeface="Consolas" panose="020B0609020204030204" pitchFamily="49" charset="0"/>
+              </a:rPr>
+              <a:t>(</a:t>
+            </a:r>
+            <a:r>
+              <a:rPr lang="en-US" sz="1800" dirty="0" err="1">
+                <a:latin typeface="Consolas" panose="020B0609020204030204" pitchFamily="49" charset="0"/>
+              </a:rPr>
+              <a:t>leftOperand</a:t>
+            </a:r>
+            <a:r>
+              <a:rPr lang="en-US" sz="1800" dirty="0">
+                <a:latin typeface="Consolas" panose="020B0609020204030204" pitchFamily="49" charset="0"/>
+              </a:rPr>
+              <a:t>, operator, </a:t>
+            </a:r>
+            <a:r>
+              <a:rPr lang="en-US" sz="1800" dirty="0" err="1">
+                <a:latin typeface="Consolas" panose="020B0609020204030204" pitchFamily="49" charset="0"/>
+              </a:rPr>
+              <a:t>rightOperand</a:t>
+            </a:r>
+            <a:r>
+              <a:rPr lang="en-US" sz="1800" dirty="0">
+                <a:latin typeface="Consolas" panose="020B0609020204030204" pitchFamily="49" charset="0"/>
+              </a:rPr>
+              <a:t>)</a:t>
+            </a:r>
+          </a:p>
+          <a:p>
+            <a:pPr marL="457200" lvl="1" indent="0">
+              <a:spcBef>
+                <a:spcPts val="200"/>
+              </a:spcBef>
+              <a:buNone/>
+            </a:pPr>
+            <a:r>
+              <a:rPr lang="en-US" sz="1800" dirty="0">
+                <a:latin typeface="Consolas" panose="020B0609020204030204" pitchFamily="49" charset="0"/>
+              </a:rPr>
+              <a:t>  {</a:t>
+            </a:r>
+          </a:p>
+          <a:p>
+            <a:pPr marL="457200" lvl="1" indent="0">
+              <a:spcBef>
+                <a:spcPts val="200"/>
+              </a:spcBef>
+              <a:buNone/>
+            </a:pPr>
+            <a:r>
+              <a:rPr lang="en-US" sz="1800" dirty="0">
+                <a:latin typeface="Consolas" panose="020B0609020204030204" pitchFamily="49" charset="0"/>
+              </a:rPr>
+              <a:t>    /**</a:t>
+            </a:r>
+          </a:p>
+          <a:p>
+            <a:pPr marL="457200" lvl="1" indent="0">
+              <a:spcBef>
+                <a:spcPts val="200"/>
+              </a:spcBef>
+              <a:buNone/>
+            </a:pPr>
+            <a:r>
+              <a:rPr lang="en-US" sz="1800" dirty="0">
+                <a:latin typeface="Consolas" panose="020B0609020204030204" pitchFamily="49" charset="0"/>
+              </a:rPr>
+              <a:t>     * Initialize the type of the expression to Boolean.</a:t>
+            </a:r>
+          </a:p>
+          <a:p>
+            <a:pPr marL="457200" lvl="1" indent="0">
+              <a:spcBef>
+                <a:spcPts val="200"/>
+              </a:spcBef>
+              <a:buNone/>
+            </a:pPr>
+            <a:r>
+              <a:rPr lang="en-US" sz="1800" dirty="0">
+                <a:latin typeface="Consolas" panose="020B0609020204030204" pitchFamily="49" charset="0"/>
+              </a:rPr>
+              <a:t>     */</a:t>
+            </a:r>
+          </a:p>
+          <a:p>
+            <a:pPr marL="457200" lvl="1" indent="0">
+              <a:spcBef>
+                <a:spcPts val="200"/>
+              </a:spcBef>
+              <a:buNone/>
+            </a:pPr>
+            <a:r>
+              <a:rPr lang="en-US" sz="1800" dirty="0">
+                <a:latin typeface="Consolas" panose="020B0609020204030204" pitchFamily="49" charset="0"/>
+              </a:rPr>
+              <a:t>    </a:t>
+            </a:r>
+            <a:r>
+              <a:rPr lang="en-US" sz="1800" dirty="0" err="1">
+                <a:latin typeface="Consolas" panose="020B0609020204030204" pitchFamily="49" charset="0"/>
+              </a:rPr>
+              <a:t>init</a:t>
+            </a:r>
+            <a:endParaRPr lang="en-US" sz="1800" dirty="0">
+              <a:latin typeface="Consolas" panose="020B0609020204030204" pitchFamily="49" charset="0"/>
+            </a:endParaRPr>
+          </a:p>
+          <a:p>
+            <a:pPr marL="457200" lvl="1" indent="0">
+              <a:spcBef>
+                <a:spcPts val="200"/>
+              </a:spcBef>
+              <a:buNone/>
+            </a:pPr>
+            <a:r>
+              <a:rPr lang="en-US" sz="1800" dirty="0">
+                <a:latin typeface="Consolas" panose="020B0609020204030204" pitchFamily="49" charset="0"/>
+              </a:rPr>
+              <a:t>      {</a:t>
+            </a:r>
+          </a:p>
+          <a:p>
+            <a:pPr marL="457200" lvl="1" indent="0">
+              <a:spcBef>
+                <a:spcPts val="200"/>
+              </a:spcBef>
+              <a:buNone/>
+            </a:pPr>
+            <a:r>
+              <a:rPr lang="en-US" sz="1800" dirty="0">
+                <a:latin typeface="Consolas" panose="020B0609020204030204" pitchFamily="49" charset="0"/>
+              </a:rPr>
+              <a:t>        </a:t>
+            </a:r>
+            <a:r>
+              <a:rPr lang="en-US" sz="1800" b="1" dirty="0">
+                <a:latin typeface="Consolas" panose="020B0609020204030204" pitchFamily="49" charset="0"/>
+              </a:rPr>
+              <a:t>type = </a:t>
+            </a:r>
+            <a:r>
+              <a:rPr lang="en-US" sz="1800" b="1" dirty="0" err="1">
+                <a:latin typeface="Consolas" panose="020B0609020204030204" pitchFamily="49" charset="0"/>
+              </a:rPr>
+              <a:t>Type.Boolean</a:t>
+            </a:r>
+            <a:endParaRPr lang="en-US" sz="1800" b="1" dirty="0">
+              <a:latin typeface="Consolas" panose="020B0609020204030204" pitchFamily="49" charset="0"/>
+            </a:endParaRPr>
+          </a:p>
+          <a:p>
+            <a:pPr marL="457200" lvl="1" indent="0">
+              <a:spcBef>
+                <a:spcPts val="200"/>
+              </a:spcBef>
+              <a:buNone/>
+            </a:pPr>
+            <a:r>
+              <a:rPr lang="en-US" sz="1800" dirty="0">
+                <a:latin typeface="Consolas" panose="020B0609020204030204" pitchFamily="49" charset="0"/>
+              </a:rPr>
+              <a:t>      }</a:t>
+            </a:r>
+          </a:p>
+          <a:p>
+            <a:pPr marL="457200" lvl="1" indent="0">
+              <a:spcBef>
+                <a:spcPts val="200"/>
+              </a:spcBef>
+              <a:buNone/>
+            </a:pPr>
+            <a:r>
+              <a:rPr lang="en-US" sz="1800" dirty="0">
+                <a:latin typeface="Consolas" panose="020B0609020204030204" pitchFamily="49" charset="0"/>
+              </a:rPr>
+              <a:t>   ...</a:t>
+            </a:r>
+          </a:p>
+          <a:p>
+            <a:pPr marL="457200" lvl="1" indent="0">
+              <a:spcBef>
+                <a:spcPts val="200"/>
+              </a:spcBef>
+              <a:buNone/>
+            </a:pPr>
+            <a:r>
+              <a:rPr lang="en-US" sz="1800" dirty="0">
+                <a:latin typeface="Consolas" panose="020B0609020204030204" pitchFamily="49" charset="0"/>
+              </a:rPr>
+              <a:t>  }</a:t>
+            </a:r>
+            <a:endParaRPr lang="en-US" dirty="0">
+              <a:latin typeface="Consolas" panose="020B0609020204030204" pitchFamily="49" charset="0"/>
+            </a:endParaRPr>
           </a:p>
         </p:txBody>
       </p:sp>
@@ -21374,9 +21468,6 @@
           <a:bodyPr/>
           <a:lstStyle/>
           <a:p>
-            <a:pPr>
-              <a:defRPr/>
-            </a:pPr>
             <a:r>
               <a:rPr lang="en-US"/>
               <a:t>©SoftMoore Consulting</a:t>
@@ -21406,18 +21497,13 @@
           <a:bodyPr/>
           <a:lstStyle/>
           <a:p>
-            <a:pPr>
-              <a:defRPr/>
-            </a:pPr>
             <a:r>
               <a:rPr lang="en-US"/>
               <a:t>Slide </a:t>
             </a:r>
             <a:fld id="{0493F5BC-5863-40DB-9BF6-90302664BBE6}" type="slidenum">
               <a:rPr lang="en-US" smtClean="0"/>
-              <a:pPr>
-                <a:defRPr/>
-              </a:pPr>
+              <a:pPr/>
               <a:t>47</a:t>
             </a:fld>
             <a:endParaRPr lang="en-US" dirty="0"/>
@@ -21427,7 +21513,7 @@
     </p:spTree>
     <p:extLst>
       <p:ext uri="{BB962C8B-B14F-4D97-AF65-F5344CB8AC3E}">
-        <p14:creationId xmlns:p14="http://schemas.microsoft.com/office/powerpoint/2010/main" val="1930244420"/>
+        <p14:creationId xmlns:p14="http://schemas.microsoft.com/office/powerpoint/2010/main" val="1682119118"/>
       </p:ext>
     </p:extLst>
   </p:cSld>
@@ -21485,15 +21571,9 @@
               </a:rPr>
               <a:t>AddingExpr</a:t>
             </a:r>
-            <a:br>
-              <a:rPr lang="en-US" dirty="0">
-                <a:latin typeface="Consolas" panose="020B0609020204030204" pitchFamily="49" charset="0"/>
-              </a:rPr>
-            </a:br>
-            <a:r>
-              <a:rPr lang="en-US" sz="2400" dirty="0"/>
-              <a:t>(continued)</a:t>
-            </a:r>
+            <a:endParaRPr lang="en-US" dirty="0">
+              <a:latin typeface="Consolas" panose="020B0609020204030204" pitchFamily="49" charset="0"/>
+            </a:endParaRPr>
           </a:p>
         </p:txBody>
       </p:sp>
@@ -21520,308 +21600,20 @@
           <a:p>
             <a:r>
               <a:rPr lang="en-US" dirty="0"/>
-              <a:t>Constructor for </a:t>
-            </a:r>
-            <a:r>
-              <a:rPr lang="en-US" dirty="0" err="1">
-                <a:latin typeface="Consolas" panose="020B0609020204030204" pitchFamily="49" charset="0"/>
-              </a:rPr>
-              <a:t>AddingExpr</a:t>
-            </a:r>
-            <a:endParaRPr lang="en-US" dirty="0">
-              <a:latin typeface="Consolas" panose="020B0609020204030204" pitchFamily="49" charset="0"/>
-            </a:endParaRPr>
-          </a:p>
-          <a:p>
-            <a:pPr marL="457200" lvl="1" indent="0">
-              <a:spcBef>
-                <a:spcPts val="400"/>
-              </a:spcBef>
-              <a:buNone/>
-            </a:pPr>
-            <a:r>
-              <a:rPr lang="en-US" sz="1800" dirty="0">
-                <a:latin typeface="Consolas" panose="020B0609020204030204" pitchFamily="49" charset="0"/>
-              </a:rPr>
-              <a:t>class </a:t>
-            </a:r>
-            <a:r>
-              <a:rPr lang="en-US" sz="1800" dirty="0" err="1">
-                <a:latin typeface="Consolas" panose="020B0609020204030204" pitchFamily="49" charset="0"/>
-              </a:rPr>
-              <a:t>AddingExpr</a:t>
-            </a:r>
-            <a:r>
-              <a:rPr lang="en-US" sz="1800" dirty="0">
-                <a:latin typeface="Consolas" panose="020B0609020204030204" pitchFamily="49" charset="0"/>
-              </a:rPr>
-              <a:t>(</a:t>
-            </a:r>
-            <a:r>
-              <a:rPr lang="en-US" sz="1800" dirty="0" err="1">
-                <a:latin typeface="Consolas" panose="020B0609020204030204" pitchFamily="49" charset="0"/>
-              </a:rPr>
-              <a:t>leftOperand</a:t>
-            </a:r>
-            <a:r>
-              <a:rPr lang="en-US" sz="1800" dirty="0">
-                <a:latin typeface="Consolas" panose="020B0609020204030204" pitchFamily="49" charset="0"/>
-              </a:rPr>
-              <a:t>  : Expression,</a:t>
-            </a:r>
-          </a:p>
-          <a:p>
-            <a:pPr marL="457200" lvl="1" indent="0">
-              <a:spcBef>
-                <a:spcPts val="200"/>
-              </a:spcBef>
-              <a:buNone/>
-            </a:pPr>
-            <a:r>
-              <a:rPr lang="en-US" sz="1800" dirty="0">
-                <a:latin typeface="Consolas" panose="020B0609020204030204" pitchFamily="49" charset="0"/>
-              </a:rPr>
-              <a:t>                 operator     : Token,</a:t>
-            </a:r>
-          </a:p>
-          <a:p>
-            <a:pPr marL="457200" lvl="1" indent="0">
-              <a:spcBef>
-                <a:spcPts val="200"/>
-              </a:spcBef>
-              <a:buNone/>
-            </a:pPr>
-            <a:r>
-              <a:rPr lang="en-US" sz="1800" dirty="0">
-                <a:latin typeface="Consolas" panose="020B0609020204030204" pitchFamily="49" charset="0"/>
-              </a:rPr>
-              <a:t>                 </a:t>
-            </a:r>
-            <a:r>
-              <a:rPr lang="en-US" sz="1800" dirty="0" err="1">
-                <a:latin typeface="Consolas" panose="020B0609020204030204" pitchFamily="49" charset="0"/>
-              </a:rPr>
-              <a:t>rightOperand</a:t>
-            </a:r>
-            <a:r>
-              <a:rPr lang="en-US" sz="1800" dirty="0">
-                <a:latin typeface="Consolas" panose="020B0609020204030204" pitchFamily="49" charset="0"/>
-              </a:rPr>
-              <a:t> : Expression)</a:t>
-            </a:r>
-          </a:p>
-          <a:p>
-            <a:pPr marL="457200" lvl="1" indent="0">
-              <a:spcBef>
-                <a:spcPts val="200"/>
-              </a:spcBef>
-              <a:buNone/>
-            </a:pPr>
-            <a:r>
-              <a:rPr lang="en-US" sz="1800" dirty="0">
-                <a:latin typeface="Consolas" panose="020B0609020204030204" pitchFamily="49" charset="0"/>
-              </a:rPr>
-              <a:t>    : </a:t>
-            </a:r>
-            <a:r>
-              <a:rPr lang="en-US" sz="1800" dirty="0" err="1">
-                <a:latin typeface="Consolas" panose="020B0609020204030204" pitchFamily="49" charset="0"/>
-              </a:rPr>
-              <a:t>BinaryExpr</a:t>
-            </a:r>
-            <a:r>
-              <a:rPr lang="en-US" sz="1800" dirty="0">
-                <a:latin typeface="Consolas" panose="020B0609020204030204" pitchFamily="49" charset="0"/>
-              </a:rPr>
-              <a:t>(</a:t>
-            </a:r>
-            <a:r>
-              <a:rPr lang="en-US" sz="1800" dirty="0" err="1">
-                <a:latin typeface="Consolas" panose="020B0609020204030204" pitchFamily="49" charset="0"/>
-              </a:rPr>
-              <a:t>leftOperand</a:t>
-            </a:r>
-            <a:r>
-              <a:rPr lang="en-US" sz="1800" dirty="0">
-                <a:latin typeface="Consolas" panose="020B0609020204030204" pitchFamily="49" charset="0"/>
-              </a:rPr>
-              <a:t>, operator, </a:t>
-            </a:r>
-            <a:r>
-              <a:rPr lang="en-US" sz="1800" dirty="0" err="1">
-                <a:latin typeface="Consolas" panose="020B0609020204030204" pitchFamily="49" charset="0"/>
-              </a:rPr>
-              <a:t>rightOperand</a:t>
-            </a:r>
-            <a:r>
-              <a:rPr lang="en-US" sz="1800" dirty="0">
-                <a:latin typeface="Consolas" panose="020B0609020204030204" pitchFamily="49" charset="0"/>
-              </a:rPr>
-              <a:t>)</a:t>
-            </a:r>
-          </a:p>
-          <a:p>
-            <a:pPr marL="457200" lvl="1" indent="0">
-              <a:spcBef>
-                <a:spcPts val="200"/>
-              </a:spcBef>
-              <a:buNone/>
-            </a:pPr>
-            <a:r>
-              <a:rPr lang="en-US" sz="1800" dirty="0">
-                <a:latin typeface="Consolas" panose="020B0609020204030204" pitchFamily="49" charset="0"/>
-              </a:rPr>
-              <a:t>  {</a:t>
-            </a:r>
-          </a:p>
-          <a:p>
-            <a:pPr marL="457200" lvl="1" indent="0">
-              <a:spcBef>
-                <a:spcPts val="200"/>
-              </a:spcBef>
-              <a:buNone/>
-            </a:pPr>
-            <a:r>
-              <a:rPr lang="en-US" sz="1800" dirty="0">
-                <a:latin typeface="Consolas" panose="020B0609020204030204" pitchFamily="49" charset="0"/>
-              </a:rPr>
-              <a:t>    /**</a:t>
-            </a:r>
-          </a:p>
-          <a:p>
-            <a:pPr marL="457200" lvl="1" indent="0">
-              <a:spcBef>
-                <a:spcPts val="200"/>
-              </a:spcBef>
-              <a:buNone/>
-            </a:pPr>
-            <a:r>
-              <a:rPr lang="en-US" sz="1800" dirty="0">
-                <a:latin typeface="Consolas" panose="020B0609020204030204" pitchFamily="49" charset="0"/>
-              </a:rPr>
-              <a:t>     * Initialize the type of the expression to Boolean.</a:t>
-            </a:r>
-          </a:p>
-          <a:p>
-            <a:pPr marL="457200" lvl="1" indent="0">
-              <a:spcBef>
-                <a:spcPts val="200"/>
-              </a:spcBef>
-              <a:buNone/>
-            </a:pPr>
-            <a:r>
-              <a:rPr lang="en-US" sz="1800" dirty="0">
-                <a:latin typeface="Consolas" panose="020B0609020204030204" pitchFamily="49" charset="0"/>
-              </a:rPr>
-              <a:t>     */</a:t>
-            </a:r>
-          </a:p>
-          <a:p>
-            <a:pPr marL="457200" lvl="1" indent="0">
-              <a:spcBef>
-                <a:spcPts val="200"/>
-              </a:spcBef>
-              <a:buNone/>
-            </a:pPr>
-            <a:r>
-              <a:rPr lang="en-US" sz="1800" dirty="0">
-                <a:latin typeface="Consolas" panose="020B0609020204030204" pitchFamily="49" charset="0"/>
-              </a:rPr>
-              <a:t>    </a:t>
-            </a:r>
-            <a:r>
-              <a:rPr lang="en-US" sz="1800" dirty="0" err="1">
-                <a:latin typeface="Consolas" panose="020B0609020204030204" pitchFamily="49" charset="0"/>
-              </a:rPr>
-              <a:t>init</a:t>
-            </a:r>
-            <a:endParaRPr lang="en-US" sz="1800" dirty="0">
-              <a:latin typeface="Consolas" panose="020B0609020204030204" pitchFamily="49" charset="0"/>
-            </a:endParaRPr>
-          </a:p>
-          <a:p>
-            <a:pPr marL="457200" lvl="1" indent="0">
-              <a:spcBef>
-                <a:spcPts val="200"/>
-              </a:spcBef>
-              <a:buNone/>
-            </a:pPr>
-            <a:r>
-              <a:rPr lang="en-US" sz="1800" dirty="0">
-                <a:latin typeface="Consolas" panose="020B0609020204030204" pitchFamily="49" charset="0"/>
-              </a:rPr>
-              <a:t>      {</a:t>
-            </a:r>
-          </a:p>
-          <a:p>
-            <a:pPr marL="457200" lvl="1" indent="0">
-              <a:spcBef>
-                <a:spcPts val="200"/>
-              </a:spcBef>
-              <a:buNone/>
-            </a:pPr>
-            <a:r>
-              <a:rPr lang="en-US" sz="1800" dirty="0">
-                <a:latin typeface="Consolas" panose="020B0609020204030204" pitchFamily="49" charset="0"/>
-              </a:rPr>
-              <a:t>        </a:t>
-            </a:r>
-            <a:r>
-              <a:rPr lang="en-US" sz="1800" b="1" dirty="0">
-                <a:latin typeface="Consolas" panose="020B0609020204030204" pitchFamily="49" charset="0"/>
-              </a:rPr>
-              <a:t>type = </a:t>
-            </a:r>
-            <a:r>
-              <a:rPr lang="en-US" sz="1800" b="1" dirty="0" err="1">
-                <a:latin typeface="Consolas" panose="020B0609020204030204" pitchFamily="49" charset="0"/>
-              </a:rPr>
-              <a:t>Type.Boolean</a:t>
-            </a:r>
-            <a:endParaRPr lang="en-US" sz="1800" b="1" dirty="0">
-              <a:latin typeface="Consolas" panose="020B0609020204030204" pitchFamily="49" charset="0"/>
-            </a:endParaRPr>
-          </a:p>
-          <a:p>
-            <a:pPr marL="457200" lvl="1" indent="0">
-              <a:spcBef>
-                <a:spcPts val="200"/>
-              </a:spcBef>
-              <a:buNone/>
-            </a:pPr>
-            <a:r>
-              <a:rPr lang="en-US" sz="1800" dirty="0">
-                <a:latin typeface="Consolas" panose="020B0609020204030204" pitchFamily="49" charset="0"/>
-              </a:rPr>
-              <a:t>      }</a:t>
-            </a:r>
-          </a:p>
-          <a:p>
-            <a:pPr marL="457200" lvl="1" indent="0">
-              <a:spcBef>
-                <a:spcPts val="200"/>
-              </a:spcBef>
-              <a:buNone/>
-            </a:pPr>
-            <a:r>
-              <a:rPr lang="en-US" sz="1800" dirty="0">
-                <a:latin typeface="Consolas" panose="020B0609020204030204" pitchFamily="49" charset="0"/>
-              </a:rPr>
-              <a:t>   ...</a:t>
-            </a:r>
-          </a:p>
-          <a:p>
-            <a:pPr marL="457200" lvl="1" indent="0">
-              <a:spcBef>
-                <a:spcPts val="200"/>
-              </a:spcBef>
-              <a:buNone/>
-            </a:pPr>
-            <a:r>
-              <a:rPr lang="en-US" sz="1800" dirty="0">
-                <a:latin typeface="Consolas" panose="020B0609020204030204" pitchFamily="49" charset="0"/>
-              </a:rPr>
-              <a:t>  }</a:t>
+              <a:t>For most “real” programming languages, determining the type of an adding expression can be somewhat complicated.</a:t>
+            </a:r>
+          </a:p>
+          <a:p>
+            <a:pPr lvl="1"/>
+            <a:r>
+              <a:rPr lang="en-US" dirty="0"/>
+              <a:t>C and Java have multiple numeric types with rules about automatic conversions (coercions) when an operator has different operand types.</a:t>
+            </a:r>
+          </a:p>
+          <a:p>
+            <a:r>
+              <a:rPr lang="en-US" dirty="0"/>
+              <a:t>In CPRL, an adding expression always has type Integer.  (Similarly for a multiplying expression in CPRL.)</a:t>
             </a:r>
           </a:p>
         </p:txBody>
@@ -21900,7 +21692,7 @@
     </p:spTree>
     <p:extLst>
       <p:ext uri="{BB962C8B-B14F-4D97-AF65-F5344CB8AC3E}">
-        <p14:creationId xmlns:p14="http://schemas.microsoft.com/office/powerpoint/2010/main" val="2587237733"/>
+        <p14:creationId xmlns:p14="http://schemas.microsoft.com/office/powerpoint/2010/main" val="1930244420"/>
       </p:ext>
     </p:extLst>
   </p:cSld>
@@ -21953,10 +21745,19 @@
               <a:t>Example: </a:t>
             </a:r>
             <a:r>
+              <a:rPr lang="en-US" dirty="0" err="1">
+                <a:latin typeface="Consolas" panose="020B0609020204030204" pitchFamily="49" charset="0"/>
+              </a:rPr>
+              <a:t>AddingExpr</a:t>
+            </a:r>
+            <a:br>
               <a:rPr lang="en-US" dirty="0">
                 <a:latin typeface="Consolas" panose="020B0609020204030204" pitchFamily="49" charset="0"/>
               </a:rPr>
-              <a:t>Variable</a:t>
+            </a:br>
+            <a:r>
+              <a:rPr lang="en-US" sz="2400" dirty="0"/>
+              <a:t>(continued)</a:t>
             </a:r>
           </a:p>
         </p:txBody>
@@ -21984,13 +21785,220 @@
           <a:p>
             <a:r>
               <a:rPr lang="en-US" dirty="0"/>
-              <a:t>The type for a variable (and therefore also for a named value) is initialized to the type specified in the variable’s declaration.</a:t>
-            </a:r>
-          </a:p>
-          <a:p>
-            <a:r>
-              <a:rPr lang="en-US" dirty="0"/>
-              <a:t>Constructor for Variable</a:t>
+              <a:t>Constructor for </a:t>
+            </a:r>
+            <a:r>
+              <a:rPr lang="en-US" dirty="0" err="1">
+                <a:latin typeface="Consolas" panose="020B0609020204030204" pitchFamily="49" charset="0"/>
+              </a:rPr>
+              <a:t>AddingExpr</a:t>
+            </a:r>
+            <a:endParaRPr lang="en-US" dirty="0">
+              <a:latin typeface="Consolas" panose="020B0609020204030204" pitchFamily="49" charset="0"/>
+            </a:endParaRPr>
+          </a:p>
+          <a:p>
+            <a:pPr marL="457200" lvl="1" indent="0">
+              <a:spcBef>
+                <a:spcPts val="400"/>
+              </a:spcBef>
+              <a:buNone/>
+            </a:pPr>
+            <a:r>
+              <a:rPr lang="en-US" sz="1800" dirty="0">
+                <a:latin typeface="Consolas" panose="020B0609020204030204" pitchFamily="49" charset="0"/>
+              </a:rPr>
+              <a:t>class </a:t>
+            </a:r>
+            <a:r>
+              <a:rPr lang="en-US" sz="1800" dirty="0" err="1">
+                <a:latin typeface="Consolas" panose="020B0609020204030204" pitchFamily="49" charset="0"/>
+              </a:rPr>
+              <a:t>AddingExpr</a:t>
+            </a:r>
+            <a:r>
+              <a:rPr lang="en-US" sz="1800" dirty="0">
+                <a:latin typeface="Consolas" panose="020B0609020204030204" pitchFamily="49" charset="0"/>
+              </a:rPr>
+              <a:t>(</a:t>
+            </a:r>
+            <a:r>
+              <a:rPr lang="en-US" sz="1800" dirty="0" err="1">
+                <a:latin typeface="Consolas" panose="020B0609020204030204" pitchFamily="49" charset="0"/>
+              </a:rPr>
+              <a:t>leftOperand</a:t>
+            </a:r>
+            <a:r>
+              <a:rPr lang="en-US" sz="1800" dirty="0">
+                <a:latin typeface="Consolas" panose="020B0609020204030204" pitchFamily="49" charset="0"/>
+              </a:rPr>
+              <a:t>  : Expression,</a:t>
+            </a:r>
+          </a:p>
+          <a:p>
+            <a:pPr marL="457200" lvl="1" indent="0">
+              <a:spcBef>
+                <a:spcPts val="200"/>
+              </a:spcBef>
+              <a:buNone/>
+            </a:pPr>
+            <a:r>
+              <a:rPr lang="en-US" sz="1800" dirty="0">
+                <a:latin typeface="Consolas" panose="020B0609020204030204" pitchFamily="49" charset="0"/>
+              </a:rPr>
+              <a:t>                 operator     : Token,</a:t>
+            </a:r>
+          </a:p>
+          <a:p>
+            <a:pPr marL="457200" lvl="1" indent="0">
+              <a:spcBef>
+                <a:spcPts val="200"/>
+              </a:spcBef>
+              <a:buNone/>
+            </a:pPr>
+            <a:r>
+              <a:rPr lang="en-US" sz="1800" dirty="0">
+                <a:latin typeface="Consolas" panose="020B0609020204030204" pitchFamily="49" charset="0"/>
+              </a:rPr>
+              <a:t>                 </a:t>
+            </a:r>
+            <a:r>
+              <a:rPr lang="en-US" sz="1800" dirty="0" err="1">
+                <a:latin typeface="Consolas" panose="020B0609020204030204" pitchFamily="49" charset="0"/>
+              </a:rPr>
+              <a:t>rightOperand</a:t>
+            </a:r>
+            <a:r>
+              <a:rPr lang="en-US" sz="1800" dirty="0">
+                <a:latin typeface="Consolas" panose="020B0609020204030204" pitchFamily="49" charset="0"/>
+              </a:rPr>
+              <a:t> : Expression)</a:t>
+            </a:r>
+          </a:p>
+          <a:p>
+            <a:pPr marL="457200" lvl="1" indent="0">
+              <a:spcBef>
+                <a:spcPts val="200"/>
+              </a:spcBef>
+              <a:buNone/>
+            </a:pPr>
+            <a:r>
+              <a:rPr lang="en-US" sz="1800" dirty="0">
+                <a:latin typeface="Consolas" panose="020B0609020204030204" pitchFamily="49" charset="0"/>
+              </a:rPr>
+              <a:t>    : </a:t>
+            </a:r>
+            <a:r>
+              <a:rPr lang="en-US" sz="1800" dirty="0" err="1">
+                <a:latin typeface="Consolas" panose="020B0609020204030204" pitchFamily="49" charset="0"/>
+              </a:rPr>
+              <a:t>BinaryExpr</a:t>
+            </a:r>
+            <a:r>
+              <a:rPr lang="en-US" sz="1800" dirty="0">
+                <a:latin typeface="Consolas" panose="020B0609020204030204" pitchFamily="49" charset="0"/>
+              </a:rPr>
+              <a:t>(</a:t>
+            </a:r>
+            <a:r>
+              <a:rPr lang="en-US" sz="1800" dirty="0" err="1">
+                <a:latin typeface="Consolas" panose="020B0609020204030204" pitchFamily="49" charset="0"/>
+              </a:rPr>
+              <a:t>leftOperand</a:t>
+            </a:r>
+            <a:r>
+              <a:rPr lang="en-US" sz="1800" dirty="0">
+                <a:latin typeface="Consolas" panose="020B0609020204030204" pitchFamily="49" charset="0"/>
+              </a:rPr>
+              <a:t>, operator, </a:t>
+            </a:r>
+            <a:r>
+              <a:rPr lang="en-US" sz="1800" dirty="0" err="1">
+                <a:latin typeface="Consolas" panose="020B0609020204030204" pitchFamily="49" charset="0"/>
+              </a:rPr>
+              <a:t>rightOperand</a:t>
+            </a:r>
+            <a:r>
+              <a:rPr lang="en-US" sz="1800" dirty="0">
+                <a:latin typeface="Consolas" panose="020B0609020204030204" pitchFamily="49" charset="0"/>
+              </a:rPr>
+              <a:t>)</a:t>
+            </a:r>
+          </a:p>
+          <a:p>
+            <a:pPr marL="457200" lvl="1" indent="0">
+              <a:spcBef>
+                <a:spcPts val="200"/>
+              </a:spcBef>
+              <a:buNone/>
+            </a:pPr>
+            <a:r>
+              <a:rPr lang="en-US" sz="1800" dirty="0">
+                <a:latin typeface="Consolas" panose="020B0609020204030204" pitchFamily="49" charset="0"/>
+              </a:rPr>
+              <a:t>  {</a:t>
+            </a:r>
+          </a:p>
+          <a:p>
+            <a:pPr marL="457200" lvl="1" indent="0">
+              <a:spcBef>
+                <a:spcPts val="200"/>
+              </a:spcBef>
+              <a:buNone/>
+            </a:pPr>
+            <a:r>
+              <a:rPr lang="en-US" sz="1800" dirty="0">
+                <a:latin typeface="Consolas" panose="020B0609020204030204" pitchFamily="49" charset="0"/>
+              </a:rPr>
+              <a:t>    /**</a:t>
+            </a:r>
+          </a:p>
+          <a:p>
+            <a:pPr marL="457200" lvl="1" indent="0">
+              <a:spcBef>
+                <a:spcPts val="200"/>
+              </a:spcBef>
+              <a:buNone/>
+            </a:pPr>
+            <a:r>
+              <a:rPr lang="en-US" sz="1800" dirty="0">
+                <a:latin typeface="Consolas" panose="020B0609020204030204" pitchFamily="49" charset="0"/>
+              </a:rPr>
+              <a:t>     * Initialize the type of the expression to Boolean.</a:t>
+            </a:r>
+          </a:p>
+          <a:p>
+            <a:pPr marL="457200" lvl="1" indent="0">
+              <a:spcBef>
+                <a:spcPts val="200"/>
+              </a:spcBef>
+              <a:buNone/>
+            </a:pPr>
+            <a:r>
+              <a:rPr lang="en-US" sz="1800" dirty="0">
+                <a:latin typeface="Consolas" panose="020B0609020204030204" pitchFamily="49" charset="0"/>
+              </a:rPr>
+              <a:t>     */</a:t>
+            </a:r>
+          </a:p>
+          <a:p>
+            <a:pPr marL="457200" lvl="1" indent="0">
+              <a:spcBef>
+                <a:spcPts val="200"/>
+              </a:spcBef>
+              <a:buNone/>
+            </a:pPr>
+            <a:r>
+              <a:rPr lang="en-US" sz="1800" dirty="0">
+                <a:latin typeface="Consolas" panose="020B0609020204030204" pitchFamily="49" charset="0"/>
+              </a:rPr>
+              <a:t>    </a:t>
+            </a:r>
+            <a:r>
+              <a:rPr lang="en-US" sz="1800" dirty="0" err="1">
+                <a:latin typeface="Consolas" panose="020B0609020204030204" pitchFamily="49" charset="0"/>
+              </a:rPr>
+              <a:t>init</a:t>
             </a:r>
             <a:endParaRPr lang="en-US" sz="1800" dirty="0">
               <a:latin typeface="Consolas" panose="020B0609020204030204" pitchFamily="49" charset="0"/>
@@ -21999,39 +22007,15 @@
           <a:p>
             <a:pPr marL="457200" lvl="1" indent="0">
               <a:spcBef>
-                <a:spcPts val="400"/>
-              </a:spcBef>
-              <a:buNone/>
-            </a:pPr>
-            <a:r>
-              <a:rPr lang="en-US" sz="1800" dirty="0">
-                <a:latin typeface="Consolas" panose="020B0609020204030204" pitchFamily="49" charset="0"/>
-              </a:rPr>
-              <a:t>open class Variable(val </a:t>
-            </a:r>
-            <a:r>
-              <a:rPr lang="en-US" sz="1800" dirty="0" err="1">
-                <a:latin typeface="Consolas" panose="020B0609020204030204" pitchFamily="49" charset="0"/>
-              </a:rPr>
-              <a:t>decl</a:t>
-            </a:r>
-            <a:r>
-              <a:rPr lang="en-US" sz="1800" dirty="0">
-                <a:latin typeface="Consolas" panose="020B0609020204030204" pitchFamily="49" charset="0"/>
-              </a:rPr>
-              <a:t> : </a:t>
-            </a:r>
-            <a:r>
-              <a:rPr lang="en-US" sz="1800" dirty="0" err="1">
-                <a:latin typeface="Consolas" panose="020B0609020204030204" pitchFamily="49" charset="0"/>
-              </a:rPr>
-              <a:t>NamedDecl</a:t>
-            </a:r>
-            <a:r>
-              <a:rPr lang="en-US" sz="1800" dirty="0">
-                <a:latin typeface="Consolas" panose="020B0609020204030204" pitchFamily="49" charset="0"/>
-              </a:rPr>
-              <a:t>,</a:t>
+                <a:spcPts val="200"/>
+              </a:spcBef>
+              <a:buNone/>
+            </a:pPr>
+            <a:r>
+              <a:rPr lang="en-US" sz="1800" dirty="0">
+                <a:latin typeface="Consolas" panose="020B0609020204030204" pitchFamily="49" charset="0"/>
+              </a:rPr>
+              <a:t>      {</a:t>
             </a:r>
           </a:p>
           <a:p>
@@ -22045,8 +22029,23 @@
               <a:rPr lang="en-US" sz="1800" dirty="0">
                 <a:latin typeface="Consolas" panose="020B0609020204030204" pitchFamily="49" charset="0"/>
               </a:rPr>
-              <a:t>                    position : Position,</a:t>
-            </a:r>
+              <a:t>        </a:t>
+            </a:r>
+            <a:r>
+              <a:rPr lang="en-US" sz="1800" b="1" dirty="0">
+                <a:latin typeface="Consolas" panose="020B0609020204030204" pitchFamily="49" charset="0"/>
+              </a:rPr>
+              <a:t>type = </a:t>
+            </a:r>
+            <a:r>
+              <a:rPr lang="en-US" sz="1800" b="1" dirty="0" err="1">
+                <a:latin typeface="Consolas" panose="020B0609020204030204" pitchFamily="49" charset="0"/>
+              </a:rPr>
+              <a:t>Type.Boolean</a:t>
+            </a:r>
+            <a:endParaRPr lang="en-US" sz="1800" b="1" dirty="0">
+              <a:latin typeface="Consolas" panose="020B0609020204030204" pitchFamily="49" charset="0"/>
+            </a:endParaRPr>
           </a:p>
           <a:p>
             <a:pPr marL="457200" lvl="1" indent="0">
@@ -22059,19 +22058,7 @@
               <a:rPr lang="en-US" sz="1800" dirty="0">
                 <a:latin typeface="Consolas" panose="020B0609020204030204" pitchFamily="49" charset="0"/>
               </a:rPr>
-              <a:t>                    var </a:t>
-            </a:r>
-            <a:r>
-              <a:rPr lang="en-US" sz="1800" dirty="0" err="1">
-                <a:latin typeface="Consolas" panose="020B0609020204030204" pitchFamily="49" charset="0"/>
-              </a:rPr>
-              <a:t>indexExprs</a:t>
-            </a:r>
-            <a:r>
-              <a:rPr lang="en-US" sz="1800" dirty="0">
-                <a:latin typeface="Consolas" panose="020B0609020204030204" pitchFamily="49" charset="0"/>
-              </a:rPr>
-              <a:t> : List&lt;Expression&gt;)</a:t>
+              <a:t>      }</a:t>
             </a:r>
           </a:p>
           <a:p>
@@ -22085,19 +22072,21 @@
               <a:rPr lang="en-US" sz="1800" dirty="0">
                 <a:latin typeface="Consolas" panose="020B0609020204030204" pitchFamily="49" charset="0"/>
               </a:rPr>
-              <a:t>    : Expression(</a:t>
-            </a:r>
-            <a:r>
-              <a:rPr lang="en-US" sz="1800" b="1" dirty="0" err="1">
-                <a:latin typeface="Consolas" panose="020B0609020204030204" pitchFamily="49" charset="0"/>
-              </a:rPr>
-              <a:t>decl.type</a:t>
-            </a:r>
-            <a:r>
-              <a:rPr lang="en-US" sz="1800" dirty="0">
-                <a:latin typeface="Consolas" panose="020B0609020204030204" pitchFamily="49" charset="0"/>
-              </a:rPr>
-              <a:t>, position)</a:t>
+              <a:t>   ...</a:t>
+            </a:r>
+          </a:p>
+          <a:p>
+            <a:pPr marL="457200" lvl="1" indent="0">
+              <a:spcBef>
+                <a:spcPts val="200"/>
+              </a:spcBef>
+              <a:buNone/>
+            </a:pPr>
+            <a:r>
+              <a:rPr lang="en-US" sz="1800" dirty="0">
+                <a:latin typeface="Consolas" panose="020B0609020204030204" pitchFamily="49" charset="0"/>
+              </a:rPr>
+              <a:t>  }</a:t>
             </a:r>
           </a:p>
         </p:txBody>
@@ -22176,7 +22165,7 @@
     </p:spTree>
     <p:extLst>
       <p:ext uri="{BB962C8B-B14F-4D97-AF65-F5344CB8AC3E}">
-        <p14:creationId xmlns:p14="http://schemas.microsoft.com/office/powerpoint/2010/main" val="3229506688"/>
+        <p14:creationId xmlns:p14="http://schemas.microsoft.com/office/powerpoint/2010/main" val="2587237733"/>
       </p:ext>
     </p:extLst>
   </p:cSld>
@@ -22616,13 +22605,6 @@
               </a:rPr>
               <a:t>Variable</a:t>
             </a:r>
-            <a:br>
-              <a:rPr lang="en-US" dirty="0"/>
-            </a:br>
-            <a:r>
-              <a:rPr lang="en-US" sz="2400" dirty="0"/>
-              <a:t>(continued)</a:t>
-            </a:r>
           </a:p>
         </p:txBody>
       </p:sp>
@@ -22642,56 +22624,61 @@
             <p:ph idx="1"/>
           </p:nvPr>
         </p:nvSpPr>
-        <p:spPr>
-          <a:xfrm>
-            <a:off x="458788" y="1363663"/>
-            <a:ext cx="8229600" cy="4935537"/>
-          </a:xfrm>
-        </p:spPr>
-        <p:txBody>
-          <a:bodyPr/>
-          <a:lstStyle/>
-          <a:p>
-            <a:r>
-              <a:rPr lang="en-US" dirty="0"/>
-              <a:t>The initialized type for a variable is correct for predefined types such as </a:t>
-            </a:r>
-            <a:r>
-              <a:rPr lang="en-US" dirty="0">
-                <a:latin typeface="Consolas" panose="020B0609020204030204" pitchFamily="49" charset="0"/>
-              </a:rPr>
-              <a:t>Integer</a:t>
-            </a:r>
-            <a:r>
-              <a:rPr lang="en-US" dirty="0"/>
-              <a:t> or </a:t>
-            </a:r>
-            <a:r>
-              <a:rPr lang="en-US" dirty="0">
-                <a:latin typeface="Consolas" panose="020B0609020204030204" pitchFamily="49" charset="0"/>
-              </a:rPr>
-              <a:t>Char</a:t>
-            </a:r>
-            <a:r>
-              <a:rPr lang="en-US" dirty="0"/>
-              <a:t>, but additional work is required for arrays.</a:t>
-            </a:r>
-          </a:p>
-          <a:p>
-            <a:r>
-              <a:rPr lang="en-US" dirty="0"/>
-              <a:t>Consider the following declarations:</a:t>
-            </a:r>
+        <p:spPr/>
+        <p:txBody>
+          <a:bodyPr/>
+          <a:lstStyle/>
+          <a:p>
+            <a:r>
+              <a:rPr lang="en-US" dirty="0"/>
+              <a:t>The type for a variable (and therefore also for a named value) is initialized to the type specified in the variable’s declaration.</a:t>
+            </a:r>
+          </a:p>
+          <a:p>
+            <a:r>
+              <a:rPr lang="en-US" dirty="0"/>
+              <a:t>Constructor for Variable</a:t>
+            </a:r>
+            <a:endParaRPr lang="en-US" sz="1800" dirty="0">
+              <a:latin typeface="Consolas" panose="020B0609020204030204" pitchFamily="49" charset="0"/>
+            </a:endParaRPr>
           </a:p>
           <a:p>
             <a:pPr marL="457200" lvl="1" indent="0">
-              <a:buNone/>
-            </a:pPr>
-            <a:r>
-              <a:rPr lang="en-US" dirty="0">
-                <a:latin typeface="Consolas" panose="020B0609020204030204" pitchFamily="49" charset="0"/>
-              </a:rPr>
-              <a:t>type T1 is array(10) of Integer;</a:t>
+              <a:spcBef>
+                <a:spcPts val="400"/>
+              </a:spcBef>
+              <a:buNone/>
+            </a:pPr>
+            <a:r>
+              <a:rPr lang="en-US" sz="1800" dirty="0">
+                <a:latin typeface="Consolas" panose="020B0609020204030204" pitchFamily="49" charset="0"/>
+              </a:rPr>
+              <a:t>open class Variable(val </a:t>
+            </a:r>
+            <a:r>
+              <a:rPr lang="en-US" sz="1800" dirty="0" err="1">
+                <a:latin typeface="Consolas" panose="020B0609020204030204" pitchFamily="49" charset="0"/>
+              </a:rPr>
+              <a:t>decl</a:t>
+            </a:r>
+            <a:r>
+              <a:rPr lang="en-US" sz="1800" dirty="0">
+                <a:latin typeface="Consolas" panose="020B0609020204030204" pitchFamily="49" charset="0"/>
+              </a:rPr>
+              <a:t> : </a:t>
+            </a:r>
+            <a:r>
+              <a:rPr lang="en-US" sz="1800" dirty="0" err="1">
+                <a:latin typeface="Consolas" panose="020B0609020204030204" pitchFamily="49" charset="0"/>
+              </a:rPr>
+              <a:t>NamedDecl</a:t>
+            </a:r>
+            <a:r>
+              <a:rPr lang="en-US" sz="1800" dirty="0">
+                <a:latin typeface="Consolas" panose="020B0609020204030204" pitchFamily="49" charset="0"/>
+              </a:rPr>
+              <a:t>,</a:t>
             </a:r>
           </a:p>
           <a:p>
@@ -22702,10 +22689,10 @@
               <a:buNone/>
             </a:pPr>
             <a:r>
-              <a:rPr lang="en-US" dirty="0">
-                <a:latin typeface="Consolas" panose="020B0609020204030204" pitchFamily="49" charset="0"/>
-              </a:rPr>
-              <a:t>type T2 is array(10) of T1;</a:t>
+              <a:rPr lang="en-US" sz="1800" dirty="0">
+                <a:latin typeface="Consolas" panose="020B0609020204030204" pitchFamily="49" charset="0"/>
+              </a:rPr>
+              <a:t>                    position : Position,</a:t>
             </a:r>
           </a:p>
           <a:p>
@@ -22716,68 +22703,26 @@
               <a:buNone/>
             </a:pPr>
             <a:r>
-              <a:rPr lang="en-US" dirty="0">
-                <a:latin typeface="Consolas" panose="020B0609020204030204" pitchFamily="49" charset="0"/>
-              </a:rPr>
-              <a:t>var a, b : T2;</a:t>
-            </a:r>
-          </a:p>
-          <a:p>
-            <a:r>
-              <a:rPr lang="en-US" dirty="0"/>
-              <a:t>While the declared (initialized) type of both </a:t>
-            </a:r>
-            <a:r>
-              <a:rPr lang="en-US" dirty="0">
-                <a:latin typeface="Consolas" panose="020B0609020204030204" pitchFamily="49" charset="0"/>
-              </a:rPr>
-              <a:t>a</a:t>
-            </a:r>
-            <a:r>
-              <a:rPr lang="en-US" dirty="0"/>
-              <a:t> and </a:t>
-            </a:r>
-            <a:r>
-              <a:rPr lang="en-US" dirty="0">
-                <a:latin typeface="Consolas" panose="020B0609020204030204" pitchFamily="49" charset="0"/>
-              </a:rPr>
-              <a:t>b</a:t>
-            </a:r>
-            <a:r>
-              <a:rPr lang="en-US" dirty="0"/>
-              <a:t> is </a:t>
-            </a:r>
-            <a:r>
-              <a:rPr lang="en-US" dirty="0">
-                <a:latin typeface="Consolas" panose="020B0609020204030204" pitchFamily="49" charset="0"/>
-              </a:rPr>
-              <a:t>T2</a:t>
-            </a:r>
-            <a:r>
-              <a:rPr lang="en-US" dirty="0"/>
-              <a:t>, we could have a variable or named value with zero, one,</a:t>
-            </a:r>
-            <a:br>
-              <a:rPr lang="en-US" dirty="0"/>
-            </a:br>
-            <a:r>
-              <a:rPr lang="en-US" dirty="0"/>
-              <a:t>or two index expressions, as in the following:</a:t>
+              <a:rPr lang="en-US" sz="1800" dirty="0">
+                <a:latin typeface="Consolas" panose="020B0609020204030204" pitchFamily="49" charset="0"/>
+              </a:rPr>
+              <a:t>                    var </a:t>
+            </a:r>
+            <a:r>
+              <a:rPr lang="en-US" sz="1800" dirty="0" err="1">
+                <a:latin typeface="Consolas" panose="020B0609020204030204" pitchFamily="49" charset="0"/>
+              </a:rPr>
+              <a:t>indexExprs</a:t>
+            </a:r>
+            <a:r>
+              <a:rPr lang="en-US" sz="1800" dirty="0">
+                <a:latin typeface="Consolas" panose="020B0609020204030204" pitchFamily="49" charset="0"/>
+              </a:rPr>
+              <a:t> : List&lt;Expression&gt;)</a:t>
             </a:r>
           </a:p>
           <a:p>
             <a:pPr marL="457200" lvl="1" indent="0">
-              <a:buNone/>
-            </a:pPr>
-            <a:r>
-              <a:rPr lang="en-US" sz="1800" dirty="0">
-                <a:latin typeface="Consolas" panose="020B0609020204030204" pitchFamily="49" charset="0"/>
-              </a:rPr>
-              <a:t>a := b;              // type of var and named val is T2</a:t>
-            </a:r>
-          </a:p>
-          <a:p>
-            <a:pPr marL="457200" lvl="1" indent="0">
               <a:spcBef>
                 <a:spcPts val="200"/>
               </a:spcBef>
@@ -22787,21 +22732,19 @@
               <a:rPr lang="en-US" sz="1800" dirty="0">
                 <a:latin typeface="Consolas" panose="020B0609020204030204" pitchFamily="49" charset="0"/>
               </a:rPr>
-              <a:t>a[0] := b[0];        // type of var and named val is T1</a:t>
-            </a:r>
-          </a:p>
-          <a:p>
-            <a:pPr marL="457200" lvl="1" indent="0">
-              <a:spcBef>
-                <a:spcPts val="200"/>
-              </a:spcBef>
-              <a:buNone/>
-            </a:pPr>
-            <a:r>
-              <a:rPr lang="en-US" sz="1800" dirty="0">
-                <a:latin typeface="Consolas" panose="020B0609020204030204" pitchFamily="49" charset="0"/>
-              </a:rPr>
-              <a:t>a[1][6] := b[5][7];  // type of var and named val is Integer</a:t>
+              <a:t>    : Expression(</a:t>
+            </a:r>
+            <a:r>
+              <a:rPr lang="en-US" sz="1800" b="1" dirty="0" err="1">
+                <a:latin typeface="Consolas" panose="020B0609020204030204" pitchFamily="49" charset="0"/>
+              </a:rPr>
+              <a:t>decl.type</a:t>
+            </a:r>
+            <a:r>
+              <a:rPr lang="en-US" sz="1800" dirty="0">
+                <a:latin typeface="Consolas" panose="020B0609020204030204" pitchFamily="49" charset="0"/>
+              </a:rPr>
+              <a:t>, position)</a:t>
             </a:r>
           </a:p>
         </p:txBody>
@@ -22880,7 +22823,7 @@
     </p:spTree>
     <p:extLst>
       <p:ext uri="{BB962C8B-B14F-4D97-AF65-F5344CB8AC3E}">
-        <p14:creationId xmlns:p14="http://schemas.microsoft.com/office/powerpoint/2010/main" val="3020442727"/>
+        <p14:creationId xmlns:p14="http://schemas.microsoft.com/office/powerpoint/2010/main" val="3229506688"/>
       </p:ext>
     </p:extLst>
   </p:cSld>
@@ -22964,30 +22907,45 @@
             <p:ph idx="1"/>
           </p:nvPr>
         </p:nvSpPr>
-        <p:spPr/>
-        <p:txBody>
-          <a:bodyPr/>
-          <a:lstStyle/>
-          <a:p>
-            <a:r>
-              <a:rPr lang="en-US" dirty="0"/>
-              <a:t>For arrays, we determine the actual type of a variable or named value in method </a:t>
-            </a:r>
-            <a:r>
-              <a:rPr lang="en-US" dirty="0" err="1">
-                <a:latin typeface="Consolas" panose="020B0609020204030204" pitchFamily="49" charset="0"/>
-              </a:rPr>
-              <a:t>checkConstraints</a:t>
+        <p:spPr>
+          <a:xfrm>
+            <a:off x="458788" y="1363663"/>
+            <a:ext cx="8229600" cy="4935537"/>
+          </a:xfrm>
+        </p:spPr>
+        <p:txBody>
+          <a:bodyPr/>
+          <a:lstStyle/>
+          <a:p>
+            <a:r>
+              <a:rPr lang="en-US" dirty="0"/>
+              <a:t>The initialized type for a variable is correct for predefined types such as </a:t>
             </a:r>
             <a:r>
               <a:rPr lang="en-US" dirty="0">
                 <a:latin typeface="Consolas" panose="020B0609020204030204" pitchFamily="49" charset="0"/>
               </a:rPr>
-              <a:t>()</a:t>
-            </a:r>
-            <a:r>
-              <a:rPr lang="en-US" dirty="0"/>
-              <a:t>.</a:t>
+              <a:t>Integer</a:t>
+            </a:r>
+            <a:r>
+              <a:rPr lang="en-US" dirty="0"/>
+              <a:t> or </a:t>
+            </a:r>
+            <a:r>
+              <a:rPr lang="en-US" dirty="0">
+                <a:latin typeface="Consolas" panose="020B0609020204030204" pitchFamily="49" charset="0"/>
+              </a:rPr>
+              <a:t>Char</a:t>
+            </a:r>
+            <a:r>
+              <a:rPr lang="en-US" dirty="0"/>
+              <a:t>, but additional work is required for arrays.</a:t>
+            </a:r>
+          </a:p>
+          <a:p>
+            <a:r>
+              <a:rPr lang="en-US" dirty="0"/>
+              <a:t>Consider the following declarations:</a:t>
             </a:r>
           </a:p>
           <a:p>
@@ -22995,296 +22953,120 @@
               <a:buNone/>
             </a:pPr>
             <a:r>
-              <a:rPr lang="en-US" sz="1750" dirty="0">
-                <a:latin typeface="Consolas" panose="020B0609020204030204" pitchFamily="49" charset="0"/>
-              </a:rPr>
-              <a:t>for (expr in </a:t>
-            </a:r>
-            <a:r>
-              <a:rPr lang="en-US" sz="1750" dirty="0" err="1">
-                <a:latin typeface="Consolas" panose="020B0609020204030204" pitchFamily="49" charset="0"/>
-              </a:rPr>
-              <a:t>indexExprs</a:t>
-            </a:r>
-            <a:r>
-              <a:rPr lang="en-US" sz="1750" dirty="0">
-                <a:latin typeface="Consolas" panose="020B0609020204030204" pitchFamily="49" charset="0"/>
-              </a:rPr>
-              <a:t>)</a:t>
+              <a:rPr lang="en-US" dirty="0">
+                <a:latin typeface="Consolas" panose="020B0609020204030204" pitchFamily="49" charset="0"/>
+              </a:rPr>
+              <a:t>type T1 is array(10) of Integer;</a:t>
             </a:r>
           </a:p>
           <a:p>
             <a:pPr marL="457200" lvl="1" indent="0">
               <a:spcBef>
-                <a:spcPts val="100"/>
-              </a:spcBef>
-              <a:buNone/>
-            </a:pPr>
-            <a:r>
-              <a:rPr lang="en-US" sz="1750" dirty="0">
-                <a:latin typeface="Consolas" panose="020B0609020204030204" pitchFamily="49" charset="0"/>
-              </a:rPr>
-              <a:t>  {</a:t>
+                <a:spcPts val="200"/>
+              </a:spcBef>
+              <a:buNone/>
+            </a:pPr>
+            <a:r>
+              <a:rPr lang="en-US" dirty="0">
+                <a:latin typeface="Consolas" panose="020B0609020204030204" pitchFamily="49" charset="0"/>
+              </a:rPr>
+              <a:t>type T2 is array(10) of T1;</a:t>
             </a:r>
           </a:p>
           <a:p>
             <a:pPr marL="457200" lvl="1" indent="0">
               <a:spcBef>
-                <a:spcPts val="100"/>
-              </a:spcBef>
-              <a:buNone/>
-            </a:pPr>
-            <a:r>
-              <a:rPr lang="en-US" sz="1750" dirty="0">
-                <a:latin typeface="Consolas" panose="020B0609020204030204" pitchFamily="49" charset="0"/>
-              </a:rPr>
-              <a:t>    </a:t>
-            </a:r>
-            <a:r>
-              <a:rPr lang="en-US" sz="1750" dirty="0" err="1">
-                <a:latin typeface="Consolas" panose="020B0609020204030204" pitchFamily="49" charset="0"/>
-              </a:rPr>
-              <a:t>expr.checkConstraints</a:t>
-            </a:r>
-            <a:r>
-              <a:rPr lang="en-US" sz="1750" dirty="0">
-                <a:latin typeface="Consolas" panose="020B0609020204030204" pitchFamily="49" charset="0"/>
-              </a:rPr>
-              <a:t>()</a:t>
+                <a:spcPts val="200"/>
+              </a:spcBef>
+              <a:buNone/>
+            </a:pPr>
+            <a:r>
+              <a:rPr lang="en-US" dirty="0">
+                <a:latin typeface="Consolas" panose="020B0609020204030204" pitchFamily="49" charset="0"/>
+              </a:rPr>
+              <a:t>var a, b : T2;</a:t>
+            </a:r>
+          </a:p>
+          <a:p>
+            <a:r>
+              <a:rPr lang="en-US" dirty="0"/>
+              <a:t>While the declared (initialized) type of both </a:t>
+            </a:r>
+            <a:r>
+              <a:rPr lang="en-US" dirty="0">
+                <a:latin typeface="Consolas" panose="020B0609020204030204" pitchFamily="49" charset="0"/>
+              </a:rPr>
+              <a:t>a</a:t>
+            </a:r>
+            <a:r>
+              <a:rPr lang="en-US" dirty="0"/>
+              <a:t> and </a:t>
+            </a:r>
+            <a:r>
+              <a:rPr lang="en-US" dirty="0">
+                <a:latin typeface="Consolas" panose="020B0609020204030204" pitchFamily="49" charset="0"/>
+              </a:rPr>
+              <a:t>b</a:t>
+            </a:r>
+            <a:r>
+              <a:rPr lang="en-US" dirty="0"/>
+              <a:t> is </a:t>
+            </a:r>
+            <a:r>
+              <a:rPr lang="en-US" dirty="0">
+                <a:latin typeface="Consolas" panose="020B0609020204030204" pitchFamily="49" charset="0"/>
+              </a:rPr>
+              <a:t>T2</a:t>
+            </a:r>
+            <a:r>
+              <a:rPr lang="en-US" dirty="0"/>
+              <a:t>, we could have a variable or named value with zero, one,</a:t>
+            </a:r>
+            <a:br>
+              <a:rPr lang="en-US" dirty="0"/>
+            </a:br>
+            <a:r>
+              <a:rPr lang="en-US" dirty="0"/>
+              <a:t>or two index expressions, as in the following:</a:t>
             </a:r>
           </a:p>
           <a:p>
             <a:pPr marL="457200" lvl="1" indent="0">
-              <a:spcBef>
-                <a:spcPts val="100"/>
-              </a:spcBef>
-              <a:buNone/>
-            </a:pPr>
-            <a:endParaRPr lang="en-US" sz="1750" dirty="0">
-              <a:latin typeface="Consolas" panose="020B0609020204030204" pitchFamily="49" charset="0"/>
-            </a:endParaRPr>
+              <a:buNone/>
+            </a:pPr>
+            <a:r>
+              <a:rPr lang="en-US" sz="1800" dirty="0">
+                <a:latin typeface="Consolas" panose="020B0609020204030204" pitchFamily="49" charset="0"/>
+              </a:rPr>
+              <a:t>a := b;              // type of var and named val is T2</a:t>
+            </a:r>
           </a:p>
           <a:p>
             <a:pPr marL="457200" lvl="1" indent="0">
               <a:spcBef>
-                <a:spcPts val="0"/>
-              </a:spcBef>
-              <a:buNone/>
-            </a:pPr>
-            <a:r>
-              <a:rPr lang="en-US" sz="1750" dirty="0">
-                <a:latin typeface="Consolas" panose="020B0609020204030204" pitchFamily="49" charset="0"/>
-              </a:rPr>
-              <a:t>    if (</a:t>
-            </a:r>
-            <a:r>
-              <a:rPr lang="en-US" sz="1750" dirty="0" err="1">
-                <a:latin typeface="Consolas" panose="020B0609020204030204" pitchFamily="49" charset="0"/>
-              </a:rPr>
-              <a:t>expr.type</a:t>
-            </a:r>
-            <a:r>
-              <a:rPr lang="en-US" sz="1750" dirty="0">
-                <a:latin typeface="Consolas" panose="020B0609020204030204" pitchFamily="49" charset="0"/>
-              </a:rPr>
-              <a:t> != </a:t>
-            </a:r>
-            <a:r>
-              <a:rPr lang="en-US" sz="1750" dirty="0" err="1">
-                <a:latin typeface="Consolas" panose="020B0609020204030204" pitchFamily="49" charset="0"/>
-              </a:rPr>
-              <a:t>Type.Integer</a:t>
-            </a:r>
-            <a:r>
-              <a:rPr lang="en-US" sz="1750" dirty="0">
-                <a:latin typeface="Consolas" panose="020B0609020204030204" pitchFamily="49" charset="0"/>
-              </a:rPr>
-              <a:t>)</a:t>
+                <a:spcPts val="200"/>
+              </a:spcBef>
+              <a:buNone/>
+            </a:pPr>
+            <a:r>
+              <a:rPr lang="en-US" sz="1800" dirty="0">
+                <a:latin typeface="Consolas" panose="020B0609020204030204" pitchFamily="49" charset="0"/>
+              </a:rPr>
+              <a:t>a[0] := b[0];        // type of var and named val is T1</a:t>
             </a:r>
           </a:p>
           <a:p>
             <a:pPr marL="457200" lvl="1" indent="0">
               <a:spcBef>
-                <a:spcPts val="100"/>
-              </a:spcBef>
-              <a:buNone/>
-            </a:pPr>
-            <a:r>
-              <a:rPr lang="en-US" sz="1750" dirty="0">
-                <a:latin typeface="Consolas" panose="020B0609020204030204" pitchFamily="49" charset="0"/>
-              </a:rPr>
-              <a:t>        throw error(...)</a:t>
-            </a:r>
-          </a:p>
-          <a:p>
-            <a:pPr marL="457200" lvl="1" indent="0">
-              <a:spcBef>
-                <a:spcPts val="100"/>
-              </a:spcBef>
-              <a:buNone/>
-            </a:pPr>
-            <a:endParaRPr lang="en-US" sz="1750" dirty="0">
-              <a:latin typeface="Consolas" panose="020B0609020204030204" pitchFamily="49" charset="0"/>
-            </a:endParaRPr>
-          </a:p>
-          <a:p>
-            <a:pPr marL="457200" lvl="1" indent="0">
-              <a:spcBef>
-                <a:spcPts val="0"/>
-              </a:spcBef>
-              <a:buNone/>
-            </a:pPr>
-            <a:r>
-              <a:rPr lang="en-US" sz="1750" dirty="0">
-                <a:latin typeface="Consolas" panose="020B0609020204030204" pitchFamily="49" charset="0"/>
-              </a:rPr>
-              <a:t>    if (type is </a:t>
-            </a:r>
-            <a:r>
-              <a:rPr lang="en-US" sz="1750" dirty="0" err="1">
-                <a:latin typeface="Consolas" panose="020B0609020204030204" pitchFamily="49" charset="0"/>
-              </a:rPr>
-              <a:t>ArrayType</a:t>
-            </a:r>
-            <a:r>
-              <a:rPr lang="en-US" sz="1750" dirty="0">
-                <a:latin typeface="Consolas" panose="020B0609020204030204" pitchFamily="49" charset="0"/>
-              </a:rPr>
-              <a:t>)</a:t>
-            </a:r>
-          </a:p>
-          <a:p>
-            <a:pPr marL="457200" lvl="1" indent="0">
-              <a:spcBef>
-                <a:spcPts val="100"/>
-              </a:spcBef>
-              <a:buNone/>
-            </a:pPr>
-            <a:r>
-              <a:rPr lang="en-US" sz="1750" dirty="0">
-                <a:latin typeface="Consolas" panose="020B0609020204030204" pitchFamily="49" charset="0"/>
-              </a:rPr>
-              <a:t>      {</a:t>
-            </a:r>
-          </a:p>
-          <a:p>
-            <a:pPr marL="457200" lvl="1" indent="0">
-              <a:spcBef>
-                <a:spcPts val="100"/>
-              </a:spcBef>
-              <a:buNone/>
-            </a:pPr>
-            <a:r>
-              <a:rPr lang="en-US" sz="1750" dirty="0">
-                <a:latin typeface="Consolas" panose="020B0609020204030204" pitchFamily="49" charset="0"/>
-              </a:rPr>
-              <a:t>        </a:t>
-            </a:r>
-            <a:r>
-              <a:rPr lang="en-US" sz="1750" b="1" dirty="0">
-                <a:latin typeface="Consolas" panose="020B0609020204030204" pitchFamily="49" charset="0"/>
-              </a:rPr>
-              <a:t>val </a:t>
-            </a:r>
-            <a:r>
-              <a:rPr lang="en-US" sz="1750" b="1" dirty="0" err="1">
-                <a:latin typeface="Consolas" panose="020B0609020204030204" pitchFamily="49" charset="0"/>
-              </a:rPr>
-              <a:t>arrayType</a:t>
-            </a:r>
-            <a:r>
-              <a:rPr lang="en-US" sz="1750" b="1" dirty="0">
-                <a:latin typeface="Consolas" panose="020B0609020204030204" pitchFamily="49" charset="0"/>
-              </a:rPr>
-              <a:t> as </a:t>
-            </a:r>
-            <a:r>
-              <a:rPr lang="en-US" sz="1750" b="1" dirty="0" err="1">
-                <a:latin typeface="Consolas" panose="020B0609020204030204" pitchFamily="49" charset="0"/>
-              </a:rPr>
-              <a:t>ArrayType</a:t>
-            </a:r>
-            <a:endParaRPr lang="en-US" sz="1750" b="1" dirty="0">
-              <a:latin typeface="Consolas" panose="020B0609020204030204" pitchFamily="49" charset="0"/>
-            </a:endParaRPr>
-          </a:p>
-          <a:p>
-            <a:pPr marL="457200" lvl="1" indent="0">
-              <a:spcBef>
-                <a:spcPts val="100"/>
-              </a:spcBef>
-              <a:buNone/>
-            </a:pPr>
-            <a:r>
-              <a:rPr lang="en-US" sz="1750" b="1" dirty="0">
-                <a:latin typeface="Consolas" panose="020B0609020204030204" pitchFamily="49" charset="0"/>
-              </a:rPr>
-              <a:t>        type = </a:t>
-            </a:r>
-            <a:r>
-              <a:rPr lang="en-US" sz="1750" b="1" dirty="0" err="1">
-                <a:latin typeface="Consolas" panose="020B0609020204030204" pitchFamily="49" charset="0"/>
-              </a:rPr>
-              <a:t>arrayType.elementType</a:t>
-            </a:r>
-            <a:endParaRPr lang="en-US" sz="1750" b="1" dirty="0">
-              <a:latin typeface="Consolas" panose="020B0609020204030204" pitchFamily="49" charset="0"/>
-            </a:endParaRPr>
-          </a:p>
-          <a:p>
-            <a:pPr marL="457200" lvl="1" indent="0">
-              <a:spcBef>
-                <a:spcPts val="100"/>
-              </a:spcBef>
-              <a:buNone/>
-            </a:pPr>
-            <a:r>
-              <a:rPr lang="en-US" sz="1750" dirty="0">
-                <a:latin typeface="Consolas" panose="020B0609020204030204" pitchFamily="49" charset="0"/>
-              </a:rPr>
-              <a:t>      }</a:t>
-            </a:r>
-          </a:p>
-          <a:p>
-            <a:pPr marL="457200" lvl="1" indent="0">
-              <a:spcBef>
-                <a:spcPts val="100"/>
-              </a:spcBef>
-              <a:buNone/>
-            </a:pPr>
-            <a:r>
-              <a:rPr lang="en-US" sz="1750" dirty="0">
-                <a:latin typeface="Consolas" panose="020B0609020204030204" pitchFamily="49" charset="0"/>
-              </a:rPr>
-              <a:t>    else</a:t>
-            </a:r>
-          </a:p>
-          <a:p>
-            <a:pPr marL="457200" lvl="1" indent="0">
-              <a:spcBef>
-                <a:spcPts val="100"/>
-              </a:spcBef>
-              <a:buNone/>
-            </a:pPr>
-            <a:r>
-              <a:rPr lang="en-US" sz="1750" dirty="0">
-                <a:latin typeface="Consolas" panose="020B0609020204030204" pitchFamily="49" charset="0"/>
-              </a:rPr>
-              <a:t>        throw error(...);</a:t>
-            </a:r>
-          </a:p>
-          <a:p>
-            <a:pPr marL="457200" lvl="1" indent="0">
-              <a:spcBef>
-                <a:spcPts val="100"/>
-              </a:spcBef>
-              <a:buNone/>
-            </a:pPr>
-            <a:r>
-              <a:rPr lang="en-US" sz="1750" dirty="0">
-                <a:latin typeface="Consolas" panose="020B0609020204030204" pitchFamily="49" charset="0"/>
-              </a:rPr>
-              <a:t>  }</a:t>
+                <a:spcPts val="200"/>
+              </a:spcBef>
+              <a:buNone/>
+            </a:pPr>
+            <a:r>
+              <a:rPr lang="en-US" sz="1800" dirty="0">
+                <a:latin typeface="Consolas" panose="020B0609020204030204" pitchFamily="49" charset="0"/>
+              </a:rPr>
+              <a:t>a[1][6] := b[5][7];  // type of var and named val is Integer</a:t>
             </a:r>
           </a:p>
         </p:txBody>
@@ -23363,7 +23145,7 @@
     </p:spTree>
     <p:extLst>
       <p:ext uri="{BB962C8B-B14F-4D97-AF65-F5344CB8AC3E}">
-        <p14:creationId xmlns:p14="http://schemas.microsoft.com/office/powerpoint/2010/main" val="3760471126"/>
+        <p14:creationId xmlns:p14="http://schemas.microsoft.com/office/powerpoint/2010/main" val="3020442727"/>
       </p:ext>
     </p:extLst>
   </p:cSld>
@@ -23392,31 +23174,427 @@
       </p:grpSpPr>
       <p:sp>
         <p:nvSpPr>
-          <p:cNvPr id="22530" name="Footer Placeholder 3"/>
+          <p:cNvPr id="8" name="Title 7">
+            <a:extLst>
+              <a:ext uri="{FF2B5EF4-FFF2-40B4-BE49-F238E27FC236}">
+                <a16:creationId xmlns:a16="http://schemas.microsoft.com/office/drawing/2014/main" id="{563233BE-B20A-4E38-8D6C-3D8FB41B4336}"/>
+              </a:ext>
+            </a:extLst>
+          </p:cNvPr>
           <p:cNvSpPr>
             <a:spLocks noGrp="1"/>
           </p:cNvSpPr>
           <p:nvPr>
+            <p:ph type="title"/>
+          </p:nvPr>
+        </p:nvSpPr>
+        <p:spPr/>
+        <p:txBody>
+          <a:bodyPr/>
+          <a:lstStyle/>
+          <a:p>
+            <a:r>
+              <a:rPr lang="en-US" dirty="0"/>
+              <a:t>Example: </a:t>
+            </a:r>
+            <a:r>
+              <a:rPr lang="en-US" dirty="0">
+                <a:latin typeface="Consolas" panose="020B0609020204030204" pitchFamily="49" charset="0"/>
+              </a:rPr>
+              <a:t>Variable</a:t>
+            </a:r>
+            <a:br>
+              <a:rPr lang="en-US" dirty="0"/>
+            </a:br>
+            <a:r>
+              <a:rPr lang="en-US" sz="2400" dirty="0"/>
+              <a:t>(continued)</a:t>
+            </a:r>
+          </a:p>
+        </p:txBody>
+      </p:sp>
+      <p:sp>
+        <p:nvSpPr>
+          <p:cNvPr id="9" name="Content Placeholder 8">
+            <a:extLst>
+              <a:ext uri="{FF2B5EF4-FFF2-40B4-BE49-F238E27FC236}">
+                <a16:creationId xmlns:a16="http://schemas.microsoft.com/office/drawing/2014/main" id="{76E1210A-295D-4718-9E1A-27C835EA23E3}"/>
+              </a:ext>
+            </a:extLst>
+          </p:cNvPr>
+          <p:cNvSpPr>
+            <a:spLocks noGrp="1"/>
+          </p:cNvSpPr>
+          <p:nvPr>
+            <p:ph idx="1"/>
+          </p:nvPr>
+        </p:nvSpPr>
+        <p:spPr/>
+        <p:txBody>
+          <a:bodyPr/>
+          <a:lstStyle/>
+          <a:p>
+            <a:r>
+              <a:rPr lang="en-US" dirty="0"/>
+              <a:t>For arrays, we determine the actual type of a variable or named value in method </a:t>
+            </a:r>
+            <a:r>
+              <a:rPr lang="en-US" dirty="0" err="1">
+                <a:latin typeface="Consolas" panose="020B0609020204030204" pitchFamily="49" charset="0"/>
+              </a:rPr>
+              <a:t>checkConstraints</a:t>
+            </a:r>
+            <a:r>
+              <a:rPr lang="en-US" dirty="0">
+                <a:latin typeface="Consolas" panose="020B0609020204030204" pitchFamily="49" charset="0"/>
+              </a:rPr>
+              <a:t>()</a:t>
+            </a:r>
+            <a:r>
+              <a:rPr lang="en-US" dirty="0"/>
+              <a:t>.</a:t>
+            </a:r>
+          </a:p>
+          <a:p>
+            <a:pPr marL="457200" lvl="1" indent="0">
+              <a:buNone/>
+            </a:pPr>
+            <a:r>
+              <a:rPr lang="en-US" sz="1750" dirty="0">
+                <a:latin typeface="Consolas" panose="020B0609020204030204" pitchFamily="49" charset="0"/>
+              </a:rPr>
+              <a:t>for (expr in </a:t>
+            </a:r>
+            <a:r>
+              <a:rPr lang="en-US" sz="1750" dirty="0" err="1">
+                <a:latin typeface="Consolas" panose="020B0609020204030204" pitchFamily="49" charset="0"/>
+              </a:rPr>
+              <a:t>indexExprs</a:t>
+            </a:r>
+            <a:r>
+              <a:rPr lang="en-US" sz="1750" dirty="0">
+                <a:latin typeface="Consolas" panose="020B0609020204030204" pitchFamily="49" charset="0"/>
+              </a:rPr>
+              <a:t>)</a:t>
+            </a:r>
+          </a:p>
+          <a:p>
+            <a:pPr marL="457200" lvl="1" indent="0">
+              <a:spcBef>
+                <a:spcPts val="100"/>
+              </a:spcBef>
+              <a:buNone/>
+            </a:pPr>
+            <a:r>
+              <a:rPr lang="en-US" sz="1750" dirty="0">
+                <a:latin typeface="Consolas" panose="020B0609020204030204" pitchFamily="49" charset="0"/>
+              </a:rPr>
+              <a:t>  {</a:t>
+            </a:r>
+          </a:p>
+          <a:p>
+            <a:pPr marL="457200" lvl="1" indent="0">
+              <a:spcBef>
+                <a:spcPts val="100"/>
+              </a:spcBef>
+              <a:buNone/>
+            </a:pPr>
+            <a:r>
+              <a:rPr lang="en-US" sz="1750" dirty="0">
+                <a:latin typeface="Consolas" panose="020B0609020204030204" pitchFamily="49" charset="0"/>
+              </a:rPr>
+              <a:t>    </a:t>
+            </a:r>
+            <a:r>
+              <a:rPr lang="en-US" sz="1750" dirty="0" err="1">
+                <a:latin typeface="Consolas" panose="020B0609020204030204" pitchFamily="49" charset="0"/>
+              </a:rPr>
+              <a:t>expr.checkConstraints</a:t>
+            </a:r>
+            <a:r>
+              <a:rPr lang="en-US" sz="1750" dirty="0">
+                <a:latin typeface="Consolas" panose="020B0609020204030204" pitchFamily="49" charset="0"/>
+              </a:rPr>
+              <a:t>()</a:t>
+            </a:r>
+          </a:p>
+          <a:p>
+            <a:pPr marL="457200" lvl="1" indent="0">
+              <a:spcBef>
+                <a:spcPts val="100"/>
+              </a:spcBef>
+              <a:buNone/>
+            </a:pPr>
+            <a:endParaRPr lang="en-US" sz="1750" dirty="0">
+              <a:latin typeface="Consolas" panose="020B0609020204030204" pitchFamily="49" charset="0"/>
+            </a:endParaRPr>
+          </a:p>
+          <a:p>
+            <a:pPr marL="457200" lvl="1" indent="0">
+              <a:spcBef>
+                <a:spcPts val="0"/>
+              </a:spcBef>
+              <a:buNone/>
+            </a:pPr>
+            <a:r>
+              <a:rPr lang="en-US" sz="1750" dirty="0">
+                <a:latin typeface="Consolas" panose="020B0609020204030204" pitchFamily="49" charset="0"/>
+              </a:rPr>
+              <a:t>    if (</a:t>
+            </a:r>
+            <a:r>
+              <a:rPr lang="en-US" sz="1750" dirty="0" err="1">
+                <a:latin typeface="Consolas" panose="020B0609020204030204" pitchFamily="49" charset="0"/>
+              </a:rPr>
+              <a:t>expr.type</a:t>
+            </a:r>
+            <a:r>
+              <a:rPr lang="en-US" sz="1750" dirty="0">
+                <a:latin typeface="Consolas" panose="020B0609020204030204" pitchFamily="49" charset="0"/>
+              </a:rPr>
+              <a:t> != </a:t>
+            </a:r>
+            <a:r>
+              <a:rPr lang="en-US" sz="1750" dirty="0" err="1">
+                <a:latin typeface="Consolas" panose="020B0609020204030204" pitchFamily="49" charset="0"/>
+              </a:rPr>
+              <a:t>Type.Integer</a:t>
+            </a:r>
+            <a:r>
+              <a:rPr lang="en-US" sz="1750" dirty="0">
+                <a:latin typeface="Consolas" panose="020B0609020204030204" pitchFamily="49" charset="0"/>
+              </a:rPr>
+              <a:t>)</a:t>
+            </a:r>
+          </a:p>
+          <a:p>
+            <a:pPr marL="457200" lvl="1" indent="0">
+              <a:spcBef>
+                <a:spcPts val="100"/>
+              </a:spcBef>
+              <a:buNone/>
+            </a:pPr>
+            <a:r>
+              <a:rPr lang="en-US" sz="1750" dirty="0">
+                <a:latin typeface="Consolas" panose="020B0609020204030204" pitchFamily="49" charset="0"/>
+              </a:rPr>
+              <a:t>        throw error(...)</a:t>
+            </a:r>
+          </a:p>
+          <a:p>
+            <a:pPr marL="457200" lvl="1" indent="0">
+              <a:spcBef>
+                <a:spcPts val="100"/>
+              </a:spcBef>
+              <a:buNone/>
+            </a:pPr>
+            <a:endParaRPr lang="en-US" sz="1750" dirty="0">
+              <a:latin typeface="Consolas" panose="020B0609020204030204" pitchFamily="49" charset="0"/>
+            </a:endParaRPr>
+          </a:p>
+          <a:p>
+            <a:pPr marL="457200" lvl="1" indent="0">
+              <a:spcBef>
+                <a:spcPts val="0"/>
+              </a:spcBef>
+              <a:buNone/>
+            </a:pPr>
+            <a:r>
+              <a:rPr lang="en-US" sz="1750" dirty="0">
+                <a:latin typeface="Consolas" panose="020B0609020204030204" pitchFamily="49" charset="0"/>
+              </a:rPr>
+              <a:t>    if (type is </a:t>
+            </a:r>
+            <a:r>
+              <a:rPr lang="en-US" sz="1750" dirty="0" err="1">
+                <a:latin typeface="Consolas" panose="020B0609020204030204" pitchFamily="49" charset="0"/>
+              </a:rPr>
+              <a:t>ArrayType</a:t>
+            </a:r>
+            <a:r>
+              <a:rPr lang="en-US" sz="1750" dirty="0">
+                <a:latin typeface="Consolas" panose="020B0609020204030204" pitchFamily="49" charset="0"/>
+              </a:rPr>
+              <a:t>)</a:t>
+            </a:r>
+          </a:p>
+          <a:p>
+            <a:pPr marL="457200" lvl="1" indent="0">
+              <a:spcBef>
+                <a:spcPts val="100"/>
+              </a:spcBef>
+              <a:buNone/>
+            </a:pPr>
+            <a:r>
+              <a:rPr lang="en-US" sz="1750" dirty="0">
+                <a:latin typeface="Consolas" panose="020B0609020204030204" pitchFamily="49" charset="0"/>
+              </a:rPr>
+              <a:t>      {</a:t>
+            </a:r>
+          </a:p>
+          <a:p>
+            <a:pPr marL="457200" lvl="1" indent="0">
+              <a:spcBef>
+                <a:spcPts val="100"/>
+              </a:spcBef>
+              <a:buNone/>
+            </a:pPr>
+            <a:r>
+              <a:rPr lang="en-US" sz="1750" dirty="0">
+                <a:latin typeface="Consolas" panose="020B0609020204030204" pitchFamily="49" charset="0"/>
+              </a:rPr>
+              <a:t>        </a:t>
+            </a:r>
+            <a:r>
+              <a:rPr lang="en-US" sz="1750" b="1" dirty="0">
+                <a:latin typeface="Consolas" panose="020B0609020204030204" pitchFamily="49" charset="0"/>
+              </a:rPr>
+              <a:t>val </a:t>
+            </a:r>
+            <a:r>
+              <a:rPr lang="en-US" sz="1750" b="1" dirty="0" err="1">
+                <a:latin typeface="Consolas" panose="020B0609020204030204" pitchFamily="49" charset="0"/>
+              </a:rPr>
+              <a:t>arrayType</a:t>
+            </a:r>
+            <a:r>
+              <a:rPr lang="en-US" sz="1750" b="1" dirty="0">
+                <a:latin typeface="Consolas" panose="020B0609020204030204" pitchFamily="49" charset="0"/>
+              </a:rPr>
+              <a:t> as </a:t>
+            </a:r>
+            <a:r>
+              <a:rPr lang="en-US" sz="1750" b="1" dirty="0" err="1">
+                <a:latin typeface="Consolas" panose="020B0609020204030204" pitchFamily="49" charset="0"/>
+              </a:rPr>
+              <a:t>ArrayType</a:t>
+            </a:r>
+            <a:endParaRPr lang="en-US" sz="1750" b="1" dirty="0">
+              <a:latin typeface="Consolas" panose="020B0609020204030204" pitchFamily="49" charset="0"/>
+            </a:endParaRPr>
+          </a:p>
+          <a:p>
+            <a:pPr marL="457200" lvl="1" indent="0">
+              <a:spcBef>
+                <a:spcPts val="100"/>
+              </a:spcBef>
+              <a:buNone/>
+            </a:pPr>
+            <a:r>
+              <a:rPr lang="en-US" sz="1750" b="1" dirty="0">
+                <a:latin typeface="Consolas" panose="020B0609020204030204" pitchFamily="49" charset="0"/>
+              </a:rPr>
+              <a:t>        type = </a:t>
+            </a:r>
+            <a:r>
+              <a:rPr lang="en-US" sz="1750" b="1" dirty="0" err="1">
+                <a:latin typeface="Consolas" panose="020B0609020204030204" pitchFamily="49" charset="0"/>
+              </a:rPr>
+              <a:t>arrayType.elementType</a:t>
+            </a:r>
+            <a:endParaRPr lang="en-US" sz="1750" b="1" dirty="0">
+              <a:latin typeface="Consolas" panose="020B0609020204030204" pitchFamily="49" charset="0"/>
+            </a:endParaRPr>
+          </a:p>
+          <a:p>
+            <a:pPr marL="457200" lvl="1" indent="0">
+              <a:spcBef>
+                <a:spcPts val="100"/>
+              </a:spcBef>
+              <a:buNone/>
+            </a:pPr>
+            <a:r>
+              <a:rPr lang="en-US" sz="1750" dirty="0">
+                <a:latin typeface="Consolas" panose="020B0609020204030204" pitchFamily="49" charset="0"/>
+              </a:rPr>
+              <a:t>      }</a:t>
+            </a:r>
+          </a:p>
+          <a:p>
+            <a:pPr marL="457200" lvl="1" indent="0">
+              <a:spcBef>
+                <a:spcPts val="100"/>
+              </a:spcBef>
+              <a:buNone/>
+            </a:pPr>
+            <a:r>
+              <a:rPr lang="en-US" sz="1750" dirty="0">
+                <a:latin typeface="Consolas" panose="020B0609020204030204" pitchFamily="49" charset="0"/>
+              </a:rPr>
+              <a:t>    else</a:t>
+            </a:r>
+          </a:p>
+          <a:p>
+            <a:pPr marL="457200" lvl="1" indent="0">
+              <a:spcBef>
+                <a:spcPts val="100"/>
+              </a:spcBef>
+              <a:buNone/>
+            </a:pPr>
+            <a:r>
+              <a:rPr lang="en-US" sz="1750" dirty="0">
+                <a:latin typeface="Consolas" panose="020B0609020204030204" pitchFamily="49" charset="0"/>
+              </a:rPr>
+              <a:t>        throw error(...);</a:t>
+            </a:r>
+          </a:p>
+          <a:p>
+            <a:pPr marL="457200" lvl="1" indent="0">
+              <a:spcBef>
+                <a:spcPts val="100"/>
+              </a:spcBef>
+              <a:buNone/>
+            </a:pPr>
+            <a:r>
+              <a:rPr lang="en-US" sz="1750" dirty="0">
+                <a:latin typeface="Consolas" panose="020B0609020204030204" pitchFamily="49" charset="0"/>
+              </a:rPr>
+              <a:t>  }</a:t>
+            </a:r>
+          </a:p>
+        </p:txBody>
+      </p:sp>
+      <p:sp>
+        <p:nvSpPr>
+          <p:cNvPr id="3" name="Footer Placeholder 2">
+            <a:extLst>
+              <a:ext uri="{FF2B5EF4-FFF2-40B4-BE49-F238E27FC236}">
+                <a16:creationId xmlns:a16="http://schemas.microsoft.com/office/drawing/2014/main" id="{5A404E55-B647-4C7C-9D62-C9EA115DC92C}"/>
+              </a:ext>
+            </a:extLst>
+          </p:cNvPr>
+          <p:cNvSpPr>
+            <a:spLocks noGrp="1"/>
+          </p:cNvSpPr>
+          <p:nvPr>
             <p:ph type="ftr" sz="quarter" idx="10"/>
           </p:nvPr>
         </p:nvSpPr>
-        <p:spPr>
-          <a:noFill/>
-        </p:spPr>
-        <p:txBody>
-          <a:bodyPr/>
-          <a:lstStyle/>
-          <a:p>
-            <a:r>
-              <a:rPr lang="en-US" dirty="0"/>
+        <p:spPr/>
+        <p:txBody>
+          <a:bodyPr/>
+          <a:lstStyle/>
+          <a:p>
+            <a:pPr>
+              <a:defRPr/>
+            </a:pPr>
+            <a:r>
+              <a:rPr lang="en-US"/>
               <a:t>©SoftMoore Consulting</a:t>
             </a:r>
-          </a:p>
-        </p:txBody>
-      </p:sp>
-      <p:sp>
-        <p:nvSpPr>
-          <p:cNvPr id="22531" name="Slide Number Placeholder 4"/>
+            <a:endParaRPr lang="en-US" dirty="0"/>
+          </a:p>
+        </p:txBody>
+      </p:sp>
+      <p:sp>
+        <p:nvSpPr>
+          <p:cNvPr id="4" name="Slide Number Placeholder 3">
+            <a:extLst>
+              <a:ext uri="{FF2B5EF4-FFF2-40B4-BE49-F238E27FC236}">
+                <a16:creationId xmlns:a16="http://schemas.microsoft.com/office/drawing/2014/main" id="{964B72F4-5156-47A8-BE64-4FAAF4115382}"/>
+              </a:ext>
+            </a:extLst>
+          </p:cNvPr>
           <p:cNvSpPr>
             <a:spLocks noGrp="1"/>
           </p:cNvSpPr>
@@ -23424,129 +23602,35 @@
             <p:ph type="sldNum" sz="quarter" idx="11"/>
           </p:nvPr>
         </p:nvSpPr>
-        <p:spPr>
-          <a:noFill/>
-        </p:spPr>
-        <p:txBody>
-          <a:bodyPr/>
-          <a:lstStyle/>
-          <a:p>
-            <a:r>
-              <a:rPr lang="en-US" dirty="0"/>
+        <p:spPr/>
+        <p:txBody>
+          <a:bodyPr/>
+          <a:lstStyle/>
+          <a:p>
+            <a:pPr>
+              <a:defRPr/>
+            </a:pPr>
+            <a:r>
+              <a:rPr lang="en-US"/>
               <a:t>Slide </a:t>
             </a:r>
-            <a:fld id="{E181C637-EA7A-4AA2-BD9E-5103699E8BC5}" type="slidenum">
+            <a:fld id="{0493F5BC-5863-40DB-9BF6-90302664BBE6}" type="slidenum">
               <a:rPr lang="en-US" smtClean="0"/>
-              <a:pPr/>
+              <a:pPr>
+                <a:defRPr/>
+              </a:pPr>
               <a:t>52</a:t>
             </a:fld>
             <a:endParaRPr lang="en-US" dirty="0"/>
           </a:p>
         </p:txBody>
       </p:sp>
-      <p:sp>
-        <p:nvSpPr>
-          <p:cNvPr id="22532" name="Rectangle 2"/>
-          <p:cNvSpPr>
-            <a:spLocks noGrp="1" noChangeArrowheads="1"/>
-          </p:cNvSpPr>
-          <p:nvPr>
-            <p:ph type="title"/>
-          </p:nvPr>
-        </p:nvSpPr>
-        <p:spPr/>
-        <p:txBody>
-          <a:bodyPr/>
-          <a:lstStyle/>
-          <a:p>
-            <a:r>
-              <a:rPr lang="en-US" dirty="0"/>
-              <a:t>Maintaining Context During Parsing</a:t>
-            </a:r>
-          </a:p>
-        </p:txBody>
-      </p:sp>
-      <p:sp>
-        <p:nvSpPr>
-          <p:cNvPr id="22533" name="Rectangle 3"/>
-          <p:cNvSpPr>
-            <a:spLocks noGrp="1" noChangeArrowheads="1"/>
-          </p:cNvSpPr>
-          <p:nvPr>
-            <p:ph type="body" idx="1"/>
-          </p:nvPr>
-        </p:nvSpPr>
-        <p:spPr/>
-        <p:txBody>
-          <a:bodyPr/>
-          <a:lstStyle/>
-          <a:p>
-            <a:r>
-              <a:rPr lang="en-US" dirty="0"/>
-              <a:t>Certain CPRL statements need access to an enclosing context for constraint checking and code generation.</a:t>
-            </a:r>
-          </a:p>
-          <a:p>
-            <a:r>
-              <a:rPr lang="en-US" dirty="0"/>
-              <a:t>Example: </a:t>
-            </a:r>
-            <a:r>
-              <a:rPr lang="en-US" sz="2000" dirty="0">
-                <a:latin typeface="Consolas" pitchFamily="49" charset="0"/>
-              </a:rPr>
-              <a:t>exit when n &gt; 10;</a:t>
-            </a:r>
-            <a:endParaRPr lang="en-US" dirty="0"/>
-          </a:p>
-          <a:p>
-            <a:pPr>
-              <a:spcBef>
-                <a:spcPts val="400"/>
-              </a:spcBef>
-              <a:buNone/>
-            </a:pPr>
-            <a:r>
-              <a:rPr lang="en-US" dirty="0"/>
-              <a:t>	An exit statement has meaning only when nested inside a loop., and code generation for an exit statement requires knowledge of which loop encloses it.</a:t>
-            </a:r>
-          </a:p>
-          <a:p>
-            <a:r>
-              <a:rPr lang="en-US" dirty="0"/>
-              <a:t>Similarly, a return statement needs to know which subprogram it is returning from.</a:t>
-            </a:r>
-          </a:p>
-          <a:p>
-            <a:r>
-              <a:rPr lang="en-US" dirty="0"/>
-              <a:t>Classes </a:t>
-            </a:r>
-            <a:r>
-              <a:rPr lang="en-US" dirty="0">
-                <a:latin typeface="Consolas" panose="020B0609020204030204" pitchFamily="49" charset="0"/>
-              </a:rPr>
-              <a:t>LoopContext</a:t>
-            </a:r>
-            <a:r>
-              <a:rPr lang="en-US" dirty="0"/>
-              <a:t> and </a:t>
-            </a:r>
-            <a:r>
-              <a:rPr lang="en-US" dirty="0">
-                <a:latin typeface="Consolas" pitchFamily="49" charset="0"/>
-                <a:cs typeface="Consolas" pitchFamily="49" charset="0"/>
-              </a:rPr>
-              <a:t>SubprogramContext</a:t>
-            </a:r>
-            <a:r>
-              <a:rPr lang="en-US" dirty="0"/>
-              <a:t> will be used to maintain contextual information in these cases.</a:t>
-            </a:r>
-          </a:p>
-        </p:txBody>
-      </p:sp>
     </p:spTree>
+    <p:extLst>
+      <p:ext uri="{BB962C8B-B14F-4D97-AF65-F5344CB8AC3E}">
+        <p14:creationId xmlns:p14="http://schemas.microsoft.com/office/powerpoint/2010/main" val="3760471126"/>
+      </p:ext>
+    </p:extLst>
   </p:cSld>
   <p:clrMapOvr>
     <a:masterClrMapping/>
@@ -23573,7 +23657,7 @@
       </p:grpSpPr>
       <p:sp>
         <p:nvSpPr>
-          <p:cNvPr id="23554" name="Footer Placeholder 3"/>
+          <p:cNvPr id="22530" name="Footer Placeholder 3"/>
           <p:cNvSpPr>
             <a:spLocks noGrp="1"/>
           </p:cNvSpPr>
@@ -23597,7 +23681,7 @@
       </p:sp>
       <p:sp>
         <p:nvSpPr>
-          <p:cNvPr id="23555" name="Slide Number Placeholder 4"/>
+          <p:cNvPr id="22531" name="Slide Number Placeholder 4"/>
           <p:cNvSpPr>
             <a:spLocks noGrp="1"/>
           </p:cNvSpPr>
@@ -23616,7 +23700,7 @@
               <a:rPr lang="en-US" dirty="0"/>
               <a:t>Slide </a:t>
             </a:r>
-            <a:fld id="{239EA5B9-23A7-4CC1-AF6B-C52A3FEA3809}" type="slidenum">
+            <a:fld id="{E181C637-EA7A-4AA2-BD9E-5103699E8BC5}" type="slidenum">
               <a:rPr lang="en-US" smtClean="0"/>
               <a:pPr/>
               <a:t>53</a:t>
@@ -23627,7 +23711,7 @@
       </p:sp>
       <p:sp>
         <p:nvSpPr>
-          <p:cNvPr id="23556" name="Rectangle 2"/>
+          <p:cNvPr id="22532" name="Rectangle 2"/>
           <p:cNvSpPr>
             <a:spLocks noGrp="1" noChangeArrowheads="1"/>
           </p:cNvSpPr>
@@ -23642,327 +23726,87 @@
           <a:p>
             <a:r>
               <a:rPr lang="en-US" dirty="0"/>
-              <a:t>Class </a:t>
+              <a:t>Maintaining Context During Parsing</a:t>
+            </a:r>
+          </a:p>
+        </p:txBody>
+      </p:sp>
+      <p:sp>
+        <p:nvSpPr>
+          <p:cNvPr id="22533" name="Rectangle 3"/>
+          <p:cNvSpPr>
+            <a:spLocks noGrp="1" noChangeArrowheads="1"/>
+          </p:cNvSpPr>
+          <p:nvPr>
+            <p:ph type="body" idx="1"/>
+          </p:nvPr>
+        </p:nvSpPr>
+        <p:spPr/>
+        <p:txBody>
+          <a:bodyPr/>
+          <a:lstStyle/>
+          <a:p>
+            <a:r>
+              <a:rPr lang="en-US" dirty="0"/>
+              <a:t>Certain CPRL statements need access to an enclosing context for constraint checking and code generation.</a:t>
+            </a:r>
+          </a:p>
+          <a:p>
+            <a:r>
+              <a:rPr lang="en-US" dirty="0"/>
+              <a:t>Example: </a:t>
+            </a:r>
+            <a:r>
+              <a:rPr lang="en-US" sz="2000" dirty="0">
+                <a:latin typeface="Consolas" pitchFamily="49" charset="0"/>
+              </a:rPr>
+              <a:t>exit when n &gt; 10;</a:t>
+            </a:r>
+            <a:endParaRPr lang="en-US" dirty="0"/>
+          </a:p>
+          <a:p>
+            <a:pPr>
+              <a:spcBef>
+                <a:spcPts val="400"/>
+              </a:spcBef>
+              <a:buNone/>
+            </a:pPr>
+            <a:r>
+              <a:rPr lang="en-US" dirty="0"/>
+              <a:t>	An exit statement has meaning only when nested inside a loop., and code generation for an exit statement requires knowledge of which loop encloses it.</a:t>
+            </a:r>
+          </a:p>
+          <a:p>
+            <a:r>
+              <a:rPr lang="en-US" dirty="0"/>
+              <a:t>Similarly, a return statement needs to know which subprogram it is returning from.</a:t>
+            </a:r>
+          </a:p>
+          <a:p>
+            <a:r>
+              <a:rPr lang="en-US" dirty="0"/>
+              <a:t>Classes </a:t>
             </a:r>
             <a:r>
               <a:rPr lang="en-US" dirty="0">
                 <a:latin typeface="Consolas" panose="020B0609020204030204" pitchFamily="49" charset="0"/>
               </a:rPr>
-              <a:t>Loop</a:t>
+              <a:t>LoopContext</a:t>
+            </a:r>
+            <a:r>
+              <a:rPr lang="en-US" dirty="0"/>
+              <a:t> and </a:t>
             </a:r>
             <a:r>
               <a:rPr lang="en-US" dirty="0">
-                <a:latin typeface="Consolas" panose="020B0609020204030204" pitchFamily="49" charset="0"/>
+                <a:latin typeface="Consolas" pitchFamily="49" charset="0"/>
                 <a:cs typeface="Consolas" pitchFamily="49" charset="0"/>
               </a:rPr>
-              <a:t>Context</a:t>
-            </a:r>
-          </a:p>
-        </p:txBody>
-      </p:sp>
-      <p:sp>
-        <p:nvSpPr>
-          <p:cNvPr id="23557" name="Rectangle 3"/>
-          <p:cNvSpPr>
-            <a:spLocks noGrp="1" noChangeArrowheads="1"/>
-          </p:cNvSpPr>
-          <p:nvPr>
-            <p:ph type="body" idx="1"/>
-          </p:nvPr>
-        </p:nvSpPr>
-        <p:spPr/>
-        <p:txBody>
-          <a:bodyPr lIns="182880" tIns="91440"/>
-          <a:lstStyle/>
-          <a:p>
-            <a:pPr marL="91440" indent="0">
-              <a:spcBef>
-                <a:spcPts val="100"/>
-              </a:spcBef>
-              <a:buFontTx/>
-              <a:buNone/>
-            </a:pPr>
-            <a:r>
-              <a:rPr lang="en-US" sz="1800" dirty="0">
-                <a:latin typeface="Consolas" pitchFamily="49" charset="0"/>
-              </a:rPr>
-              <a:t>/**</a:t>
-            </a:r>
-          </a:p>
-          <a:p>
-            <a:pPr marL="91440" indent="0">
-              <a:spcBef>
-                <a:spcPts val="100"/>
-              </a:spcBef>
-              <a:buFontTx/>
-              <a:buNone/>
-            </a:pPr>
-            <a:r>
-              <a:rPr lang="en-US" sz="1800" dirty="0">
-                <a:latin typeface="Consolas" pitchFamily="49" charset="0"/>
-              </a:rPr>
-              <a:t> * The loop statement currently being parsed; </a:t>
-            </a:r>
-          </a:p>
-          <a:p>
-            <a:pPr marL="91440" indent="0">
-              <a:spcBef>
-                <a:spcPts val="100"/>
-              </a:spcBef>
-              <a:buFontTx/>
-              <a:buNone/>
-            </a:pPr>
-            <a:r>
-              <a:rPr lang="en-US" sz="1800" dirty="0">
-                <a:latin typeface="Consolas" pitchFamily="49" charset="0"/>
-              </a:rPr>
-              <a:t> * null if not currently parsing a loop.</a:t>
-            </a:r>
-          </a:p>
-          <a:p>
-            <a:pPr marL="91440" indent="0">
-              <a:spcBef>
-                <a:spcPts val="100"/>
-              </a:spcBef>
-              <a:buFontTx/>
-              <a:buNone/>
-            </a:pPr>
-            <a:r>
-              <a:rPr lang="en-US" sz="1800" dirty="0">
-                <a:latin typeface="Consolas" pitchFamily="49" charset="0"/>
-              </a:rPr>
-              <a:t> */</a:t>
-            </a:r>
-          </a:p>
-          <a:p>
-            <a:pPr marL="91440" indent="0">
-              <a:spcBef>
-                <a:spcPts val="100"/>
-              </a:spcBef>
-              <a:buFontTx/>
-              <a:buNone/>
-            </a:pPr>
-            <a:r>
-              <a:rPr lang="en-US" sz="1800" dirty="0">
-                <a:latin typeface="Consolas" pitchFamily="49" charset="0"/>
-              </a:rPr>
-              <a:t>val </a:t>
-            </a:r>
-            <a:r>
-              <a:rPr lang="en-US" sz="1800" dirty="0" err="1">
-                <a:latin typeface="Consolas" pitchFamily="49" charset="0"/>
-              </a:rPr>
-              <a:t>loopStmt</a:t>
-            </a:r>
-            <a:r>
-              <a:rPr lang="en-US" sz="1800" dirty="0">
-                <a:latin typeface="Consolas" pitchFamily="49" charset="0"/>
-              </a:rPr>
-              <a:t> : </a:t>
-            </a:r>
-            <a:r>
-              <a:rPr lang="en-US" sz="1800" dirty="0" err="1">
-                <a:latin typeface="Consolas" pitchFamily="49" charset="0"/>
-              </a:rPr>
-              <a:t>LoopStmt</a:t>
-            </a:r>
-            <a:r>
-              <a:rPr lang="en-US" sz="1800" dirty="0">
-                <a:latin typeface="Consolas" pitchFamily="49" charset="0"/>
-              </a:rPr>
-              <a:t>?</a:t>
-            </a:r>
-          </a:p>
-          <a:p>
-            <a:pPr marL="91440" indent="0">
-              <a:spcBef>
-                <a:spcPts val="100"/>
-              </a:spcBef>
-              <a:buFontTx/>
-              <a:buNone/>
-            </a:pPr>
-            <a:endParaRPr lang="en-US" sz="1800" dirty="0">
-              <a:latin typeface="Consolas" pitchFamily="49" charset="0"/>
-            </a:endParaRPr>
-          </a:p>
-          <a:p>
-            <a:pPr marL="91440" indent="0">
-              <a:spcBef>
-                <a:spcPts val="100"/>
-              </a:spcBef>
-              <a:buFontTx/>
-              <a:buNone/>
-            </a:pPr>
-            <a:r>
-              <a:rPr lang="en-US" sz="1800" dirty="0">
-                <a:latin typeface="Consolas" pitchFamily="49" charset="0"/>
-              </a:rPr>
-              <a:t>/**</a:t>
-            </a:r>
-          </a:p>
-          <a:p>
-            <a:pPr marL="91440" indent="0">
-              <a:spcBef>
-                <a:spcPts val="100"/>
-              </a:spcBef>
-              <a:buFontTx/>
-              <a:buNone/>
-            </a:pPr>
-            <a:r>
-              <a:rPr lang="en-US" sz="1800" dirty="0">
-                <a:latin typeface="Consolas" pitchFamily="49" charset="0"/>
-              </a:rPr>
-              <a:t> * Called when starting to parse a loop statement.</a:t>
-            </a:r>
-          </a:p>
-          <a:p>
-            <a:pPr marL="91440" indent="0">
-              <a:spcBef>
-                <a:spcPts val="100"/>
-              </a:spcBef>
-              <a:buFontTx/>
-              <a:buNone/>
-            </a:pPr>
-            <a:r>
-              <a:rPr lang="en-US" sz="1800" dirty="0">
-                <a:latin typeface="Consolas" pitchFamily="49" charset="0"/>
-              </a:rPr>
-              <a:t> */</a:t>
-            </a:r>
-          </a:p>
-          <a:p>
-            <a:pPr marL="91440" indent="0">
-              <a:spcBef>
-                <a:spcPts val="100"/>
-              </a:spcBef>
-              <a:buFontTx/>
-              <a:buNone/>
-            </a:pPr>
-            <a:r>
-              <a:rPr lang="en-US" sz="1800" dirty="0">
-                <a:latin typeface="Consolas" pitchFamily="49" charset="0"/>
-              </a:rPr>
-              <a:t>fun </a:t>
-            </a:r>
-            <a:r>
-              <a:rPr lang="en-US" sz="1800" dirty="0" err="1">
-                <a:latin typeface="Consolas" pitchFamily="49" charset="0"/>
-              </a:rPr>
-              <a:t>beginLoop</a:t>
-            </a:r>
-            <a:r>
-              <a:rPr lang="en-US" sz="1800" dirty="0">
-                <a:latin typeface="Consolas" pitchFamily="49" charset="0"/>
-              </a:rPr>
-              <a:t>(</a:t>
-            </a:r>
-            <a:r>
-              <a:rPr lang="en-US" sz="1800" dirty="0" err="1">
-                <a:latin typeface="Consolas" pitchFamily="49" charset="0"/>
-              </a:rPr>
-              <a:t>stmt</a:t>
-            </a:r>
-            <a:r>
-              <a:rPr lang="en-US" sz="1800" dirty="0">
-                <a:latin typeface="Consolas" pitchFamily="49" charset="0"/>
-              </a:rPr>
-              <a:t> : </a:t>
-            </a:r>
-            <a:r>
-              <a:rPr lang="en-US" sz="1800" dirty="0" err="1">
-                <a:latin typeface="Consolas" pitchFamily="49" charset="0"/>
-              </a:rPr>
-              <a:t>LoopStmt</a:t>
-            </a:r>
-            <a:r>
-              <a:rPr lang="en-US" sz="1800" dirty="0">
-                <a:latin typeface="Consolas" pitchFamily="49" charset="0"/>
-              </a:rPr>
-              <a:t>)</a:t>
-            </a:r>
-          </a:p>
-          <a:p>
-            <a:pPr marL="91440" indent="0">
-              <a:spcBef>
-                <a:spcPts val="100"/>
-              </a:spcBef>
-              <a:buFontTx/>
-              <a:buNone/>
-            </a:pPr>
-            <a:endParaRPr lang="en-US" sz="1800" dirty="0">
-              <a:latin typeface="Consolas" pitchFamily="49" charset="0"/>
-            </a:endParaRPr>
-          </a:p>
-          <a:p>
-            <a:pPr marL="91440" indent="0">
-              <a:spcBef>
-                <a:spcPts val="100"/>
-              </a:spcBef>
-              <a:buFontTx/>
-              <a:buNone/>
-            </a:pPr>
-            <a:r>
-              <a:rPr lang="en-US" sz="1800" dirty="0">
-                <a:latin typeface="Consolas" pitchFamily="49" charset="0"/>
-              </a:rPr>
-              <a:t>/**</a:t>
-            </a:r>
-          </a:p>
-          <a:p>
-            <a:pPr marL="91440" indent="0">
-              <a:spcBef>
-                <a:spcPts val="100"/>
-              </a:spcBef>
-              <a:buFontTx/>
-              <a:buNone/>
-            </a:pPr>
-            <a:r>
-              <a:rPr lang="en-US" sz="1800" dirty="0">
-                <a:latin typeface="Consolas" pitchFamily="49" charset="0"/>
-              </a:rPr>
-              <a:t> * Called when finished parsing a loop statement.</a:t>
-            </a:r>
-          </a:p>
-          <a:p>
-            <a:pPr marL="91440" indent="0">
-              <a:spcBef>
-                <a:spcPts val="100"/>
-              </a:spcBef>
-              <a:buFontTx/>
-              <a:buNone/>
-            </a:pPr>
-            <a:r>
-              <a:rPr lang="en-US" sz="1800" dirty="0">
-                <a:latin typeface="Consolas" pitchFamily="49" charset="0"/>
-              </a:rPr>
-              <a:t> */</a:t>
-            </a:r>
-          </a:p>
-          <a:p>
-            <a:pPr marL="91440" indent="0">
-              <a:spcBef>
-                <a:spcPts val="100"/>
-              </a:spcBef>
-              <a:buFontTx/>
-              <a:buNone/>
-            </a:pPr>
-            <a:r>
-              <a:rPr lang="en-US" sz="1800" dirty="0">
-                <a:latin typeface="Consolas" pitchFamily="49" charset="0"/>
-              </a:rPr>
-              <a:t>fun </a:t>
-            </a:r>
-            <a:r>
-              <a:rPr lang="en-US" sz="1800" dirty="0" err="1">
-                <a:latin typeface="Consolas" pitchFamily="49" charset="0"/>
-              </a:rPr>
-              <a:t>endLoop</a:t>
-            </a:r>
-            <a:r>
-              <a:rPr lang="en-US" sz="1800" dirty="0">
-                <a:latin typeface="Consolas" pitchFamily="49" charset="0"/>
-              </a:rPr>
-              <a:t>()</a:t>
+              <a:t>SubprogramContext</a:t>
+            </a:r>
+            <a:r>
+              <a:rPr lang="en-US" dirty="0"/>
+              <a:t> will be used to maintain contextual information in these cases.</a:t>
             </a:r>
           </a:p>
         </p:txBody>
@@ -24067,14 +23911,17 @@
             </a:r>
             <a:r>
               <a:rPr lang="en-US" dirty="0">
-                <a:latin typeface="Consolas" pitchFamily="49" charset="0"/>
+                <a:latin typeface="Consolas" panose="020B0609020204030204" pitchFamily="49" charset="0"/>
+              </a:rPr>
+              <a:t>Loop</a:t>
+            </a:r>
+            <a:r>
+              <a:rPr lang="en-US" dirty="0">
+                <a:latin typeface="Consolas" panose="020B0609020204030204" pitchFamily="49" charset="0"/>
                 <a:cs typeface="Consolas" pitchFamily="49" charset="0"/>
               </a:rPr>
-              <a:t>SubprogramContext</a:t>
-            </a:r>
-            <a:endParaRPr lang="en-US" sz="2800" dirty="0">
-              <a:cs typeface="Consolas" pitchFamily="49" charset="0"/>
-            </a:endParaRPr>
+              <a:t>Context</a:t>
+            </a:r>
           </a:p>
         </p:txBody>
       </p:sp>
@@ -24088,12 +23935,7 @@
             <p:ph type="body" idx="1"/>
           </p:nvPr>
         </p:nvSpPr>
-        <p:spPr>
-          <a:xfrm>
-            <a:off x="458787" y="1363663"/>
-            <a:ext cx="8321040" cy="4935537"/>
-          </a:xfrm>
-        </p:spPr>
+        <p:spPr/>
         <p:txBody>
           <a:bodyPr lIns="182880" tIns="91440"/>
           <a:lstStyle/>
@@ -24124,7 +23966,7 @@
               <a:rPr lang="en-US" sz="1800" dirty="0">
                 <a:latin typeface="Consolas" pitchFamily="49" charset="0"/>
               </a:rPr>
-              <a:t> * The subprogram declaration currently being parsed;</a:t>
+              <a:t> * The loop statement currently being parsed; </a:t>
             </a:r>
           </a:p>
           <a:p>
@@ -24139,7 +23981,7 @@
               <a:rPr lang="en-US" sz="1800" dirty="0">
                 <a:latin typeface="Consolas" pitchFamily="49" charset="0"/>
               </a:rPr>
-              <a:t> * null if not currently parsing a subprogram.</a:t>
+              <a:t> * null if not currently parsing a loop.</a:t>
             </a:r>
           </a:p>
           <a:p>
@@ -24169,7 +24011,31 @@
               <a:rPr lang="en-US" sz="1800" dirty="0">
                 <a:latin typeface="Consolas" pitchFamily="49" charset="0"/>
               </a:rPr>
-              <a:t>var subprogramDecl : SubprogramDecl? = null</a:t>
+              <a:t>val </a:t>
+            </a:r>
+            <a:r>
+              <a:rPr lang="en-US" sz="1800" dirty="0" err="1">
+                <a:latin typeface="Consolas" pitchFamily="49" charset="0"/>
+              </a:rPr>
+              <a:t>loopStmt</a:t>
+            </a:r>
+            <a:r>
+              <a:rPr lang="en-US" sz="1800" dirty="0">
+                <a:latin typeface="Consolas" pitchFamily="49" charset="0"/>
+              </a:rPr>
+              <a:t> : </a:t>
+            </a:r>
+            <a:r>
+              <a:rPr lang="en-US" sz="1800" dirty="0" err="1">
+                <a:latin typeface="Consolas" pitchFamily="49" charset="0"/>
+              </a:rPr>
+              <a:t>LoopStmt</a:t>
+            </a:r>
+            <a:r>
+              <a:rPr lang="en-US" sz="1800" dirty="0">
+                <a:latin typeface="Consolas" pitchFamily="49" charset="0"/>
+              </a:rPr>
+              <a:t>?</a:t>
             </a:r>
           </a:p>
           <a:p>
@@ -24211,7 +24077,7 @@
               <a:rPr lang="en-US" sz="1800" dirty="0">
                 <a:latin typeface="Consolas" pitchFamily="49" charset="0"/>
               </a:rPr>
-              <a:t> * Called when starting to parse a subprogram declaration.</a:t>
+              <a:t> * Called when starting to parse a loop statement.</a:t>
             </a:r>
           </a:p>
           <a:p>
@@ -24247,7 +24113,7 @@
               <a:rPr lang="en-US" sz="1800" dirty="0" err="1">
                 <a:latin typeface="Consolas" pitchFamily="49" charset="0"/>
               </a:rPr>
-              <a:t>beginSubprogramDecl</a:t>
+              <a:t>beginLoop</a:t>
             </a:r>
             <a:r>
               <a:rPr lang="en-US" sz="1800" dirty="0">
@@ -24259,13 +24125,25 @@
               <a:rPr lang="en-US" sz="1800" dirty="0" err="1">
                 <a:latin typeface="Consolas" pitchFamily="49" charset="0"/>
               </a:rPr>
-              <a:t>subprogDecl</a:t>
-            </a:r>
-            <a:r>
-              <a:rPr lang="en-US" sz="1800" dirty="0">
-                <a:latin typeface="Consolas" pitchFamily="49" charset="0"/>
-              </a:rPr>
-              <a:t> : SubprogramDecl)</a:t>
+              <a:t>stmt</a:t>
+            </a:r>
+            <a:r>
+              <a:rPr lang="en-US" sz="1800" dirty="0">
+                <a:latin typeface="Consolas" pitchFamily="49" charset="0"/>
+              </a:rPr>
+              <a:t> : </a:t>
+            </a:r>
+            <a:r>
+              <a:rPr lang="en-US" sz="1800" dirty="0" err="1">
+                <a:latin typeface="Consolas" pitchFamily="49" charset="0"/>
+              </a:rPr>
+              <a:t>LoopStmt</a:t>
+            </a:r>
+            <a:r>
+              <a:rPr lang="en-US" sz="1800" dirty="0">
+                <a:latin typeface="Consolas" pitchFamily="49" charset="0"/>
+              </a:rPr>
+              <a:t>)</a:t>
             </a:r>
           </a:p>
           <a:p>
@@ -24307,7 +24185,7 @@
               <a:rPr lang="en-US" sz="1800" dirty="0">
                 <a:latin typeface="Consolas" pitchFamily="49" charset="0"/>
               </a:rPr>
-              <a:t> * Called when finished parsing a subprogram declaration.</a:t>
+              <a:t> * Called when finished parsing a loop statement.</a:t>
             </a:r>
           </a:p>
           <a:p>
@@ -24343,7 +24221,7 @@
               <a:rPr lang="en-US" sz="1800" dirty="0" err="1">
                 <a:latin typeface="Consolas" pitchFamily="49" charset="0"/>
               </a:rPr>
-              <a:t>endSubprogramDecl</a:t>
+              <a:t>endLoop</a:t>
             </a:r>
             <a:r>
               <a:rPr lang="en-US" sz="1800" dirty="0">
@@ -24381,354 +24259,7 @@
       </p:grpSpPr>
       <p:sp>
         <p:nvSpPr>
-          <p:cNvPr id="24580" name="Rectangle 2"/>
-          <p:cNvSpPr>
-            <a:spLocks noGrp="1" noChangeArrowheads="1"/>
-          </p:cNvSpPr>
-          <p:nvPr>
-            <p:ph type="title"/>
-          </p:nvPr>
-        </p:nvSpPr>
-        <p:spPr/>
-        <p:txBody>
-          <a:bodyPr/>
-          <a:lstStyle/>
-          <a:p>
-            <a:r>
-              <a:rPr lang="en-US" dirty="0"/>
-              <a:t>Example: Using Context During Parsing</a:t>
-            </a:r>
-          </a:p>
-        </p:txBody>
-      </p:sp>
-      <p:sp>
-        <p:nvSpPr>
-          <p:cNvPr id="24581" name="Rectangle 3"/>
-          <p:cNvSpPr>
-            <a:spLocks noGrp="1" noChangeArrowheads="1"/>
-          </p:cNvSpPr>
-          <p:nvPr>
-            <p:ph type="body" idx="1"/>
-          </p:nvPr>
-        </p:nvSpPr>
-        <p:spPr/>
-        <p:txBody>
-          <a:bodyPr/>
-          <a:lstStyle/>
-          <a:p>
-            <a:r>
-              <a:rPr lang="en-US" dirty="0"/>
-              <a:t>When parsing a loop statement:</a:t>
-            </a:r>
-          </a:p>
-          <a:p>
-            <a:pPr lvl="1">
-              <a:spcBef>
-                <a:spcPts val="400"/>
-              </a:spcBef>
-              <a:buNone/>
-            </a:pPr>
-            <a:r>
-              <a:rPr lang="en-US" sz="1800" dirty="0">
-                <a:latin typeface="Consolas" pitchFamily="49" charset="0"/>
-                <a:cs typeface="Consolas" pitchFamily="49" charset="0"/>
-              </a:rPr>
-              <a:t>val </a:t>
-            </a:r>
-            <a:r>
-              <a:rPr lang="en-US" sz="1800" dirty="0" err="1">
-                <a:latin typeface="Consolas" pitchFamily="49" charset="0"/>
-                <a:cs typeface="Consolas" pitchFamily="49" charset="0"/>
-              </a:rPr>
-              <a:t>stmt</a:t>
-            </a:r>
-            <a:r>
-              <a:rPr lang="en-US" sz="1800" dirty="0">
-                <a:latin typeface="Consolas" pitchFamily="49" charset="0"/>
-                <a:cs typeface="Consolas" pitchFamily="49" charset="0"/>
-              </a:rPr>
-              <a:t> = </a:t>
-            </a:r>
-            <a:r>
-              <a:rPr lang="en-US" sz="1800" dirty="0" err="1">
-                <a:latin typeface="Consolas" pitchFamily="49" charset="0"/>
-                <a:cs typeface="Consolas" pitchFamily="49" charset="0"/>
-              </a:rPr>
-              <a:t>LoopStmt</a:t>
-            </a:r>
-            <a:r>
-              <a:rPr lang="en-US" sz="1800" dirty="0">
-                <a:latin typeface="Consolas" pitchFamily="49" charset="0"/>
-                <a:cs typeface="Consolas" pitchFamily="49" charset="0"/>
-              </a:rPr>
-              <a:t>()</a:t>
-            </a:r>
-          </a:p>
-          <a:p>
-            <a:pPr lvl="1">
-              <a:spcBef>
-                <a:spcPts val="200"/>
-              </a:spcBef>
-              <a:buNone/>
-            </a:pPr>
-            <a:r>
-              <a:rPr lang="en-US" sz="1800" dirty="0">
-                <a:latin typeface="Consolas" pitchFamily="49" charset="0"/>
-                <a:cs typeface="Consolas" pitchFamily="49" charset="0"/>
-              </a:rPr>
-              <a:t>...</a:t>
-            </a:r>
-          </a:p>
-          <a:p>
-            <a:pPr lvl="1">
-              <a:spcBef>
-                <a:spcPts val="200"/>
-              </a:spcBef>
-              <a:buNone/>
-            </a:pPr>
-            <a:r>
-              <a:rPr lang="en-US" sz="1800" dirty="0" err="1">
-                <a:latin typeface="Consolas" pitchFamily="49" charset="0"/>
-                <a:cs typeface="Consolas" pitchFamily="49" charset="0"/>
-              </a:rPr>
-              <a:t>loopContext.beginLoop</a:t>
-            </a:r>
-            <a:r>
-              <a:rPr lang="en-US" sz="1800" dirty="0">
-                <a:latin typeface="Consolas" pitchFamily="49" charset="0"/>
-                <a:cs typeface="Consolas" pitchFamily="49" charset="0"/>
-              </a:rPr>
-              <a:t>(</a:t>
-            </a:r>
-            <a:r>
-              <a:rPr lang="en-US" sz="1800" dirty="0" err="1">
-                <a:latin typeface="Consolas" pitchFamily="49" charset="0"/>
-                <a:cs typeface="Consolas" pitchFamily="49" charset="0"/>
-              </a:rPr>
-              <a:t>stmt</a:t>
-            </a:r>
-            <a:r>
-              <a:rPr lang="en-US" sz="1800" dirty="0">
-                <a:latin typeface="Consolas" pitchFamily="49" charset="0"/>
-                <a:cs typeface="Consolas" pitchFamily="49" charset="0"/>
-              </a:rPr>
-              <a:t>)</a:t>
-            </a:r>
-          </a:p>
-          <a:p>
-            <a:pPr lvl="1">
-              <a:spcBef>
-                <a:spcPts val="200"/>
-              </a:spcBef>
-              <a:buNone/>
-            </a:pPr>
-            <a:r>
-              <a:rPr lang="en-US" sz="1800" dirty="0" err="1">
-                <a:latin typeface="Consolas" pitchFamily="49" charset="0"/>
-                <a:cs typeface="Consolas" pitchFamily="49" charset="0"/>
-              </a:rPr>
-              <a:t>stmt.statements</a:t>
-            </a:r>
-            <a:r>
-              <a:rPr lang="en-US" sz="1800" dirty="0">
-                <a:latin typeface="Consolas" pitchFamily="49" charset="0"/>
-                <a:cs typeface="Consolas" pitchFamily="49" charset="0"/>
-              </a:rPr>
-              <a:t> = parseStatements()</a:t>
-            </a:r>
-          </a:p>
-          <a:p>
-            <a:pPr lvl="1">
-              <a:spcBef>
-                <a:spcPts val="200"/>
-              </a:spcBef>
-              <a:buNone/>
-            </a:pPr>
-            <a:r>
-              <a:rPr lang="en-US" sz="1800" dirty="0" err="1">
-                <a:latin typeface="Consolas" pitchFamily="49" charset="0"/>
-                <a:cs typeface="Consolas" pitchFamily="49" charset="0"/>
-              </a:rPr>
-              <a:t>loopContext.endLoop</a:t>
-            </a:r>
-            <a:r>
-              <a:rPr lang="en-US" sz="1800" dirty="0">
-                <a:latin typeface="Consolas" pitchFamily="49" charset="0"/>
-                <a:cs typeface="Consolas" pitchFamily="49" charset="0"/>
-              </a:rPr>
-              <a:t>()</a:t>
-            </a:r>
-          </a:p>
-          <a:p>
-            <a:r>
-              <a:rPr lang="en-US" dirty="0"/>
-              <a:t>When parsing an exit statement:</a:t>
-            </a:r>
-          </a:p>
-          <a:p>
-            <a:pPr lvl="1">
-              <a:spcBef>
-                <a:spcPts val="400"/>
-              </a:spcBef>
-              <a:buNone/>
-            </a:pPr>
-            <a:r>
-              <a:rPr lang="en-US" sz="1800" dirty="0">
-                <a:latin typeface="Consolas" pitchFamily="49" charset="0"/>
-                <a:cs typeface="Consolas" pitchFamily="49" charset="0"/>
-              </a:rPr>
-              <a:t>val </a:t>
-            </a:r>
-            <a:r>
-              <a:rPr lang="en-US" sz="1800" dirty="0" err="1">
-                <a:latin typeface="Consolas" pitchFamily="49" charset="0"/>
-                <a:cs typeface="Consolas" pitchFamily="49" charset="0"/>
-              </a:rPr>
-              <a:t>loopStmt</a:t>
-            </a:r>
-            <a:r>
-              <a:rPr lang="en-US" sz="1800" dirty="0">
-                <a:latin typeface="Consolas" pitchFamily="49" charset="0"/>
-                <a:cs typeface="Consolas" pitchFamily="49" charset="0"/>
-              </a:rPr>
-              <a:t> = </a:t>
-            </a:r>
-            <a:r>
-              <a:rPr lang="en-US" sz="1800" dirty="0" err="1">
-                <a:latin typeface="Consolas" pitchFamily="49" charset="0"/>
-                <a:cs typeface="Consolas" pitchFamily="49" charset="0"/>
-              </a:rPr>
-              <a:t>loopContext.loopStmt</a:t>
-            </a:r>
-            <a:r>
-              <a:rPr lang="en-US" sz="1800" dirty="0">
-                <a:latin typeface="Consolas" pitchFamily="49" charset="0"/>
-                <a:cs typeface="Consolas" pitchFamily="49" charset="0"/>
-              </a:rPr>
-              <a:t> ?: throw </a:t>
-            </a:r>
-          </a:p>
-          <a:p>
-            <a:pPr lvl="1">
-              <a:spcBef>
-                <a:spcPts val="200"/>
-              </a:spcBef>
-              <a:buNone/>
-            </a:pPr>
-            <a:r>
-              <a:rPr lang="en-US" sz="1800" dirty="0">
-                <a:latin typeface="Consolas" pitchFamily="49" charset="0"/>
-                <a:cs typeface="Consolas" pitchFamily="49" charset="0"/>
-              </a:rPr>
-              <a:t>        error(</a:t>
-            </a:r>
-            <a:r>
-              <a:rPr lang="en-US" sz="1800" dirty="0" err="1">
-                <a:latin typeface="Consolas" pitchFamily="49" charset="0"/>
-                <a:cs typeface="Consolas" pitchFamily="49" charset="0"/>
-              </a:rPr>
-              <a:t>exitPosition</a:t>
-            </a:r>
-            <a:r>
-              <a:rPr lang="en-US" sz="1800" dirty="0">
-                <a:latin typeface="Consolas" pitchFamily="49" charset="0"/>
-                <a:cs typeface="Consolas" pitchFamily="49" charset="0"/>
-              </a:rPr>
-              <a:t>,</a:t>
-            </a:r>
-          </a:p>
-          <a:p>
-            <a:pPr lvl="1">
-              <a:spcBef>
-                <a:spcPts val="200"/>
-              </a:spcBef>
-              <a:buNone/>
-            </a:pPr>
-            <a:r>
-              <a:rPr lang="en-US" sz="1800" dirty="0">
-                <a:latin typeface="Consolas" pitchFamily="49" charset="0"/>
-                <a:cs typeface="Consolas" pitchFamily="49" charset="0"/>
-              </a:rPr>
-              <a:t>              "Exit statement is not nested within a loop.")</a:t>
-            </a:r>
-          </a:p>
-          <a:p>
-            <a:pPr lvl="1">
-              <a:spcBef>
-                <a:spcPts val="200"/>
-              </a:spcBef>
-              <a:buNone/>
-            </a:pPr>
-            <a:r>
-              <a:rPr lang="en-US" sz="1800" dirty="0">
-                <a:latin typeface="Consolas" pitchFamily="49" charset="0"/>
-                <a:cs typeface="Consolas" pitchFamily="49" charset="0"/>
-              </a:rPr>
-              <a:t>match(Symbol.semicolon)</a:t>
-            </a:r>
-          </a:p>
-          <a:p>
-            <a:pPr lvl="1">
-              <a:spcBef>
-                <a:spcPts val="200"/>
-              </a:spcBef>
-              <a:buNone/>
-            </a:pPr>
-            <a:r>
-              <a:rPr lang="en-US" sz="1800" dirty="0">
-                <a:latin typeface="Consolas" pitchFamily="49" charset="0"/>
-                <a:cs typeface="Consolas" pitchFamily="49" charset="0"/>
-              </a:rPr>
-              <a:t>return </a:t>
-            </a:r>
-            <a:r>
-              <a:rPr lang="en-US" sz="1800" dirty="0" err="1">
-                <a:latin typeface="Consolas" pitchFamily="49" charset="0"/>
-                <a:cs typeface="Consolas" pitchFamily="49" charset="0"/>
-              </a:rPr>
-              <a:t>ExitStmt</a:t>
-            </a:r>
-            <a:r>
-              <a:rPr lang="en-US" sz="1800" dirty="0">
-                <a:latin typeface="Consolas" pitchFamily="49" charset="0"/>
-                <a:cs typeface="Consolas" pitchFamily="49" charset="0"/>
-              </a:rPr>
-              <a:t>(</a:t>
-            </a:r>
-            <a:r>
-              <a:rPr lang="en-US" sz="1800" dirty="0" err="1">
-                <a:latin typeface="Consolas" pitchFamily="49" charset="0"/>
-                <a:cs typeface="Consolas" pitchFamily="49" charset="0"/>
-              </a:rPr>
-              <a:t>whenExpr</a:t>
-            </a:r>
-            <a:r>
-              <a:rPr lang="en-US" sz="1800" dirty="0">
-                <a:latin typeface="Consolas" pitchFamily="49" charset="0"/>
-                <a:cs typeface="Consolas" pitchFamily="49" charset="0"/>
-              </a:rPr>
-              <a:t>, </a:t>
-            </a:r>
-            <a:r>
-              <a:rPr lang="en-US" sz="1800" dirty="0" err="1">
-                <a:latin typeface="Consolas" pitchFamily="49" charset="0"/>
-                <a:cs typeface="Consolas" pitchFamily="49" charset="0"/>
-              </a:rPr>
-              <a:t>loopStmt</a:t>
-            </a:r>
-            <a:r>
-              <a:rPr lang="en-US" sz="1800" dirty="0">
-                <a:latin typeface="Consolas" pitchFamily="49" charset="0"/>
-                <a:cs typeface="Consolas" pitchFamily="49" charset="0"/>
-              </a:rPr>
-              <a:t>)</a:t>
-            </a:r>
-          </a:p>
-        </p:txBody>
-      </p:sp>
-      <p:sp>
-        <p:nvSpPr>
-          <p:cNvPr id="24578" name="Footer Placeholder 3"/>
+          <p:cNvPr id="23554" name="Footer Placeholder 3"/>
           <p:cNvSpPr>
             <a:spLocks noGrp="1"/>
           </p:cNvSpPr>
@@ -24736,7 +24267,9 @@
             <p:ph type="ftr" sz="quarter" idx="10"/>
           </p:nvPr>
         </p:nvSpPr>
-        <p:spPr/>
+        <p:spPr>
+          <a:noFill/>
+        </p:spPr>
         <p:txBody>
           <a:bodyPr/>
           <a:lstStyle/>
@@ -24750,7 +24283,7 @@
       </p:sp>
       <p:sp>
         <p:nvSpPr>
-          <p:cNvPr id="24579" name="Slide Number Placeholder 4"/>
+          <p:cNvPr id="23555" name="Slide Number Placeholder 4"/>
           <p:cNvSpPr>
             <a:spLocks noGrp="1"/>
           </p:cNvSpPr>
@@ -24758,7 +24291,9 @@
             <p:ph type="sldNum" sz="quarter" idx="11"/>
           </p:nvPr>
         </p:nvSpPr>
-        <p:spPr/>
+        <p:spPr>
+          <a:noFill/>
+        </p:spPr>
         <p:txBody>
           <a:bodyPr/>
           <a:lstStyle/>
@@ -24767,12 +24302,320 @@
               <a:rPr lang="en-US" dirty="0"/>
               <a:t>Slide </a:t>
             </a:r>
-            <a:fld id="{5290820B-F486-4161-A33F-1CCFEEE1147B}" type="slidenum">
+            <a:fld id="{239EA5B9-23A7-4CC1-AF6B-C52A3FEA3809}" type="slidenum">
               <a:rPr lang="en-US" smtClean="0"/>
               <a:pPr/>
               <a:t>55</a:t>
             </a:fld>
             <a:endParaRPr lang="en-US" dirty="0"/>
+          </a:p>
+        </p:txBody>
+      </p:sp>
+      <p:sp>
+        <p:nvSpPr>
+          <p:cNvPr id="23556" name="Rectangle 2"/>
+          <p:cNvSpPr>
+            <a:spLocks noGrp="1" noChangeArrowheads="1"/>
+          </p:cNvSpPr>
+          <p:nvPr>
+            <p:ph type="title"/>
+          </p:nvPr>
+        </p:nvSpPr>
+        <p:spPr/>
+        <p:txBody>
+          <a:bodyPr/>
+          <a:lstStyle/>
+          <a:p>
+            <a:r>
+              <a:rPr lang="en-US" dirty="0"/>
+              <a:t>Class </a:t>
+            </a:r>
+            <a:r>
+              <a:rPr lang="en-US" dirty="0">
+                <a:latin typeface="Consolas" pitchFamily="49" charset="0"/>
+                <a:cs typeface="Consolas" pitchFamily="49" charset="0"/>
+              </a:rPr>
+              <a:t>SubprogramContext</a:t>
+            </a:r>
+            <a:endParaRPr lang="en-US" sz="2800" dirty="0">
+              <a:cs typeface="Consolas" pitchFamily="49" charset="0"/>
+            </a:endParaRPr>
+          </a:p>
+        </p:txBody>
+      </p:sp>
+      <p:sp>
+        <p:nvSpPr>
+          <p:cNvPr id="23557" name="Rectangle 3"/>
+          <p:cNvSpPr>
+            <a:spLocks noGrp="1" noChangeArrowheads="1"/>
+          </p:cNvSpPr>
+          <p:nvPr>
+            <p:ph type="body" idx="1"/>
+          </p:nvPr>
+        </p:nvSpPr>
+        <p:spPr>
+          <a:xfrm>
+            <a:off x="458787" y="1363663"/>
+            <a:ext cx="8321040" cy="4935537"/>
+          </a:xfrm>
+        </p:spPr>
+        <p:txBody>
+          <a:bodyPr lIns="182880" tIns="91440"/>
+          <a:lstStyle/>
+          <a:p>
+            <a:pPr marL="91440" indent="0">
+              <a:spcBef>
+                <a:spcPts val="100"/>
+              </a:spcBef>
+              <a:buFontTx/>
+              <a:buNone/>
+            </a:pPr>
+            <a:r>
+              <a:rPr lang="en-US" sz="1800" dirty="0">
+                <a:latin typeface="Consolas" pitchFamily="49" charset="0"/>
+              </a:rPr>
+              <a:t>/**</a:t>
+            </a:r>
+          </a:p>
+          <a:p>
+            <a:pPr marL="91440" indent="0">
+              <a:spcBef>
+                <a:spcPts val="100"/>
+              </a:spcBef>
+              <a:buFontTx/>
+              <a:buNone/>
+            </a:pPr>
+            <a:r>
+              <a:rPr lang="en-US" sz="1800" dirty="0">
+                <a:latin typeface="Consolas" pitchFamily="49" charset="0"/>
+              </a:rPr>
+              <a:t> * The subprogram declaration currently being parsed;</a:t>
+            </a:r>
+          </a:p>
+          <a:p>
+            <a:pPr marL="91440" indent="0">
+              <a:spcBef>
+                <a:spcPts val="100"/>
+              </a:spcBef>
+              <a:buFontTx/>
+              <a:buNone/>
+            </a:pPr>
+            <a:r>
+              <a:rPr lang="en-US" sz="1800" dirty="0">
+                <a:latin typeface="Consolas" pitchFamily="49" charset="0"/>
+              </a:rPr>
+              <a:t> * null if not currently parsing a subprogram.</a:t>
+            </a:r>
+          </a:p>
+          <a:p>
+            <a:pPr marL="91440" indent="0">
+              <a:spcBef>
+                <a:spcPts val="100"/>
+              </a:spcBef>
+              <a:buFontTx/>
+              <a:buNone/>
+            </a:pPr>
+            <a:r>
+              <a:rPr lang="en-US" sz="1800" dirty="0">
+                <a:latin typeface="Consolas" pitchFamily="49" charset="0"/>
+              </a:rPr>
+              <a:t> */</a:t>
+            </a:r>
+          </a:p>
+          <a:p>
+            <a:pPr marL="91440" indent="0">
+              <a:spcBef>
+                <a:spcPts val="100"/>
+              </a:spcBef>
+              <a:buFontTx/>
+              <a:buNone/>
+            </a:pPr>
+            <a:r>
+              <a:rPr lang="en-US" sz="1800" dirty="0">
+                <a:latin typeface="Consolas" pitchFamily="49" charset="0"/>
+              </a:rPr>
+              <a:t>var subprogramDecl : SubprogramDecl? = null</a:t>
+            </a:r>
+          </a:p>
+          <a:p>
+            <a:pPr marL="91440" indent="0">
+              <a:spcBef>
+                <a:spcPts val="100"/>
+              </a:spcBef>
+              <a:buFontTx/>
+              <a:buNone/>
+            </a:pPr>
+            <a:endParaRPr lang="en-US" sz="1800" dirty="0">
+              <a:latin typeface="Consolas" pitchFamily="49" charset="0"/>
+            </a:endParaRPr>
+          </a:p>
+          <a:p>
+            <a:pPr marL="91440" indent="0">
+              <a:spcBef>
+                <a:spcPts val="100"/>
+              </a:spcBef>
+              <a:buFontTx/>
+              <a:buNone/>
+            </a:pPr>
+            <a:r>
+              <a:rPr lang="en-US" sz="1800" dirty="0">
+                <a:latin typeface="Consolas" pitchFamily="49" charset="0"/>
+              </a:rPr>
+              <a:t>/**</a:t>
+            </a:r>
+          </a:p>
+          <a:p>
+            <a:pPr marL="91440" indent="0">
+              <a:spcBef>
+                <a:spcPts val="100"/>
+              </a:spcBef>
+              <a:buFontTx/>
+              <a:buNone/>
+            </a:pPr>
+            <a:r>
+              <a:rPr lang="en-US" sz="1800" dirty="0">
+                <a:latin typeface="Consolas" pitchFamily="49" charset="0"/>
+              </a:rPr>
+              <a:t> * Called when starting to parse a subprogram declaration.</a:t>
+            </a:r>
+          </a:p>
+          <a:p>
+            <a:pPr marL="91440" indent="0">
+              <a:spcBef>
+                <a:spcPts val="100"/>
+              </a:spcBef>
+              <a:buFontTx/>
+              <a:buNone/>
+            </a:pPr>
+            <a:r>
+              <a:rPr lang="en-US" sz="1800" dirty="0">
+                <a:latin typeface="Consolas" pitchFamily="49" charset="0"/>
+              </a:rPr>
+              <a:t> */</a:t>
+            </a:r>
+          </a:p>
+          <a:p>
+            <a:pPr marL="91440" indent="0">
+              <a:spcBef>
+                <a:spcPts val="100"/>
+              </a:spcBef>
+              <a:buFontTx/>
+              <a:buNone/>
+            </a:pPr>
+            <a:r>
+              <a:rPr lang="en-US" sz="1800" dirty="0">
+                <a:latin typeface="Consolas" pitchFamily="49" charset="0"/>
+              </a:rPr>
+              <a:t>fun </a:t>
+            </a:r>
+            <a:r>
+              <a:rPr lang="en-US" sz="1800" dirty="0" err="1">
+                <a:latin typeface="Consolas" pitchFamily="49" charset="0"/>
+              </a:rPr>
+              <a:t>beginSubprogramDecl</a:t>
+            </a:r>
+            <a:r>
+              <a:rPr lang="en-US" sz="1800" dirty="0">
+                <a:latin typeface="Consolas" pitchFamily="49" charset="0"/>
+              </a:rPr>
+              <a:t>(</a:t>
+            </a:r>
+            <a:r>
+              <a:rPr lang="en-US" sz="1800" dirty="0" err="1">
+                <a:latin typeface="Consolas" pitchFamily="49" charset="0"/>
+              </a:rPr>
+              <a:t>subprogDecl</a:t>
+            </a:r>
+            <a:r>
+              <a:rPr lang="en-US" sz="1800" dirty="0">
+                <a:latin typeface="Consolas" pitchFamily="49" charset="0"/>
+              </a:rPr>
+              <a:t> : SubprogramDecl)</a:t>
+            </a:r>
+          </a:p>
+          <a:p>
+            <a:pPr marL="91440" indent="0">
+              <a:spcBef>
+                <a:spcPts val="100"/>
+              </a:spcBef>
+              <a:buFontTx/>
+              <a:buNone/>
+            </a:pPr>
+            <a:endParaRPr lang="en-US" sz="1800" dirty="0">
+              <a:latin typeface="Consolas" pitchFamily="49" charset="0"/>
+            </a:endParaRPr>
+          </a:p>
+          <a:p>
+            <a:pPr marL="91440" indent="0">
+              <a:spcBef>
+                <a:spcPts val="100"/>
+              </a:spcBef>
+              <a:buFontTx/>
+              <a:buNone/>
+            </a:pPr>
+            <a:r>
+              <a:rPr lang="en-US" sz="1800" dirty="0">
+                <a:latin typeface="Consolas" pitchFamily="49" charset="0"/>
+              </a:rPr>
+              <a:t>/**</a:t>
+            </a:r>
+          </a:p>
+          <a:p>
+            <a:pPr marL="91440" indent="0">
+              <a:spcBef>
+                <a:spcPts val="100"/>
+              </a:spcBef>
+              <a:buFontTx/>
+              <a:buNone/>
+            </a:pPr>
+            <a:r>
+              <a:rPr lang="en-US" sz="1800" dirty="0">
+                <a:latin typeface="Consolas" pitchFamily="49" charset="0"/>
+              </a:rPr>
+              <a:t> * Called when finished parsing a subprogram declaration.</a:t>
+            </a:r>
+          </a:p>
+          <a:p>
+            <a:pPr marL="91440" indent="0">
+              <a:spcBef>
+                <a:spcPts val="100"/>
+              </a:spcBef>
+              <a:buFontTx/>
+              <a:buNone/>
+            </a:pPr>
+            <a:r>
+              <a:rPr lang="en-US" sz="1800" dirty="0">
+                <a:latin typeface="Consolas" pitchFamily="49" charset="0"/>
+              </a:rPr>
+              <a:t> */</a:t>
+            </a:r>
+          </a:p>
+          <a:p>
+            <a:pPr marL="91440" indent="0">
+              <a:spcBef>
+                <a:spcPts val="100"/>
+              </a:spcBef>
+              <a:buFontTx/>
+              <a:buNone/>
+            </a:pPr>
+            <a:r>
+              <a:rPr lang="en-US" sz="1800" dirty="0">
+                <a:latin typeface="Consolas" pitchFamily="49" charset="0"/>
+              </a:rPr>
+              <a:t>fun </a:t>
+            </a:r>
+            <a:r>
+              <a:rPr lang="en-US" sz="1800" dirty="0" err="1">
+                <a:latin typeface="Consolas" pitchFamily="49" charset="0"/>
+              </a:rPr>
+              <a:t>endSubprogramDecl</a:t>
+            </a:r>
+            <a:r>
+              <a:rPr lang="en-US" sz="1800" dirty="0">
+                <a:latin typeface="Consolas" pitchFamily="49" charset="0"/>
+              </a:rPr>
+              <a:t>()</a:t>
+            </a:r>
           </a:p>
         </p:txBody>
       </p:sp>
@@ -24803,6 +24646,428 @@
       </p:grpSpPr>
       <p:sp>
         <p:nvSpPr>
+          <p:cNvPr id="24580" name="Rectangle 2"/>
+          <p:cNvSpPr>
+            <a:spLocks noGrp="1" noChangeArrowheads="1"/>
+          </p:cNvSpPr>
+          <p:nvPr>
+            <p:ph type="title"/>
+          </p:nvPr>
+        </p:nvSpPr>
+        <p:spPr/>
+        <p:txBody>
+          <a:bodyPr/>
+          <a:lstStyle/>
+          <a:p>
+            <a:r>
+              <a:rPr lang="en-US" dirty="0"/>
+              <a:t>Example: Using Context During Parsing</a:t>
+            </a:r>
+          </a:p>
+        </p:txBody>
+      </p:sp>
+      <p:sp>
+        <p:nvSpPr>
+          <p:cNvPr id="24581" name="Rectangle 3"/>
+          <p:cNvSpPr>
+            <a:spLocks noGrp="1" noChangeArrowheads="1"/>
+          </p:cNvSpPr>
+          <p:nvPr>
+            <p:ph type="body" idx="1"/>
+          </p:nvPr>
+        </p:nvSpPr>
+        <p:spPr/>
+        <p:txBody>
+          <a:bodyPr/>
+          <a:lstStyle/>
+          <a:p>
+            <a:r>
+              <a:rPr lang="en-US" dirty="0"/>
+              <a:t>When parsing a loop statement:</a:t>
+            </a:r>
+          </a:p>
+          <a:p>
+            <a:pPr lvl="1">
+              <a:spcBef>
+                <a:spcPts val="400"/>
+              </a:spcBef>
+              <a:buNone/>
+            </a:pPr>
+            <a:r>
+              <a:rPr lang="en-US" sz="1800" dirty="0">
+                <a:latin typeface="Consolas" pitchFamily="49" charset="0"/>
+                <a:cs typeface="Consolas" pitchFamily="49" charset="0"/>
+              </a:rPr>
+              <a:t>val </a:t>
+            </a:r>
+            <a:r>
+              <a:rPr lang="en-US" sz="1800" dirty="0" err="1">
+                <a:latin typeface="Consolas" pitchFamily="49" charset="0"/>
+                <a:cs typeface="Consolas" pitchFamily="49" charset="0"/>
+              </a:rPr>
+              <a:t>stmt</a:t>
+            </a:r>
+            <a:r>
+              <a:rPr lang="en-US" sz="1800" dirty="0">
+                <a:latin typeface="Consolas" pitchFamily="49" charset="0"/>
+                <a:cs typeface="Consolas" pitchFamily="49" charset="0"/>
+              </a:rPr>
+              <a:t> = </a:t>
+            </a:r>
+            <a:r>
+              <a:rPr lang="en-US" sz="1800" dirty="0" err="1">
+                <a:latin typeface="Consolas" pitchFamily="49" charset="0"/>
+                <a:cs typeface="Consolas" pitchFamily="49" charset="0"/>
+              </a:rPr>
+              <a:t>LoopStmt</a:t>
+            </a:r>
+            <a:r>
+              <a:rPr lang="en-US" sz="1800" dirty="0">
+                <a:latin typeface="Consolas" pitchFamily="49" charset="0"/>
+                <a:cs typeface="Consolas" pitchFamily="49" charset="0"/>
+              </a:rPr>
+              <a:t>()</a:t>
+            </a:r>
+          </a:p>
+          <a:p>
+            <a:pPr lvl="1">
+              <a:spcBef>
+                <a:spcPts val="200"/>
+              </a:spcBef>
+              <a:buNone/>
+            </a:pPr>
+            <a:r>
+              <a:rPr lang="en-US" sz="1800" dirty="0">
+                <a:latin typeface="Consolas" pitchFamily="49" charset="0"/>
+                <a:cs typeface="Consolas" pitchFamily="49" charset="0"/>
+              </a:rPr>
+              <a:t>...</a:t>
+            </a:r>
+          </a:p>
+          <a:p>
+            <a:pPr lvl="1">
+              <a:spcBef>
+                <a:spcPts val="200"/>
+              </a:spcBef>
+              <a:buNone/>
+            </a:pPr>
+            <a:r>
+              <a:rPr lang="en-US" sz="1800" dirty="0" err="1">
+                <a:latin typeface="Consolas" pitchFamily="49" charset="0"/>
+                <a:cs typeface="Consolas" pitchFamily="49" charset="0"/>
+              </a:rPr>
+              <a:t>loopContext.beginLoop</a:t>
+            </a:r>
+            <a:r>
+              <a:rPr lang="en-US" sz="1800" dirty="0">
+                <a:latin typeface="Consolas" pitchFamily="49" charset="0"/>
+                <a:cs typeface="Consolas" pitchFamily="49" charset="0"/>
+              </a:rPr>
+              <a:t>(</a:t>
+            </a:r>
+            <a:r>
+              <a:rPr lang="en-US" sz="1800" dirty="0" err="1">
+                <a:latin typeface="Consolas" pitchFamily="49" charset="0"/>
+                <a:cs typeface="Consolas" pitchFamily="49" charset="0"/>
+              </a:rPr>
+              <a:t>stmt</a:t>
+            </a:r>
+            <a:r>
+              <a:rPr lang="en-US" sz="1800" dirty="0">
+                <a:latin typeface="Consolas" pitchFamily="49" charset="0"/>
+                <a:cs typeface="Consolas" pitchFamily="49" charset="0"/>
+              </a:rPr>
+              <a:t>)</a:t>
+            </a:r>
+          </a:p>
+          <a:p>
+            <a:pPr lvl="1">
+              <a:spcBef>
+                <a:spcPts val="200"/>
+              </a:spcBef>
+              <a:buNone/>
+            </a:pPr>
+            <a:r>
+              <a:rPr lang="en-US" sz="1800" dirty="0" err="1">
+                <a:latin typeface="Consolas" pitchFamily="49" charset="0"/>
+                <a:cs typeface="Consolas" pitchFamily="49" charset="0"/>
+              </a:rPr>
+              <a:t>stmt.statements</a:t>
+            </a:r>
+            <a:r>
+              <a:rPr lang="en-US" sz="1800" dirty="0">
+                <a:latin typeface="Consolas" pitchFamily="49" charset="0"/>
+                <a:cs typeface="Consolas" pitchFamily="49" charset="0"/>
+              </a:rPr>
+              <a:t> = parseStatements()</a:t>
+            </a:r>
+          </a:p>
+          <a:p>
+            <a:pPr lvl="1">
+              <a:spcBef>
+                <a:spcPts val="200"/>
+              </a:spcBef>
+              <a:buNone/>
+            </a:pPr>
+            <a:r>
+              <a:rPr lang="en-US" sz="1800" dirty="0" err="1">
+                <a:latin typeface="Consolas" pitchFamily="49" charset="0"/>
+                <a:cs typeface="Consolas" pitchFamily="49" charset="0"/>
+              </a:rPr>
+              <a:t>loopContext.endLoop</a:t>
+            </a:r>
+            <a:r>
+              <a:rPr lang="en-US" sz="1800" dirty="0">
+                <a:latin typeface="Consolas" pitchFamily="49" charset="0"/>
+                <a:cs typeface="Consolas" pitchFamily="49" charset="0"/>
+              </a:rPr>
+              <a:t>()</a:t>
+            </a:r>
+          </a:p>
+          <a:p>
+            <a:r>
+              <a:rPr lang="en-US" dirty="0"/>
+              <a:t>When parsing an exit statement:</a:t>
+            </a:r>
+          </a:p>
+          <a:p>
+            <a:pPr lvl="1">
+              <a:spcBef>
+                <a:spcPts val="400"/>
+              </a:spcBef>
+              <a:buNone/>
+            </a:pPr>
+            <a:r>
+              <a:rPr lang="en-US" sz="1800" dirty="0">
+                <a:latin typeface="Consolas" pitchFamily="49" charset="0"/>
+                <a:cs typeface="Consolas" pitchFamily="49" charset="0"/>
+              </a:rPr>
+              <a:t>val </a:t>
+            </a:r>
+            <a:r>
+              <a:rPr lang="en-US" sz="1800" dirty="0" err="1">
+                <a:latin typeface="Consolas" pitchFamily="49" charset="0"/>
+                <a:cs typeface="Consolas" pitchFamily="49" charset="0"/>
+              </a:rPr>
+              <a:t>loopStmt</a:t>
+            </a:r>
+            <a:r>
+              <a:rPr lang="en-US" sz="1800" dirty="0">
+                <a:latin typeface="Consolas" pitchFamily="49" charset="0"/>
+                <a:cs typeface="Consolas" pitchFamily="49" charset="0"/>
+              </a:rPr>
+              <a:t> = </a:t>
+            </a:r>
+            <a:r>
+              <a:rPr lang="en-US" sz="1800" dirty="0" err="1">
+                <a:latin typeface="Consolas" pitchFamily="49" charset="0"/>
+                <a:cs typeface="Consolas" pitchFamily="49" charset="0"/>
+              </a:rPr>
+              <a:t>loopContext.loopStmt</a:t>
+            </a:r>
+            <a:r>
+              <a:rPr lang="en-US" sz="1800" dirty="0">
+                <a:latin typeface="Consolas" pitchFamily="49" charset="0"/>
+                <a:cs typeface="Consolas" pitchFamily="49" charset="0"/>
+              </a:rPr>
+              <a:t> ?: throw </a:t>
+            </a:r>
+          </a:p>
+          <a:p>
+            <a:pPr lvl="1">
+              <a:spcBef>
+                <a:spcPts val="200"/>
+              </a:spcBef>
+              <a:buNone/>
+            </a:pPr>
+            <a:r>
+              <a:rPr lang="en-US" sz="1800" dirty="0">
+                <a:latin typeface="Consolas" pitchFamily="49" charset="0"/>
+                <a:cs typeface="Consolas" pitchFamily="49" charset="0"/>
+              </a:rPr>
+              <a:t>        error(</a:t>
+            </a:r>
+            <a:r>
+              <a:rPr lang="en-US" sz="1800" dirty="0" err="1">
+                <a:latin typeface="Consolas" pitchFamily="49" charset="0"/>
+                <a:cs typeface="Consolas" pitchFamily="49" charset="0"/>
+              </a:rPr>
+              <a:t>exitPosition</a:t>
+            </a:r>
+            <a:r>
+              <a:rPr lang="en-US" sz="1800" dirty="0">
+                <a:latin typeface="Consolas" pitchFamily="49" charset="0"/>
+                <a:cs typeface="Consolas" pitchFamily="49" charset="0"/>
+              </a:rPr>
+              <a:t>,</a:t>
+            </a:r>
+          </a:p>
+          <a:p>
+            <a:pPr lvl="1">
+              <a:spcBef>
+                <a:spcPts val="200"/>
+              </a:spcBef>
+              <a:buNone/>
+            </a:pPr>
+            <a:r>
+              <a:rPr lang="en-US" sz="1800" dirty="0">
+                <a:latin typeface="Consolas" pitchFamily="49" charset="0"/>
+                <a:cs typeface="Consolas" pitchFamily="49" charset="0"/>
+              </a:rPr>
+              <a:t>              "Exit statement is not nested within a loop.")</a:t>
+            </a:r>
+          </a:p>
+          <a:p>
+            <a:pPr lvl="1">
+              <a:spcBef>
+                <a:spcPts val="200"/>
+              </a:spcBef>
+              <a:buNone/>
+            </a:pPr>
+            <a:r>
+              <a:rPr lang="en-US" sz="1800" dirty="0">
+                <a:latin typeface="Consolas" pitchFamily="49" charset="0"/>
+                <a:cs typeface="Consolas" pitchFamily="49" charset="0"/>
+              </a:rPr>
+              <a:t>match(Symbol.semicolon)</a:t>
+            </a:r>
+          </a:p>
+          <a:p>
+            <a:pPr lvl="1">
+              <a:spcBef>
+                <a:spcPts val="200"/>
+              </a:spcBef>
+              <a:buNone/>
+            </a:pPr>
+            <a:r>
+              <a:rPr lang="en-US" sz="1800" dirty="0">
+                <a:latin typeface="Consolas" pitchFamily="49" charset="0"/>
+                <a:cs typeface="Consolas" pitchFamily="49" charset="0"/>
+              </a:rPr>
+              <a:t>return </a:t>
+            </a:r>
+            <a:r>
+              <a:rPr lang="en-US" sz="1800" dirty="0" err="1">
+                <a:latin typeface="Consolas" pitchFamily="49" charset="0"/>
+                <a:cs typeface="Consolas" pitchFamily="49" charset="0"/>
+              </a:rPr>
+              <a:t>ExitStmt</a:t>
+            </a:r>
+            <a:r>
+              <a:rPr lang="en-US" sz="1800" dirty="0">
+                <a:latin typeface="Consolas" pitchFamily="49" charset="0"/>
+                <a:cs typeface="Consolas" pitchFamily="49" charset="0"/>
+              </a:rPr>
+              <a:t>(</a:t>
+            </a:r>
+            <a:r>
+              <a:rPr lang="en-US" sz="1800" dirty="0" err="1">
+                <a:latin typeface="Consolas" pitchFamily="49" charset="0"/>
+                <a:cs typeface="Consolas" pitchFamily="49" charset="0"/>
+              </a:rPr>
+              <a:t>whenExpr</a:t>
+            </a:r>
+            <a:r>
+              <a:rPr lang="en-US" sz="1800" dirty="0">
+                <a:latin typeface="Consolas" pitchFamily="49" charset="0"/>
+                <a:cs typeface="Consolas" pitchFamily="49" charset="0"/>
+              </a:rPr>
+              <a:t>, </a:t>
+            </a:r>
+            <a:r>
+              <a:rPr lang="en-US" sz="1800" dirty="0" err="1">
+                <a:latin typeface="Consolas" pitchFamily="49" charset="0"/>
+                <a:cs typeface="Consolas" pitchFamily="49" charset="0"/>
+              </a:rPr>
+              <a:t>loopStmt</a:t>
+            </a:r>
+            <a:r>
+              <a:rPr lang="en-US" sz="1800" dirty="0">
+                <a:latin typeface="Consolas" pitchFamily="49" charset="0"/>
+                <a:cs typeface="Consolas" pitchFamily="49" charset="0"/>
+              </a:rPr>
+              <a:t>)</a:t>
+            </a:r>
+          </a:p>
+        </p:txBody>
+      </p:sp>
+      <p:sp>
+        <p:nvSpPr>
+          <p:cNvPr id="24578" name="Footer Placeholder 3"/>
+          <p:cNvSpPr>
+            <a:spLocks noGrp="1"/>
+          </p:cNvSpPr>
+          <p:nvPr>
+            <p:ph type="ftr" sz="quarter" idx="10"/>
+          </p:nvPr>
+        </p:nvSpPr>
+        <p:spPr/>
+        <p:txBody>
+          <a:bodyPr/>
+          <a:lstStyle/>
+          <a:p>
+            <a:r>
+              <a:rPr lang="en-US" dirty="0"/>
+              <a:t>©SoftMoore Consulting</a:t>
+            </a:r>
+          </a:p>
+        </p:txBody>
+      </p:sp>
+      <p:sp>
+        <p:nvSpPr>
+          <p:cNvPr id="24579" name="Slide Number Placeholder 4"/>
+          <p:cNvSpPr>
+            <a:spLocks noGrp="1"/>
+          </p:cNvSpPr>
+          <p:nvPr>
+            <p:ph type="sldNum" sz="quarter" idx="11"/>
+          </p:nvPr>
+        </p:nvSpPr>
+        <p:spPr/>
+        <p:txBody>
+          <a:bodyPr/>
+          <a:lstStyle/>
+          <a:p>
+            <a:r>
+              <a:rPr lang="en-US" dirty="0"/>
+              <a:t>Slide </a:t>
+            </a:r>
+            <a:fld id="{5290820B-F486-4161-A33F-1CCFEEE1147B}" type="slidenum">
+              <a:rPr lang="en-US" smtClean="0"/>
+              <a:pPr/>
+              <a:t>56</a:t>
+            </a:fld>
+            <a:endParaRPr lang="en-US" dirty="0"/>
+          </a:p>
+        </p:txBody>
+      </p:sp>
+    </p:spTree>
+  </p:cSld>
+  <p:clrMapOvr>
+    <a:masterClrMapping/>
+  </p:clrMapOvr>
+</p:sld>
+</file>
+
+<file path=ppt/slides/slide57.xml><?xml version="1.0" encoding="utf-8"?>
+<p:sld xmlns:a="http://schemas.openxmlformats.org/drawingml/2006/main" xmlns:r="http://schemas.openxmlformats.org/officeDocument/2006/relationships" xmlns:p="http://schemas.openxmlformats.org/presentationml/2006/main">
+  <p:cSld>
+    <p:spTree>
+      <p:nvGrpSpPr>
+        <p:cNvPr id="1" name=""/>
+        <p:cNvGrpSpPr/>
+        <p:nvPr/>
+      </p:nvGrpSpPr>
+      <p:grpSpPr>
+        <a:xfrm>
+          <a:off x="0" y="0"/>
+          <a:ext cx="0" cy="0"/>
+          <a:chOff x="0" y="0"/>
+          <a:chExt cx="0" cy="0"/>
+        </a:xfrm>
+      </p:grpSpPr>
+      <p:sp>
+        <p:nvSpPr>
           <p:cNvPr id="16386" name="Footer Placeholder 3"/>
           <p:cNvSpPr>
             <a:spLocks noGrp="1"/>
@@ -24849,7 +25114,7 @@
             <a:fld id="{134458ED-4E89-4858-9DDE-3B7F8D65D42C}" type="slidenum">
               <a:rPr lang="en-US" smtClean="0"/>
               <a:pPr/>
-              <a:t>56</a:t>
+              <a:t>57</a:t>
             </a:fld>
             <a:endParaRPr lang="en-US" dirty="0"/>
           </a:p>

--- a/PowerPoint Slides/08 - Abstract Syntax Trees.pptx
+++ b/PowerPoint Slides/08 - Abstract Syntax Trees.pptx
@@ -14315,13 +14315,21 @@
           <a:p>
             <a:r>
               <a:rPr lang="en-US" dirty="0"/>
-              <a:t>Each AST class has named instance variables (fields) to reference its children.  These instance variables provide the “tree” structure.</a:t>
-            </a:r>
-          </a:p>
-          <a:p>
-            <a:r>
-              <a:rPr lang="en-US" dirty="0"/>
-              <a:t>Occasionally we also include additional fields to support error handling (e.g., position) and code generation.</a:t>
+              <a:t>Each AST class has named properties to reference its children.  These properties provide the “tree” structure.</a:t>
+            </a:r>
+          </a:p>
+          <a:p>
+            <a:r>
+              <a:rPr lang="en-US" dirty="0"/>
+              <a:t>Occasionally we also include </a:t>
+            </a:r>
+            <a:r>
+              <a:rPr lang="en-US"/>
+              <a:t>additional properties </a:t>
+            </a:r>
+            <a:r>
+              <a:rPr lang="en-US" dirty="0"/>
+              <a:t>to support error handling (e.g., position) and code generation.</a:t>
             </a:r>
           </a:p>
         </p:txBody>

--- a/PowerPoint Slides/08 - Abstract Syntax Trees.pptx
+++ b/PowerPoint Slides/08 - Abstract Syntax Trees.pptx
@@ -8515,23 +8515,64 @@
           </a:p>
         </p:txBody>
       </p:sp>
+      <p:sp>
+        <p:nvSpPr>
+          <p:cNvPr id="23" name="TextBox 22"/>
+          <p:cNvSpPr txBox="1"/>
+          <p:nvPr/>
+        </p:nvSpPr>
+        <p:spPr>
+          <a:xfrm>
+            <a:off x="1752959" y="5638800"/>
+            <a:ext cx="5638083" cy="400110"/>
+          </a:xfrm>
+          <a:prstGeom prst="rect">
+            <a:avLst/>
+          </a:prstGeom>
+          <a:noFill/>
+        </p:spPr>
+        <p:txBody>
+          <a:bodyPr wrap="none" rtlCol="0">
+            <a:spAutoFit/>
+          </a:bodyPr>
+          <a:lstStyle/>
+          <a:p>
+            <a:r>
+              <a:rPr lang="en-US" sz="2000" dirty="0"/>
+              <a:t>(names for abstract classes are shown in italics)</a:t>
+            </a:r>
+          </a:p>
+        </p:txBody>
+      </p:sp>
       <p:grpSp>
         <p:nvGrpSpPr>
-          <p:cNvPr id="3" name="Group 2"/>
+          <p:cNvPr id="52" name="Group 51">
+            <a:extLst>
+              <a:ext uri="{FF2B5EF4-FFF2-40B4-BE49-F238E27FC236}">
+                <a16:creationId xmlns:a16="http://schemas.microsoft.com/office/drawing/2014/main" id="{D0BE1383-2393-444E-A1F6-FE26E7FE2F7B}"/>
+              </a:ext>
+            </a:extLst>
+          </p:cNvPr>
           <p:cNvGrpSpPr/>
           <p:nvPr/>
         </p:nvGrpSpPr>
         <p:grpSpPr>
           <a:xfrm>
-            <a:off x="191123" y="1790785"/>
-            <a:ext cx="8761755" cy="3467015"/>
+            <a:off x="91440" y="1790785"/>
+            <a:ext cx="8961120" cy="3467015"/>
             <a:chOff x="134366" y="1752600"/>
-            <a:chExt cx="8761755" cy="3467015"/>
+            <a:chExt cx="8978210" cy="3467015"/>
           </a:xfrm>
         </p:grpSpPr>
         <p:sp>
           <p:nvSpPr>
-            <p:cNvPr id="11269" name="Text Box 4"/>
+            <p:cNvPr id="53" name="Text Box 4">
+              <a:extLst>
+                <a:ext uri="{FF2B5EF4-FFF2-40B4-BE49-F238E27FC236}">
+                  <a16:creationId xmlns:a16="http://schemas.microsoft.com/office/drawing/2014/main" id="{66F64776-8BB7-41FB-8013-B69F955991C9}"/>
+                </a:ext>
+              </a:extLst>
+            </p:cNvPr>
             <p:cNvSpPr txBox="1">
               <a:spLocks noChangeArrowheads="1"/>
             </p:cNvSpPr>
@@ -8577,7 +8618,13 @@
         </p:sp>
         <p:sp>
           <p:nvSpPr>
-            <p:cNvPr id="11270" name="Text Box 5"/>
+            <p:cNvPr id="54" name="Text Box 5">
+              <a:extLst>
+                <a:ext uri="{FF2B5EF4-FFF2-40B4-BE49-F238E27FC236}">
+                  <a16:creationId xmlns:a16="http://schemas.microsoft.com/office/drawing/2014/main" id="{6B61CED5-C2AF-44B0-8023-9D1257A96215}"/>
+                </a:ext>
+              </a:extLst>
+            </p:cNvPr>
             <p:cNvSpPr txBox="1">
               <a:spLocks noChangeArrowheads="1"/>
             </p:cNvSpPr>
@@ -8621,7 +8668,13 @@
         </p:sp>
         <p:sp>
           <p:nvSpPr>
-            <p:cNvPr id="11271" name="Rectangle 6"/>
+            <p:cNvPr id="55" name="Rectangle 6">
+              <a:extLst>
+                <a:ext uri="{FF2B5EF4-FFF2-40B4-BE49-F238E27FC236}">
+                  <a16:creationId xmlns:a16="http://schemas.microsoft.com/office/drawing/2014/main" id="{B44E5159-9D4C-43C6-9EBD-8C94C9DF0451}"/>
+                </a:ext>
+              </a:extLst>
+            </p:cNvPr>
             <p:cNvSpPr>
               <a:spLocks noChangeArrowheads="1"/>
             </p:cNvSpPr>
@@ -8662,7 +8715,13 @@
         </p:sp>
         <p:sp>
           <p:nvSpPr>
-            <p:cNvPr id="11272" name="Rectangle 7"/>
+            <p:cNvPr id="56" name="Rectangle 7">
+              <a:extLst>
+                <a:ext uri="{FF2B5EF4-FFF2-40B4-BE49-F238E27FC236}">
+                  <a16:creationId xmlns:a16="http://schemas.microsoft.com/office/drawing/2014/main" id="{41F695BA-396C-4548-BF3E-85270CE51A76}"/>
+                </a:ext>
+              </a:extLst>
+            </p:cNvPr>
             <p:cNvSpPr>
               <a:spLocks noChangeArrowheads="1"/>
             </p:cNvSpPr>
@@ -8703,7 +8762,13 @@
         </p:sp>
         <p:sp>
           <p:nvSpPr>
-            <p:cNvPr id="11273" name="Text Box 9"/>
+            <p:cNvPr id="57" name="Text Box 9">
+              <a:extLst>
+                <a:ext uri="{FF2B5EF4-FFF2-40B4-BE49-F238E27FC236}">
+                  <a16:creationId xmlns:a16="http://schemas.microsoft.com/office/drawing/2014/main" id="{D45A7941-F7CC-48C3-98C2-A15310BF6473}"/>
+                </a:ext>
+              </a:extLst>
+            </p:cNvPr>
             <p:cNvSpPr txBox="1">
               <a:spLocks noChangeArrowheads="1"/>
             </p:cNvSpPr>
@@ -8749,7 +8814,13 @@
         </p:sp>
         <p:sp>
           <p:nvSpPr>
-            <p:cNvPr id="11274" name="Text Box 10"/>
+            <p:cNvPr id="58" name="Text Box 10">
+              <a:extLst>
+                <a:ext uri="{FF2B5EF4-FFF2-40B4-BE49-F238E27FC236}">
+                  <a16:creationId xmlns:a16="http://schemas.microsoft.com/office/drawing/2014/main" id="{F1BC16A5-52A7-4A22-87CF-B75789C764D5}"/>
+                </a:ext>
+              </a:extLst>
+            </p:cNvPr>
             <p:cNvSpPr txBox="1">
               <a:spLocks noChangeArrowheads="1"/>
             </p:cNvSpPr>
@@ -8795,7 +8866,13 @@
         </p:sp>
         <p:sp>
           <p:nvSpPr>
-            <p:cNvPr id="11275" name="Text Box 11"/>
+            <p:cNvPr id="59" name="Text Box 11">
+              <a:extLst>
+                <a:ext uri="{FF2B5EF4-FFF2-40B4-BE49-F238E27FC236}">
+                  <a16:creationId xmlns:a16="http://schemas.microsoft.com/office/drawing/2014/main" id="{A5699722-C9B5-4F73-8395-6DAA0594EBB4}"/>
+                </a:ext>
+              </a:extLst>
+            </p:cNvPr>
             <p:cNvSpPr txBox="1">
               <a:spLocks noChangeArrowheads="1"/>
             </p:cNvSpPr>
@@ -8803,7 +8880,7 @@
           </p:nvSpPr>
           <p:spPr bwMode="auto">
             <a:xfrm>
-              <a:off x="4704377" y="3842494"/>
+              <a:off x="4704377" y="3834800"/>
               <a:ext cx="724557" cy="339196"/>
             </a:xfrm>
             <a:prstGeom prst="rect">
@@ -8841,7 +8918,13 @@
         </p:sp>
         <p:sp>
           <p:nvSpPr>
-            <p:cNvPr id="11276" name="Text Box 12"/>
+            <p:cNvPr id="60" name="Text Box 12">
+              <a:extLst>
+                <a:ext uri="{FF2B5EF4-FFF2-40B4-BE49-F238E27FC236}">
+                  <a16:creationId xmlns:a16="http://schemas.microsoft.com/office/drawing/2014/main" id="{3179949A-DC12-4A06-B824-352CC765D9B2}"/>
+                </a:ext>
+              </a:extLst>
+            </p:cNvPr>
             <p:cNvSpPr txBox="1">
               <a:spLocks noChangeArrowheads="1"/>
             </p:cNvSpPr>
@@ -8849,7 +8932,7 @@
           </p:nvSpPr>
           <p:spPr bwMode="auto">
             <a:xfrm>
-              <a:off x="5585101" y="3842494"/>
+              <a:off x="5489822" y="3834800"/>
               <a:ext cx="1064394" cy="339196"/>
             </a:xfrm>
             <a:prstGeom prst="rect">
@@ -8887,7 +8970,13 @@
         </p:sp>
         <p:sp>
           <p:nvSpPr>
-            <p:cNvPr id="11277" name="Rectangle 13"/>
+            <p:cNvPr id="61" name="Rectangle 13">
+              <a:extLst>
+                <a:ext uri="{FF2B5EF4-FFF2-40B4-BE49-F238E27FC236}">
+                  <a16:creationId xmlns:a16="http://schemas.microsoft.com/office/drawing/2014/main" id="{E508DB0C-E2EA-4538-AC52-D738AA7D51F0}"/>
+                </a:ext>
+              </a:extLst>
+            </p:cNvPr>
             <p:cNvSpPr>
               <a:spLocks noChangeArrowheads="1"/>
             </p:cNvSpPr>
@@ -8895,7 +8984,7 @@
           </p:nvSpPr>
           <p:spPr bwMode="auto">
             <a:xfrm>
-              <a:off x="7313068" y="2754656"/>
+              <a:off x="7253880" y="2754656"/>
               <a:ext cx="1199047" cy="339196"/>
             </a:xfrm>
             <a:prstGeom prst="rect">
@@ -8928,7 +9017,13 @@
         </p:sp>
         <p:sp>
           <p:nvSpPr>
-            <p:cNvPr id="11278" name="Text Box 15"/>
+            <p:cNvPr id="62" name="Text Box 15">
+              <a:extLst>
+                <a:ext uri="{FF2B5EF4-FFF2-40B4-BE49-F238E27FC236}">
+                  <a16:creationId xmlns:a16="http://schemas.microsoft.com/office/drawing/2014/main" id="{2F40A697-1916-48D1-A2D2-D0C21EFAB228}"/>
+                </a:ext>
+              </a:extLst>
+            </p:cNvPr>
             <p:cNvSpPr txBox="1">
               <a:spLocks noChangeArrowheads="1"/>
             </p:cNvSpPr>
@@ -8936,7 +9031,7 @@
           </p:nvSpPr>
           <p:spPr bwMode="auto">
             <a:xfrm>
-              <a:off x="6079647" y="4880419"/>
+              <a:off x="5925566" y="4880419"/>
               <a:ext cx="1243931" cy="339196"/>
             </a:xfrm>
             <a:prstGeom prst="rect">
@@ -8974,7 +9069,13 @@
         </p:sp>
         <p:sp>
           <p:nvSpPr>
-            <p:cNvPr id="11279" name="Text Box 16"/>
+            <p:cNvPr id="63" name="Text Box 16">
+              <a:extLst>
+                <a:ext uri="{FF2B5EF4-FFF2-40B4-BE49-F238E27FC236}">
+                  <a16:creationId xmlns:a16="http://schemas.microsoft.com/office/drawing/2014/main" id="{D33C4A6A-00C2-4723-B3D3-7EFE51ADBAA6}"/>
+                </a:ext>
+              </a:extLst>
+            </p:cNvPr>
             <p:cNvSpPr txBox="1">
               <a:spLocks noChangeArrowheads="1"/>
             </p:cNvSpPr>
@@ -8982,7 +9083,7 @@
           </p:nvSpPr>
           <p:spPr bwMode="auto">
             <a:xfrm>
-              <a:off x="7379679" y="4880419"/>
+              <a:off x="7225598" y="4880419"/>
               <a:ext cx="1516442" cy="339196"/>
             </a:xfrm>
             <a:prstGeom prst="rect">
@@ -9020,11 +9121,17 @@
         </p:sp>
         <p:cxnSp>
           <p:nvCxnSpPr>
-            <p:cNvPr id="11280" name="AutoShape 17"/>
+            <p:cNvPr id="64" name="AutoShape 17">
+              <a:extLst>
+                <a:ext uri="{FF2B5EF4-FFF2-40B4-BE49-F238E27FC236}">
+                  <a16:creationId xmlns:a16="http://schemas.microsoft.com/office/drawing/2014/main" id="{B3CBB820-09D1-477E-A06E-750333250337}"/>
+                </a:ext>
+              </a:extLst>
+            </p:cNvPr>
             <p:cNvCxnSpPr>
               <a:cxnSpLocks noChangeShapeType="1"/>
-              <a:stCxn id="11270" idx="0"/>
-              <a:endCxn id="2" idx="3"/>
+              <a:stCxn id="54" idx="0"/>
+              <a:endCxn id="86" idx="3"/>
             </p:cNvCxnSpPr>
             <p:nvPr/>
           </p:nvCxnSpPr>
@@ -9051,11 +9158,17 @@
         </p:cxnSp>
         <p:cxnSp>
           <p:nvCxnSpPr>
-            <p:cNvPr id="11281" name="AutoShape 18"/>
+            <p:cNvPr id="65" name="AutoShape 18">
+              <a:extLst>
+                <a:ext uri="{FF2B5EF4-FFF2-40B4-BE49-F238E27FC236}">
+                  <a16:creationId xmlns:a16="http://schemas.microsoft.com/office/drawing/2014/main" id="{411CD576-7849-4563-96FC-10DB8E3FBFB4}"/>
+                </a:ext>
+              </a:extLst>
+            </p:cNvPr>
             <p:cNvCxnSpPr>
               <a:cxnSpLocks noChangeShapeType="1"/>
-              <a:stCxn id="11271" idx="0"/>
-              <a:endCxn id="2" idx="3"/>
+              <a:stCxn id="55" idx="0"/>
+              <a:endCxn id="86" idx="3"/>
             </p:cNvCxnSpPr>
             <p:nvPr/>
           </p:nvCxnSpPr>
@@ -9082,11 +9195,17 @@
         </p:cxnSp>
         <p:cxnSp>
           <p:nvCxnSpPr>
-            <p:cNvPr id="11282" name="AutoShape 20"/>
+            <p:cNvPr id="66" name="AutoShape 20">
+              <a:extLst>
+                <a:ext uri="{FF2B5EF4-FFF2-40B4-BE49-F238E27FC236}">
+                  <a16:creationId xmlns:a16="http://schemas.microsoft.com/office/drawing/2014/main" id="{14197E0D-553E-4455-88DD-5CE9788CAD11}"/>
+                </a:ext>
+              </a:extLst>
+            </p:cNvPr>
             <p:cNvCxnSpPr>
               <a:cxnSpLocks noChangeShapeType="1"/>
-              <a:stCxn id="11272" idx="0"/>
-              <a:endCxn id="2" idx="3"/>
+              <a:stCxn id="56" idx="0"/>
+              <a:endCxn id="86" idx="3"/>
             </p:cNvCxnSpPr>
             <p:nvPr/>
           </p:nvCxnSpPr>
@@ -9113,18 +9232,24 @@
         </p:cxnSp>
         <p:cxnSp>
           <p:nvCxnSpPr>
-            <p:cNvPr id="11283" name="AutoShape 21"/>
+            <p:cNvPr id="67" name="AutoShape 21">
+              <a:extLst>
+                <a:ext uri="{FF2B5EF4-FFF2-40B4-BE49-F238E27FC236}">
+                  <a16:creationId xmlns:a16="http://schemas.microsoft.com/office/drawing/2014/main" id="{7FB079F0-A082-4E52-BBE7-3D9B282F01FA}"/>
+                </a:ext>
+              </a:extLst>
+            </p:cNvPr>
             <p:cNvCxnSpPr>
               <a:cxnSpLocks noChangeShapeType="1"/>
-              <a:stCxn id="11277" idx="0"/>
-              <a:endCxn id="2" idx="3"/>
+              <a:stCxn id="61" idx="0"/>
+              <a:endCxn id="86" idx="3"/>
             </p:cNvCxnSpPr>
             <p:nvPr/>
           </p:nvCxnSpPr>
           <p:spPr bwMode="auto">
             <a:xfrm rot="16200000" flipV="1">
-              <a:off x="5995706" y="837770"/>
-              <a:ext cx="493181" cy="3340592"/>
+              <a:off x="5966113" y="867364"/>
+              <a:ext cx="493181" cy="3281403"/>
             </a:xfrm>
             <a:prstGeom prst="bentConnector3">
               <a:avLst>
@@ -9144,18 +9269,24 @@
         </p:cxnSp>
         <p:cxnSp>
           <p:nvCxnSpPr>
-            <p:cNvPr id="11284" name="AutoShape 22"/>
+            <p:cNvPr id="68" name="AutoShape 22">
+              <a:extLst>
+                <a:ext uri="{FF2B5EF4-FFF2-40B4-BE49-F238E27FC236}">
+                  <a16:creationId xmlns:a16="http://schemas.microsoft.com/office/drawing/2014/main" id="{E84ABDB0-6080-4B91-81A9-8A8F390856EA}"/>
+                </a:ext>
+              </a:extLst>
+            </p:cNvPr>
             <p:cNvCxnSpPr>
               <a:cxnSpLocks noChangeShapeType="1"/>
-              <a:stCxn id="39" idx="0"/>
-              <a:endCxn id="46" idx="3"/>
+              <a:stCxn id="83" idx="0"/>
+              <a:endCxn id="87" idx="3"/>
             </p:cNvCxnSpPr>
             <p:nvPr/>
           </p:nvCxnSpPr>
           <p:spPr bwMode="auto">
             <a:xfrm rot="5400000" flipH="1" flipV="1">
-              <a:off x="1594389" y="2923429"/>
-              <a:ext cx="575557" cy="1262575"/>
+              <a:off x="1598236" y="2919581"/>
+              <a:ext cx="567863" cy="1262576"/>
             </a:xfrm>
             <a:prstGeom prst="bentConnector3">
               <a:avLst>
@@ -9175,7 +9306,13 @@
         </p:cxnSp>
         <p:sp>
           <p:nvSpPr>
-            <p:cNvPr id="11286" name="Text Box 24"/>
+            <p:cNvPr id="69" name="Text Box 24">
+              <a:extLst>
+                <a:ext uri="{FF2B5EF4-FFF2-40B4-BE49-F238E27FC236}">
+                  <a16:creationId xmlns:a16="http://schemas.microsoft.com/office/drawing/2014/main" id="{28D37872-62E2-4EE8-829E-5A0E6394AE37}"/>
+                </a:ext>
+              </a:extLst>
+            </p:cNvPr>
             <p:cNvSpPr txBox="1">
               <a:spLocks noChangeArrowheads="1"/>
             </p:cNvSpPr>
@@ -9183,8 +9320,8 @@
           </p:nvSpPr>
           <p:spPr bwMode="auto">
             <a:xfrm>
-              <a:off x="8126914" y="3842494"/>
-              <a:ext cx="743793" cy="339196"/>
+              <a:off x="7883906" y="3834800"/>
+              <a:ext cx="1228670" cy="339196"/>
             </a:xfrm>
             <a:prstGeom prst="rect">
               <a:avLst/>
@@ -9214,25 +9351,31 @@
                 <a:rPr lang="en-US" sz="1600" dirty="0">
                   <a:latin typeface="+mn-lt"/>
                 </a:rPr>
-                <a:t>Literal</a:t>
+                <a:t>ConstValue</a:t>
               </a:r>
             </a:p>
           </p:txBody>
         </p:sp>
         <p:cxnSp>
           <p:nvCxnSpPr>
-            <p:cNvPr id="11287" name="AutoShape 25"/>
+            <p:cNvPr id="70" name="AutoShape 25">
+              <a:extLst>
+                <a:ext uri="{FF2B5EF4-FFF2-40B4-BE49-F238E27FC236}">
+                  <a16:creationId xmlns:a16="http://schemas.microsoft.com/office/drawing/2014/main" id="{C2C8F066-45E9-4A8D-8880-6FC6BDDEE83D}"/>
+                </a:ext>
+              </a:extLst>
+            </p:cNvPr>
             <p:cNvCxnSpPr>
               <a:cxnSpLocks noChangeShapeType="1"/>
-              <a:stCxn id="11275" idx="0"/>
-              <a:endCxn id="47" idx="3"/>
+              <a:stCxn id="59" idx="0"/>
+              <a:endCxn id="88" idx="3"/>
             </p:cNvCxnSpPr>
             <p:nvPr/>
           </p:nvCxnSpPr>
           <p:spPr bwMode="auto">
             <a:xfrm rot="5400000" flipH="1" flipV="1">
-              <a:off x="5030074" y="3297910"/>
-              <a:ext cx="581167" cy="508002"/>
+              <a:off x="5033921" y="3294063"/>
+              <a:ext cx="573473" cy="508003"/>
             </a:xfrm>
             <a:prstGeom prst="bentConnector3">
               <a:avLst>
@@ -9252,18 +9395,24 @@
         </p:cxnSp>
         <p:cxnSp>
           <p:nvCxnSpPr>
-            <p:cNvPr id="11288" name="AutoShape 26"/>
+            <p:cNvPr id="71" name="AutoShape 26">
+              <a:extLst>
+                <a:ext uri="{FF2B5EF4-FFF2-40B4-BE49-F238E27FC236}">
+                  <a16:creationId xmlns:a16="http://schemas.microsoft.com/office/drawing/2014/main" id="{6C6B2100-1442-4A78-A7B1-F7BA08A55585}"/>
+                </a:ext>
+              </a:extLst>
+            </p:cNvPr>
             <p:cNvCxnSpPr>
               <a:cxnSpLocks noChangeShapeType="1"/>
-              <a:stCxn id="11276" idx="0"/>
-              <a:endCxn id="47" idx="3"/>
+              <a:stCxn id="60" idx="0"/>
+              <a:endCxn id="88" idx="3"/>
             </p:cNvCxnSpPr>
             <p:nvPr/>
           </p:nvCxnSpPr>
           <p:spPr bwMode="auto">
             <a:xfrm rot="16200000" flipV="1">
-              <a:off x="5555395" y="3280591"/>
-              <a:ext cx="581167" cy="542640"/>
+              <a:off x="5511603" y="3324383"/>
+              <a:ext cx="573473" cy="447361"/>
             </a:xfrm>
             <a:prstGeom prst="bentConnector3">
               <a:avLst>
@@ -9283,18 +9432,24 @@
         </p:cxnSp>
         <p:cxnSp>
           <p:nvCxnSpPr>
-            <p:cNvPr id="11289" name="AutoShape 27"/>
+            <p:cNvPr id="72" name="AutoShape 27">
+              <a:extLst>
+                <a:ext uri="{FF2B5EF4-FFF2-40B4-BE49-F238E27FC236}">
+                  <a16:creationId xmlns:a16="http://schemas.microsoft.com/office/drawing/2014/main" id="{1AF84CFF-BAA9-4306-BBB5-8974DFE7F026}"/>
+                </a:ext>
+              </a:extLst>
+            </p:cNvPr>
             <p:cNvCxnSpPr>
               <a:cxnSpLocks noChangeShapeType="1"/>
-              <a:stCxn id="11293" idx="0"/>
-              <a:endCxn id="48" idx="3"/>
+              <a:stCxn id="76" idx="0"/>
+              <a:endCxn id="89" idx="3"/>
             </p:cNvCxnSpPr>
             <p:nvPr/>
           </p:nvCxnSpPr>
           <p:spPr bwMode="auto">
             <a:xfrm rot="5400000" flipH="1" flipV="1">
-              <a:off x="7361094" y="3283304"/>
-              <a:ext cx="573473" cy="529521"/>
+              <a:off x="7254461" y="3235857"/>
+              <a:ext cx="573473" cy="624415"/>
             </a:xfrm>
             <a:prstGeom prst="bentConnector3">
               <a:avLst>
@@ -9314,18 +9469,24 @@
         </p:cxnSp>
         <p:cxnSp>
           <p:nvCxnSpPr>
-            <p:cNvPr id="11290" name="AutoShape 28"/>
+            <p:cNvPr id="73" name="AutoShape 28">
+              <a:extLst>
+                <a:ext uri="{FF2B5EF4-FFF2-40B4-BE49-F238E27FC236}">
+                  <a16:creationId xmlns:a16="http://schemas.microsoft.com/office/drawing/2014/main" id="{8963A75A-D9AE-40F9-B477-7D9DAA9A8739}"/>
+                </a:ext>
+              </a:extLst>
+            </p:cNvPr>
             <p:cNvCxnSpPr>
               <a:cxnSpLocks noChangeShapeType="1"/>
-              <a:stCxn id="11286" idx="0"/>
-              <a:endCxn id="48" idx="3"/>
+              <a:stCxn id="69" idx="0"/>
+              <a:endCxn id="89" idx="3"/>
             </p:cNvCxnSpPr>
             <p:nvPr/>
           </p:nvCxnSpPr>
           <p:spPr bwMode="auto">
             <a:xfrm rot="16200000" flipV="1">
-              <a:off x="7915118" y="3258801"/>
-              <a:ext cx="581167" cy="586220"/>
+              <a:off x="7889087" y="3225645"/>
+              <a:ext cx="573473" cy="644837"/>
             </a:xfrm>
             <a:prstGeom prst="bentConnector3">
               <a:avLst>
@@ -9345,17 +9506,23 @@
         </p:cxnSp>
         <p:cxnSp>
           <p:nvCxnSpPr>
-            <p:cNvPr id="11291" name="AutoShape 29"/>
+            <p:cNvPr id="74" name="AutoShape 29">
+              <a:extLst>
+                <a:ext uri="{FF2B5EF4-FFF2-40B4-BE49-F238E27FC236}">
+                  <a16:creationId xmlns:a16="http://schemas.microsoft.com/office/drawing/2014/main" id="{E5A42DF4-376E-4767-9AE5-02B0B8CB8A86}"/>
+                </a:ext>
+              </a:extLst>
+            </p:cNvPr>
             <p:cNvCxnSpPr>
               <a:cxnSpLocks noChangeShapeType="1"/>
-              <a:stCxn id="11278" idx="0"/>
-              <a:endCxn id="49" idx="3"/>
+              <a:stCxn id="62" idx="0"/>
+              <a:endCxn id="90" idx="3"/>
             </p:cNvCxnSpPr>
             <p:nvPr/>
           </p:nvCxnSpPr>
           <p:spPr bwMode="auto">
             <a:xfrm rot="5400000" flipH="1" flipV="1">
-              <a:off x="6774610" y="4271960"/>
+              <a:off x="6620529" y="4271960"/>
               <a:ext cx="535462" cy="681457"/>
             </a:xfrm>
             <a:prstGeom prst="bentConnector3">
@@ -9376,17 +9543,23 @@
         </p:cxnSp>
         <p:cxnSp>
           <p:nvCxnSpPr>
-            <p:cNvPr id="11292" name="AutoShape 30"/>
+            <p:cNvPr id="75" name="AutoShape 30">
+              <a:extLst>
+                <a:ext uri="{FF2B5EF4-FFF2-40B4-BE49-F238E27FC236}">
+                  <a16:creationId xmlns:a16="http://schemas.microsoft.com/office/drawing/2014/main" id="{EECD13BA-BB75-425F-B3D6-3F0EF7FB8DFC}"/>
+                </a:ext>
+              </a:extLst>
+            </p:cNvPr>
             <p:cNvCxnSpPr>
               <a:cxnSpLocks noChangeShapeType="1"/>
-              <a:stCxn id="11279" idx="0"/>
-              <a:endCxn id="49" idx="3"/>
+              <a:stCxn id="63" idx="0"/>
+              <a:endCxn id="90" idx="3"/>
             </p:cNvCxnSpPr>
             <p:nvPr/>
           </p:nvCxnSpPr>
           <p:spPr bwMode="auto">
             <a:xfrm rot="16200000" flipV="1">
-              <a:off x="7492754" y="4235273"/>
+              <a:off x="7338673" y="4235273"/>
               <a:ext cx="535462" cy="754830"/>
             </a:xfrm>
             <a:prstGeom prst="bentConnector3">
@@ -9407,7 +9580,13 @@
         </p:cxnSp>
         <p:sp>
           <p:nvSpPr>
-            <p:cNvPr id="11293" name="Rectangle 14"/>
+            <p:cNvPr id="76" name="Rectangle 14">
+              <a:extLst>
+                <a:ext uri="{FF2B5EF4-FFF2-40B4-BE49-F238E27FC236}">
+                  <a16:creationId xmlns:a16="http://schemas.microsoft.com/office/drawing/2014/main" id="{4C3C232F-D75F-4855-9B83-59DC20CBF490}"/>
+                </a:ext>
+              </a:extLst>
+            </p:cNvPr>
             <p:cNvSpPr>
               <a:spLocks noChangeArrowheads="1"/>
             </p:cNvSpPr>
@@ -9415,7 +9594,7 @@
           </p:nvSpPr>
           <p:spPr bwMode="auto">
             <a:xfrm>
-              <a:off x="6789157" y="3834800"/>
+              <a:off x="6635076" y="3834800"/>
               <a:ext cx="1187826" cy="339196"/>
             </a:xfrm>
             <a:prstGeom prst="rect">
@@ -9448,7 +9627,13 @@
         </p:sp>
         <p:sp>
           <p:nvSpPr>
-            <p:cNvPr id="30" name="Text Box 9"/>
+            <p:cNvPr id="77" name="Text Box 9">
+              <a:extLst>
+                <a:ext uri="{FF2B5EF4-FFF2-40B4-BE49-F238E27FC236}">
+                  <a16:creationId xmlns:a16="http://schemas.microsoft.com/office/drawing/2014/main" id="{27A5AB06-B7C9-4D03-B2CC-BE80FAB6473F}"/>
+                </a:ext>
+              </a:extLst>
+            </p:cNvPr>
             <p:cNvSpPr txBox="1">
               <a:spLocks noChangeArrowheads="1"/>
             </p:cNvSpPr>
@@ -9456,7 +9641,7 @@
           </p:nvSpPr>
           <p:spPr bwMode="auto">
             <a:xfrm>
-              <a:off x="2899792" y="3842494"/>
+              <a:off x="2899792" y="3834800"/>
               <a:ext cx="1723229" cy="339196"/>
             </a:xfrm>
             <a:prstGeom prst="rect">
@@ -9494,17 +9679,24 @@
         </p:sp>
         <p:cxnSp>
           <p:nvCxnSpPr>
-            <p:cNvPr id="32" name="Elbow Connector 31"/>
+            <p:cNvPr id="78" name="Elbow Connector 31">
+              <a:extLst>
+                <a:ext uri="{FF2B5EF4-FFF2-40B4-BE49-F238E27FC236}">
+                  <a16:creationId xmlns:a16="http://schemas.microsoft.com/office/drawing/2014/main" id="{E7859A31-C6F4-4DA9-9EFF-79069DB1F751}"/>
+                </a:ext>
+              </a:extLst>
+            </p:cNvPr>
             <p:cNvCxnSpPr>
-              <a:stCxn id="30" idx="0"/>
-              <a:endCxn id="46" idx="3"/>
+              <a:cxnSpLocks/>
+              <a:stCxn id="77" idx="0"/>
+              <a:endCxn id="87" idx="3"/>
             </p:cNvCxnSpPr>
             <p:nvPr/>
           </p:nvCxnSpPr>
           <p:spPr bwMode="auto">
             <a:xfrm rot="16200000" flipV="1">
-              <a:off x="2849653" y="2930740"/>
-              <a:ext cx="575557" cy="1247952"/>
+              <a:off x="2853500" y="2926893"/>
+              <a:ext cx="567863" cy="1247951"/>
             </a:xfrm>
             <a:prstGeom prst="bentConnector3">
               <a:avLst>
@@ -9524,7 +9716,13 @@
         </p:cxnSp>
         <p:sp>
           <p:nvSpPr>
-            <p:cNvPr id="33" name="Text Box 9"/>
+            <p:cNvPr id="79" name="Text Box 9">
+              <a:extLst>
+                <a:ext uri="{FF2B5EF4-FFF2-40B4-BE49-F238E27FC236}">
+                  <a16:creationId xmlns:a16="http://schemas.microsoft.com/office/drawing/2014/main" id="{878954CD-3858-4DDA-8D52-D950154B1BDF}"/>
+                </a:ext>
+              </a:extLst>
+            </p:cNvPr>
             <p:cNvSpPr txBox="1">
               <a:spLocks noChangeArrowheads="1"/>
             </p:cNvSpPr>
@@ -9570,7 +9768,13 @@
         </p:sp>
         <p:sp>
           <p:nvSpPr>
-            <p:cNvPr id="34" name="Text Box 9"/>
+            <p:cNvPr id="80" name="Text Box 9">
+              <a:extLst>
+                <a:ext uri="{FF2B5EF4-FFF2-40B4-BE49-F238E27FC236}">
+                  <a16:creationId xmlns:a16="http://schemas.microsoft.com/office/drawing/2014/main" id="{53E11A1D-7810-4F36-A619-333AAE52EE55}"/>
+                </a:ext>
+              </a:extLst>
+            </p:cNvPr>
             <p:cNvSpPr txBox="1">
               <a:spLocks noChangeArrowheads="1"/>
             </p:cNvSpPr>
@@ -9616,10 +9820,17 @@
         </p:sp>
         <p:cxnSp>
           <p:nvCxnSpPr>
-            <p:cNvPr id="36" name="Elbow Connector 35"/>
+            <p:cNvPr id="81" name="Elbow Connector 35">
+              <a:extLst>
+                <a:ext uri="{FF2B5EF4-FFF2-40B4-BE49-F238E27FC236}">
+                  <a16:creationId xmlns:a16="http://schemas.microsoft.com/office/drawing/2014/main" id="{51D072E4-8D97-4D6D-AFFB-6DB219327F21}"/>
+                </a:ext>
+              </a:extLst>
+            </p:cNvPr>
             <p:cNvCxnSpPr>
-              <a:stCxn id="33" idx="0"/>
-              <a:endCxn id="50" idx="3"/>
+              <a:cxnSpLocks/>
+              <a:stCxn id="79" idx="0"/>
+              <a:endCxn id="91" idx="3"/>
             </p:cNvCxnSpPr>
             <p:nvPr/>
           </p:nvCxnSpPr>
@@ -9646,10 +9857,17 @@
         </p:cxnSp>
         <p:cxnSp>
           <p:nvCxnSpPr>
-            <p:cNvPr id="38" name="Elbow Connector 37"/>
+            <p:cNvPr id="82" name="Elbow Connector 37">
+              <a:extLst>
+                <a:ext uri="{FF2B5EF4-FFF2-40B4-BE49-F238E27FC236}">
+                  <a16:creationId xmlns:a16="http://schemas.microsoft.com/office/drawing/2014/main" id="{4D18C273-62AD-4DA9-9B04-F6145ED4DED1}"/>
+                </a:ext>
+              </a:extLst>
+            </p:cNvPr>
             <p:cNvCxnSpPr>
-              <a:stCxn id="34" idx="0"/>
-              <a:endCxn id="50" idx="3"/>
+              <a:cxnSpLocks/>
+              <a:stCxn id="80" idx="0"/>
+              <a:endCxn id="91" idx="3"/>
             </p:cNvCxnSpPr>
             <p:nvPr/>
           </p:nvCxnSpPr>
@@ -9676,7 +9894,13 @@
         </p:cxnSp>
         <p:sp>
           <p:nvSpPr>
-            <p:cNvPr id="39" name="Text Box 9"/>
+            <p:cNvPr id="83" name="Text Box 9">
+              <a:extLst>
+                <a:ext uri="{FF2B5EF4-FFF2-40B4-BE49-F238E27FC236}">
+                  <a16:creationId xmlns:a16="http://schemas.microsoft.com/office/drawing/2014/main" id="{1E0075C0-3D3E-4A1E-9355-D2A4AB20CB48}"/>
+                </a:ext>
+              </a:extLst>
+            </p:cNvPr>
             <p:cNvSpPr txBox="1">
               <a:spLocks noChangeArrowheads="1"/>
             </p:cNvSpPr>
@@ -9684,7 +9908,7 @@
           </p:nvSpPr>
           <p:spPr bwMode="auto">
             <a:xfrm>
-              <a:off x="714675" y="3842494"/>
+              <a:off x="714675" y="3834800"/>
               <a:ext cx="1072409" cy="339196"/>
             </a:xfrm>
             <a:prstGeom prst="rect">
@@ -9722,10 +9946,17 @@
         </p:sp>
         <p:cxnSp>
           <p:nvCxnSpPr>
-            <p:cNvPr id="43" name="Elbow Connector 42"/>
+            <p:cNvPr id="84" name="Elbow Connector 42">
+              <a:extLst>
+                <a:ext uri="{FF2B5EF4-FFF2-40B4-BE49-F238E27FC236}">
+                  <a16:creationId xmlns:a16="http://schemas.microsoft.com/office/drawing/2014/main" id="{871F1FA3-E15F-4D8D-8738-E5EFE4EDD7ED}"/>
+                </a:ext>
+              </a:extLst>
+            </p:cNvPr>
             <p:cNvCxnSpPr>
-              <a:stCxn id="11273" idx="0"/>
-              <a:endCxn id="51" idx="3"/>
+              <a:cxnSpLocks/>
+              <a:stCxn id="57" idx="0"/>
+              <a:endCxn id="92" idx="3"/>
             </p:cNvCxnSpPr>
             <p:nvPr/>
           </p:nvCxnSpPr>
@@ -9752,10 +9983,17 @@
         </p:cxnSp>
         <p:cxnSp>
           <p:nvCxnSpPr>
-            <p:cNvPr id="45" name="Elbow Connector 44"/>
+            <p:cNvPr id="85" name="Elbow Connector 44">
+              <a:extLst>
+                <a:ext uri="{FF2B5EF4-FFF2-40B4-BE49-F238E27FC236}">
+                  <a16:creationId xmlns:a16="http://schemas.microsoft.com/office/drawing/2014/main" id="{E0995014-1AD4-46BE-A339-2F3B5CCBF7E8}"/>
+                </a:ext>
+              </a:extLst>
+            </p:cNvPr>
             <p:cNvCxnSpPr>
-              <a:stCxn id="11274" idx="0"/>
-              <a:endCxn id="51" idx="3"/>
+              <a:cxnSpLocks/>
+              <a:stCxn id="58" idx="0"/>
+              <a:endCxn id="92" idx="3"/>
             </p:cNvCxnSpPr>
             <p:nvPr/>
           </p:nvCxnSpPr>
@@ -9782,7 +10020,13 @@
         </p:cxnSp>
         <p:sp>
           <p:nvSpPr>
-            <p:cNvPr id="2" name="Isosceles Triangle 1"/>
+            <p:cNvPr id="86" name="Isosceles Triangle 85">
+              <a:extLst>
+                <a:ext uri="{FF2B5EF4-FFF2-40B4-BE49-F238E27FC236}">
+                  <a16:creationId xmlns:a16="http://schemas.microsoft.com/office/drawing/2014/main" id="{04B972AE-8E7D-49D8-968D-9A7EF11C6D6A}"/>
+                </a:ext>
+              </a:extLst>
+            </p:cNvPr>
             <p:cNvSpPr/>
             <p:nvPr/>
           </p:nvSpPr>
@@ -9845,7 +10089,13 @@
         </p:sp>
         <p:sp>
           <p:nvSpPr>
-            <p:cNvPr id="46" name="Isosceles Triangle 45"/>
+            <p:cNvPr id="87" name="Isosceles Triangle 86">
+              <a:extLst>
+                <a:ext uri="{FF2B5EF4-FFF2-40B4-BE49-F238E27FC236}">
+                  <a16:creationId xmlns:a16="http://schemas.microsoft.com/office/drawing/2014/main" id="{8970A8B8-0C9A-4397-93EE-B26ED2C47BD2}"/>
+                </a:ext>
+              </a:extLst>
+            </p:cNvPr>
             <p:cNvSpPr/>
             <p:nvPr/>
           </p:nvSpPr>
@@ -9908,7 +10158,13 @@
         </p:sp>
         <p:sp>
           <p:nvSpPr>
-            <p:cNvPr id="47" name="Isosceles Triangle 46"/>
+            <p:cNvPr id="88" name="Isosceles Triangle 87">
+              <a:extLst>
+                <a:ext uri="{FF2B5EF4-FFF2-40B4-BE49-F238E27FC236}">
+                  <a16:creationId xmlns:a16="http://schemas.microsoft.com/office/drawing/2014/main" id="{8E3A80A0-A353-41BC-8EA6-2B91ABCC5BB8}"/>
+                </a:ext>
+              </a:extLst>
+            </p:cNvPr>
             <p:cNvSpPr/>
             <p:nvPr/>
           </p:nvSpPr>
@@ -9971,13 +10227,19 @@
         </p:sp>
         <p:sp>
           <p:nvSpPr>
-            <p:cNvPr id="48" name="Isosceles Triangle 47"/>
+            <p:cNvPr id="89" name="Isosceles Triangle 88">
+              <a:extLst>
+                <a:ext uri="{FF2B5EF4-FFF2-40B4-BE49-F238E27FC236}">
+                  <a16:creationId xmlns:a16="http://schemas.microsoft.com/office/drawing/2014/main" id="{05B0C75D-25B0-452D-BB51-7985E3C58257}"/>
+                </a:ext>
+              </a:extLst>
+            </p:cNvPr>
             <p:cNvSpPr/>
             <p:nvPr/>
           </p:nvSpPr>
           <p:spPr bwMode="auto">
             <a:xfrm>
-              <a:off x="7830295" y="3096735"/>
+              <a:off x="7771108" y="3096735"/>
               <a:ext cx="164592" cy="164592"/>
             </a:xfrm>
             <a:prstGeom prst="triangle">
@@ -10034,13 +10296,19 @@
         </p:sp>
         <p:sp>
           <p:nvSpPr>
-            <p:cNvPr id="49" name="Isosceles Triangle 48"/>
+            <p:cNvPr id="90" name="Isosceles Triangle 89">
+              <a:extLst>
+                <a:ext uri="{FF2B5EF4-FFF2-40B4-BE49-F238E27FC236}">
+                  <a16:creationId xmlns:a16="http://schemas.microsoft.com/office/drawing/2014/main" id="{034B1F16-C28D-405B-A310-3BE48806DD7D}"/>
+                </a:ext>
+              </a:extLst>
+            </p:cNvPr>
             <p:cNvSpPr/>
             <p:nvPr/>
           </p:nvSpPr>
           <p:spPr bwMode="auto">
             <a:xfrm>
-              <a:off x="7300774" y="4180365"/>
+              <a:off x="7146693" y="4180365"/>
               <a:ext cx="164592" cy="164592"/>
             </a:xfrm>
             <a:prstGeom prst="triangle">
@@ -10097,7 +10365,13 @@
         </p:sp>
         <p:sp>
           <p:nvSpPr>
-            <p:cNvPr id="50" name="Isosceles Triangle 49"/>
+            <p:cNvPr id="91" name="Isosceles Triangle 90">
+              <a:extLst>
+                <a:ext uri="{FF2B5EF4-FFF2-40B4-BE49-F238E27FC236}">
+                  <a16:creationId xmlns:a16="http://schemas.microsoft.com/office/drawing/2014/main" id="{A4CC74D1-2D6C-4E1D-A8DC-5ED48E9DBB04}"/>
+                </a:ext>
+              </a:extLst>
+            </p:cNvPr>
             <p:cNvSpPr/>
             <p:nvPr/>
           </p:nvSpPr>
@@ -10160,7 +10434,13 @@
         </p:sp>
         <p:sp>
           <p:nvSpPr>
-            <p:cNvPr id="51" name="Isosceles Triangle 50"/>
+            <p:cNvPr id="92" name="Isosceles Triangle 91">
+              <a:extLst>
+                <a:ext uri="{FF2B5EF4-FFF2-40B4-BE49-F238E27FC236}">
+                  <a16:creationId xmlns:a16="http://schemas.microsoft.com/office/drawing/2014/main" id="{8387536B-888D-41CF-966E-C176EB12CD51}"/>
+                </a:ext>
+              </a:extLst>
+            </p:cNvPr>
             <p:cNvSpPr/>
             <p:nvPr/>
           </p:nvSpPr>
@@ -10222,35 +10502,6 @@
           </p:txBody>
         </p:sp>
       </p:grpSp>
-      <p:sp>
-        <p:nvSpPr>
-          <p:cNvPr id="23" name="TextBox 22"/>
-          <p:cNvSpPr txBox="1"/>
-          <p:nvPr/>
-        </p:nvSpPr>
-        <p:spPr>
-          <a:xfrm>
-            <a:off x="1752959" y="5638800"/>
-            <a:ext cx="5638083" cy="400110"/>
-          </a:xfrm>
-          <a:prstGeom prst="rect">
-            <a:avLst/>
-          </a:prstGeom>
-          <a:noFill/>
-        </p:spPr>
-        <p:txBody>
-          <a:bodyPr wrap="none" rtlCol="0">
-            <a:spAutoFit/>
-          </a:bodyPr>
-          <a:lstStyle/>
-          <a:p>
-            <a:r>
-              <a:rPr lang="en-US" sz="2000" dirty="0"/>
-              <a:t>(names for abstract classes are shown in italics)</a:t>
-            </a:r>
-          </a:p>
-        </p:txBody>
-      </p:sp>
     </p:spTree>
   </p:cSld>
   <p:clrMapOvr>

--- a/PowerPoint Slides/08 - Abstract Syntax Trees.pptx
+++ b/PowerPoint Slides/08 - Abstract Syntax Trees.pptx
@@ -25664,7 +25664,7 @@
           <a:p>
             <a:r>
               <a:rPr lang="en-US" dirty="0"/>
-              <a:t>Once a loop statement has been parsed, we don’t need to retain the nonterminal symbols.  The AST for a loop statement would contain only the statements in the body of the loop and the optional boolean expression (e.g., the reference to the boolean expression could be null).</a:t>
+              <a:t>Once a loop statement has been parsed, we don’t need to retain the terminal symbols.  The AST for a loop statement would contain only the statements in the body of the loop and the optional boolean expression (e.g., the reference to the boolean expression could be null).</a:t>
             </a:r>
           </a:p>
           <a:p>
